--- a/src/assets/Image.pptx
+++ b/src/assets/Image.pptx
@@ -5,9 +5,9 @@
     <p:sldMasterId id="2147483648" r:id="rId1"/>
   </p:sldMasterIdLst>
   <p:sldIdLst>
-    <p:sldId id="257" r:id="rId2"/>
-    <p:sldId id="260" r:id="rId3"/>
-    <p:sldId id="258" r:id="rId4"/>
+    <p:sldId id="258" r:id="rId2"/>
+    <p:sldId id="257" r:id="rId3"/>
+    <p:sldId id="260" r:id="rId4"/>
     <p:sldId id="261" r:id="rId5"/>
   </p:sldIdLst>
   <p:sldSz cx="12192000" cy="6858000"/>
@@ -264,7 +264,7 @@
           <a:p>
             <a:fld id="{C78478C6-0EA8-4576-8781-E13A69042FE5}" type="datetimeFigureOut">
               <a:rPr lang="en-IN" smtClean="0"/>
-              <a:t>09-09-2020</a:t>
+              <a:t>10-09-2020</a:t>
             </a:fld>
             <a:endParaRPr lang="en-IN"/>
           </a:p>
@@ -464,7 +464,7 @@
           <a:p>
             <a:fld id="{C78478C6-0EA8-4576-8781-E13A69042FE5}" type="datetimeFigureOut">
               <a:rPr lang="en-IN" smtClean="0"/>
-              <a:t>09-09-2020</a:t>
+              <a:t>10-09-2020</a:t>
             </a:fld>
             <a:endParaRPr lang="en-IN"/>
           </a:p>
@@ -674,7 +674,7 @@
           <a:p>
             <a:fld id="{C78478C6-0EA8-4576-8781-E13A69042FE5}" type="datetimeFigureOut">
               <a:rPr lang="en-IN" smtClean="0"/>
-              <a:t>09-09-2020</a:t>
+              <a:t>10-09-2020</a:t>
             </a:fld>
             <a:endParaRPr lang="en-IN"/>
           </a:p>
@@ -874,7 +874,7 @@
           <a:p>
             <a:fld id="{C78478C6-0EA8-4576-8781-E13A69042FE5}" type="datetimeFigureOut">
               <a:rPr lang="en-IN" smtClean="0"/>
-              <a:t>09-09-2020</a:t>
+              <a:t>10-09-2020</a:t>
             </a:fld>
             <a:endParaRPr lang="en-IN"/>
           </a:p>
@@ -1150,7 +1150,7 @@
           <a:p>
             <a:fld id="{C78478C6-0EA8-4576-8781-E13A69042FE5}" type="datetimeFigureOut">
               <a:rPr lang="en-IN" smtClean="0"/>
-              <a:t>09-09-2020</a:t>
+              <a:t>10-09-2020</a:t>
             </a:fld>
             <a:endParaRPr lang="en-IN"/>
           </a:p>
@@ -1418,7 +1418,7 @@
           <a:p>
             <a:fld id="{C78478C6-0EA8-4576-8781-E13A69042FE5}" type="datetimeFigureOut">
               <a:rPr lang="en-IN" smtClean="0"/>
-              <a:t>09-09-2020</a:t>
+              <a:t>10-09-2020</a:t>
             </a:fld>
             <a:endParaRPr lang="en-IN"/>
           </a:p>
@@ -1833,7 +1833,7 @@
           <a:p>
             <a:fld id="{C78478C6-0EA8-4576-8781-E13A69042FE5}" type="datetimeFigureOut">
               <a:rPr lang="en-IN" smtClean="0"/>
-              <a:t>09-09-2020</a:t>
+              <a:t>10-09-2020</a:t>
             </a:fld>
             <a:endParaRPr lang="en-IN"/>
           </a:p>
@@ -1975,7 +1975,7 @@
           <a:p>
             <a:fld id="{C78478C6-0EA8-4576-8781-E13A69042FE5}" type="datetimeFigureOut">
               <a:rPr lang="en-IN" smtClean="0"/>
-              <a:t>09-09-2020</a:t>
+              <a:t>10-09-2020</a:t>
             </a:fld>
             <a:endParaRPr lang="en-IN"/>
           </a:p>
@@ -2088,7 +2088,7 @@
           <a:p>
             <a:fld id="{C78478C6-0EA8-4576-8781-E13A69042FE5}" type="datetimeFigureOut">
               <a:rPr lang="en-IN" smtClean="0"/>
-              <a:t>09-09-2020</a:t>
+              <a:t>10-09-2020</a:t>
             </a:fld>
             <a:endParaRPr lang="en-IN"/>
           </a:p>
@@ -2401,7 +2401,7 @@
           <a:p>
             <a:fld id="{C78478C6-0EA8-4576-8781-E13A69042FE5}" type="datetimeFigureOut">
               <a:rPr lang="en-IN" smtClean="0"/>
-              <a:t>09-09-2020</a:t>
+              <a:t>10-09-2020</a:t>
             </a:fld>
             <a:endParaRPr lang="en-IN"/>
           </a:p>
@@ -2690,7 +2690,7 @@
           <a:p>
             <a:fld id="{C78478C6-0EA8-4576-8781-E13A69042FE5}" type="datetimeFigureOut">
               <a:rPr lang="en-IN" smtClean="0"/>
-              <a:t>09-09-2020</a:t>
+              <a:t>10-09-2020</a:t>
             </a:fld>
             <a:endParaRPr lang="en-IN"/>
           </a:p>
@@ -2933,7 +2933,7 @@
           <a:p>
             <a:fld id="{C78478C6-0EA8-4576-8781-E13A69042FE5}" type="datetimeFigureOut">
               <a:rPr lang="en-IN" smtClean="0"/>
-              <a:t>09-09-2020</a:t>
+              <a:t>10-09-2020</a:t>
             </a:fld>
             <a:endParaRPr lang="en-IN"/>
           </a:p>
@@ -3364,12 +3364,17 @@
         </p:nvSpPr>
         <p:spPr>
           <a:xfrm rot="20478867">
-            <a:off x="5469981" y="770311"/>
+            <a:off x="5466697" y="754523"/>
             <a:ext cx="761252" cy="757106"/>
           </a:xfrm>
           <a:prstGeom prst="wedgeEllipseCallout">
             <a:avLst/>
           </a:prstGeom>
+          <a:ln>
+            <a:solidFill>
+              <a:srgbClr val="0070C0"/>
+            </a:solidFill>
+          </a:ln>
         </p:spPr>
         <p:style>
           <a:lnRef idx="2">
@@ -3417,15 +3422,24 @@
             <a:avLst/>
           </a:prstGeom>
           <a:solidFill>
-            <a:schemeClr val="bg1"/>
+            <a:schemeClr val="bg1">
+              <a:lumMod val="85000"/>
+            </a:schemeClr>
           </a:solidFill>
+          <a:ln>
+            <a:noFill/>
+          </a:ln>
           <a:effectLst>
-            <a:innerShdw blurRad="63500" dist="50800" dir="2700000">
-              <a:prstClr val="black">
-                <a:alpha val="50000"/>
-              </a:prstClr>
-            </a:innerShdw>
+            <a:outerShdw blurRad="101600" dist="50800" dir="5400000" sx="103000" sy="103000" algn="ctr" rotWithShape="0">
+              <a:schemeClr val="tx1">
+                <a:alpha val="40000"/>
+              </a:schemeClr>
+            </a:outerShdw>
           </a:effectLst>
+          <a:scene3d>
+            <a:camera prst="obliqueTopRight"/>
+            <a:lightRig rig="threePt" dir="t"/>
+          </a:scene3d>
         </p:spPr>
         <p:style>
           <a:lnRef idx="2">
@@ -3466,7 +3480,7 @@
         </p:nvSpPr>
         <p:spPr>
           <a:xfrm>
-            <a:off x="8099864" y="1690146"/>
+            <a:off x="7386095" y="764356"/>
             <a:ext cx="1846555" cy="523220"/>
           </a:xfrm>
           <a:prstGeom prst="rect">
@@ -3481,7 +3495,14 @@
           <a:lstStyle/>
           <a:p>
             <a:r>
-              <a:rPr lang="en-US" sz="1400" b="1" dirty="0"/>
+              <a:rPr lang="en-US" sz="1400" b="1" dirty="0">
+                <a:solidFill>
+                  <a:schemeClr val="accent6">
+                    <a:lumMod val="60000"/>
+                    <a:lumOff val="40000"/>
+                  </a:schemeClr>
+                </a:solidFill>
+              </a:rPr>
               <a:t>Test Management</a:t>
             </a:r>
           </a:p>
@@ -3523,7 +3544,11 @@
           <a:lstStyle/>
           <a:p>
             <a:r>
-              <a:rPr lang="en-US" sz="1400" b="1" dirty="0"/>
+              <a:rPr lang="en-US" sz="1400" b="1" dirty="0">
+                <a:solidFill>
+                  <a:srgbClr val="FFC000"/>
+                </a:solidFill>
+              </a:rPr>
               <a:t>Test Automation</a:t>
             </a:r>
           </a:p>
@@ -3551,8 +3576,8 @@
         </p:nvSpPr>
         <p:spPr>
           <a:xfrm>
-            <a:off x="8218131" y="4364441"/>
-            <a:ext cx="2035349" cy="738664"/>
+            <a:off x="8271627" y="4169833"/>
+            <a:ext cx="1846555" cy="738664"/>
           </a:xfrm>
           <a:prstGeom prst="rect">
             <a:avLst/>
@@ -3566,8 +3591,12 @@
           <a:lstStyle/>
           <a:p>
             <a:r>
-              <a:rPr lang="en-US" sz="1400" b="1" dirty="0"/>
-              <a:t>Code Quality Analysis &amp; Measurement</a:t>
+              <a:rPr lang="en-US" sz="1400" b="1" dirty="0">
+                <a:solidFill>
+                  <a:srgbClr val="63E2F3"/>
+                </a:solidFill>
+              </a:rPr>
+              <a:t>Code Quality Analysis And Measurement</a:t>
             </a:r>
           </a:p>
           <a:p>
@@ -3594,7 +3623,7 @@
         </p:nvSpPr>
         <p:spPr>
           <a:xfrm>
-            <a:off x="7347846" y="5479871"/>
+            <a:off x="7408953" y="5221842"/>
             <a:ext cx="2410707" cy="523220"/>
           </a:xfrm>
           <a:prstGeom prst="rect">
@@ -3609,7 +3638,11 @@
           <a:lstStyle/>
           <a:p>
             <a:r>
-              <a:rPr lang="en-US" sz="1400" b="1" dirty="0"/>
+              <a:rPr lang="en-US" sz="1400" b="1" dirty="0">
+                <a:solidFill>
+                  <a:srgbClr val="64A95F"/>
+                </a:solidFill>
+              </a:rPr>
               <a:t>Code Security Management</a:t>
             </a:r>
           </a:p>
@@ -3652,7 +3685,11 @@
           <a:lstStyle/>
           <a:p>
             <a:r>
-              <a:rPr lang="en-US" sz="1400" b="1" dirty="0"/>
+              <a:rPr lang="en-US" sz="1400" b="1" dirty="0">
+                <a:solidFill>
+                  <a:srgbClr val="0070C0"/>
+                </a:solidFill>
+              </a:rPr>
               <a:t>Configuration Management</a:t>
             </a:r>
           </a:p>
@@ -3679,7 +3716,7 @@
         </p:nvSpPr>
         <p:spPr>
           <a:xfrm>
-            <a:off x="2613937" y="5313708"/>
+            <a:off x="2565690" y="768096"/>
             <a:ext cx="1981205" cy="523220"/>
           </a:xfrm>
           <a:prstGeom prst="rect">
@@ -3694,7 +3731,14 @@
           <a:lstStyle/>
           <a:p>
             <a:r>
-              <a:rPr lang="en-US" sz="1400" b="1" dirty="0"/>
+              <a:rPr lang="en-US" sz="1400" b="1" dirty="0">
+                <a:solidFill>
+                  <a:schemeClr val="accent6">
+                    <a:lumMod val="60000"/>
+                    <a:lumOff val="40000"/>
+                  </a:schemeClr>
+                </a:solidFill>
+              </a:rPr>
               <a:t>Change Management</a:t>
             </a:r>
           </a:p>
@@ -3722,7 +3766,7 @@
         </p:nvSpPr>
         <p:spPr>
           <a:xfrm>
-            <a:off x="1279470" y="4401181"/>
+            <a:off x="1268836" y="4186357"/>
             <a:ext cx="2315314" cy="523220"/>
           </a:xfrm>
           <a:prstGeom prst="rect">
@@ -3737,7 +3781,11 @@
           <a:lstStyle/>
           <a:p>
             <a:r>
-              <a:rPr lang="en-US" sz="1400" b="1" dirty="0"/>
+              <a:rPr lang="en-US" sz="1400" b="1" dirty="0">
+                <a:solidFill>
+                  <a:srgbClr val="63E2F3"/>
+                </a:solidFill>
+              </a:rPr>
               <a:t>Requirement Management</a:t>
             </a:r>
           </a:p>
@@ -3765,7 +3813,7 @@
         </p:nvSpPr>
         <p:spPr>
           <a:xfrm>
-            <a:off x="1315836" y="3095442"/>
+            <a:off x="1259350" y="2989089"/>
             <a:ext cx="2057186" cy="523220"/>
           </a:xfrm>
           <a:prstGeom prst="rect">
@@ -3780,7 +3828,11 @@
           <a:lstStyle/>
           <a:p>
             <a:r>
-              <a:rPr lang="en-US" sz="1400" b="1" dirty="0"/>
+              <a:rPr lang="en-US" sz="1400" b="1" dirty="0">
+                <a:solidFill>
+                  <a:schemeClr val="accent4"/>
+                </a:solidFill>
+              </a:rPr>
               <a:t>IT Service Management</a:t>
             </a:r>
           </a:p>
@@ -3807,7 +3859,7 @@
         </p:nvSpPr>
         <p:spPr>
           <a:xfrm>
-            <a:off x="1632718" y="1834947"/>
+            <a:off x="1620238" y="1735961"/>
             <a:ext cx="2057186" cy="523220"/>
           </a:xfrm>
           <a:prstGeom prst="rect">
@@ -3822,7 +3874,11 @@
           <a:lstStyle/>
           <a:p>
             <a:r>
-              <a:rPr lang="en-US" sz="1400" b="1" dirty="0"/>
+              <a:rPr lang="en-US" sz="1400" b="1" dirty="0">
+                <a:solidFill>
+                  <a:srgbClr val="F00490"/>
+                </a:solidFill>
+              </a:rPr>
               <a:t>Contract Execution Plan</a:t>
             </a:r>
           </a:p>
@@ -3849,8 +3905,8 @@
         </p:nvSpPr>
         <p:spPr>
           <a:xfrm>
-            <a:off x="2326029" y="527444"/>
-            <a:ext cx="2374384" cy="738664"/>
+            <a:off x="2189042" y="5194532"/>
+            <a:ext cx="2254988" cy="738664"/>
           </a:xfrm>
           <a:prstGeom prst="rect">
             <a:avLst/>
@@ -3864,13 +3920,21 @@
           <a:lstStyle/>
           <a:p>
             <a:r>
-              <a:rPr lang="en-US" sz="1400" b="1" dirty="0"/>
+              <a:rPr lang="en-US" sz="1400" b="1" dirty="0">
+                <a:solidFill>
+                  <a:srgbClr val="64A95F"/>
+                </a:solidFill>
+              </a:rPr>
               <a:t>Document management/</a:t>
             </a:r>
           </a:p>
           <a:p>
             <a:r>
-              <a:rPr lang="en-US" sz="1400" b="1" dirty="0"/>
+              <a:rPr lang="en-US" sz="1400" b="1" dirty="0">
+                <a:solidFill>
+                  <a:srgbClr val="64A95F"/>
+                </a:solidFill>
+              </a:rPr>
               <a:t>collaboration/translation</a:t>
             </a:r>
           </a:p>
@@ -3898,8 +3962,8 @@
         </p:nvSpPr>
         <p:spPr>
           <a:xfrm>
-            <a:off x="7087275" y="598430"/>
-            <a:ext cx="3724758" cy="523220"/>
+            <a:off x="8133564" y="1817732"/>
+            <a:ext cx="2157074" cy="738664"/>
           </a:xfrm>
           <a:prstGeom prst="rect">
             <a:avLst/>
@@ -3913,8 +3977,22 @@
           <a:lstStyle/>
           <a:p>
             <a:r>
-              <a:rPr lang="en-US" sz="1400" b="1" dirty="0"/>
-              <a:t>Release Management/Integrations/Migration</a:t>
+              <a:rPr lang="en-US" sz="1400" b="1" dirty="0">
+                <a:solidFill>
+                  <a:srgbClr val="F00490"/>
+                </a:solidFill>
+              </a:rPr>
+              <a:t>Release Management</a:t>
+            </a:r>
+          </a:p>
+          <a:p>
+            <a:r>
+              <a:rPr lang="en-US" sz="1400" b="1" dirty="0">
+                <a:solidFill>
+                  <a:srgbClr val="F00490"/>
+                </a:solidFill>
+              </a:rPr>
+              <a:t>/Integrations/Migration</a:t>
             </a:r>
           </a:p>
           <a:p>
@@ -3941,7 +4019,7 @@
         </p:nvSpPr>
         <p:spPr>
           <a:xfrm>
-            <a:off x="4825687" y="223074"/>
+            <a:off x="4825687" y="196441"/>
             <a:ext cx="1990449" cy="523220"/>
           </a:xfrm>
           <a:prstGeom prst="rect">
@@ -3957,7 +4035,11 @@
           <a:p>
             <a:pPr algn="ctr"/>
             <a:r>
-              <a:rPr lang="en-US" sz="1400" b="1" dirty="0"/>
+              <a:rPr lang="en-US" sz="1400" b="1" dirty="0">
+                <a:solidFill>
+                  <a:srgbClr val="0070C0"/>
+                </a:solidFill>
+              </a:rPr>
               <a:t>Project Management</a:t>
             </a:r>
           </a:p>
@@ -3999,12 +4081,19 @@
         </p:blipFill>
         <p:spPr>
           <a:xfrm>
-            <a:off x="4901983" y="2459305"/>
+            <a:off x="4894340" y="2454495"/>
             <a:ext cx="1926140" cy="1702010"/>
           </a:xfrm>
           <a:prstGeom prst="rect">
             <a:avLst/>
           </a:prstGeom>
+          <a:effectLst>
+            <a:outerShdw blurRad="50800" dir="5400000" algn="ctr" rotWithShape="0">
+              <a:srgbClr val="000000">
+                <a:alpha val="43137"/>
+              </a:srgbClr>
+            </a:outerShdw>
+          </a:effectLst>
         </p:spPr>
       </p:pic>
       <p:sp>
@@ -4075,12 +4164,17 @@
         </p:nvSpPr>
         <p:spPr>
           <a:xfrm rot="9614391">
-            <a:off x="5516921" y="5115681"/>
+            <a:off x="5528957" y="5119592"/>
             <a:ext cx="761252" cy="757106"/>
           </a:xfrm>
           <a:prstGeom prst="wedgeEllipseCallout">
             <a:avLst/>
           </a:prstGeom>
+          <a:ln>
+            <a:solidFill>
+              <a:srgbClr val="0070C0"/>
+            </a:solidFill>
+          </a:ln>
         </p:spPr>
         <p:style>
           <a:lnRef idx="2">
@@ -4127,6 +4221,20 @@
           <a:prstGeom prst="wedgeEllipseCallout">
             <a:avLst/>
           </a:prstGeom>
+          <a:solidFill>
+            <a:schemeClr val="accent6">
+              <a:lumMod val="60000"/>
+              <a:lumOff val="40000"/>
+            </a:schemeClr>
+          </a:solidFill>
+          <a:ln>
+            <a:solidFill>
+              <a:schemeClr val="accent6">
+                <a:lumMod val="60000"/>
+                <a:lumOff val="40000"/>
+              </a:schemeClr>
+            </a:solidFill>
+          </a:ln>
         </p:spPr>
         <p:style>
           <a:lnRef idx="2">
@@ -4167,12 +4275,20 @@
         </p:nvSpPr>
         <p:spPr>
           <a:xfrm rot="1911096">
-            <a:off x="7373355" y="1838472"/>
+            <a:off x="7393915" y="1794461"/>
             <a:ext cx="761252" cy="757106"/>
           </a:xfrm>
           <a:prstGeom prst="wedgeEllipseCallout">
             <a:avLst/>
           </a:prstGeom>
+          <a:solidFill>
+            <a:srgbClr val="F00490"/>
+          </a:solidFill>
+          <a:ln>
+            <a:solidFill>
+              <a:srgbClr val="F00490"/>
+            </a:solidFill>
+          </a:ln>
         </p:spPr>
         <p:style>
           <a:lnRef idx="2">
@@ -4213,12 +4329,20 @@
         </p:nvSpPr>
         <p:spPr>
           <a:xfrm rot="4287128">
-            <a:off x="7719238" y="2931757"/>
+            <a:off x="7716503" y="2880084"/>
             <a:ext cx="761252" cy="757106"/>
           </a:xfrm>
           <a:prstGeom prst="wedgeEllipseCallout">
             <a:avLst/>
           </a:prstGeom>
+          <a:solidFill>
+            <a:schemeClr val="accent4"/>
+          </a:solidFill>
+          <a:ln>
+            <a:solidFill>
+              <a:schemeClr val="accent4"/>
+            </a:solidFill>
+          </a:ln>
         </p:spPr>
         <p:style>
           <a:lnRef idx="2">
@@ -4265,6 +4389,14 @@
           <a:prstGeom prst="wedgeEllipseCallout">
             <a:avLst/>
           </a:prstGeom>
+          <a:solidFill>
+            <a:srgbClr val="63E2F3"/>
+          </a:solidFill>
+          <a:ln>
+            <a:solidFill>
+              <a:srgbClr val="63E2F3"/>
+            </a:solidFill>
+          </a:ln>
         </p:spPr>
         <p:style>
           <a:lnRef idx="2">
@@ -4311,6 +4443,14 @@
           <a:prstGeom prst="wedgeEllipseCallout">
             <a:avLst/>
           </a:prstGeom>
+          <a:solidFill>
+            <a:srgbClr val="64A95F"/>
+          </a:solidFill>
+          <a:ln>
+            <a:solidFill>
+              <a:srgbClr val="64A95F"/>
+            </a:solidFill>
+          </a:ln>
         </p:spPr>
         <p:style>
           <a:lnRef idx="2">
@@ -4357,6 +4497,14 @@
           <a:prstGeom prst="wedgeEllipseCallout">
             <a:avLst/>
           </a:prstGeom>
+          <a:solidFill>
+            <a:srgbClr val="64A95F"/>
+          </a:solidFill>
+          <a:ln>
+            <a:solidFill>
+              <a:srgbClr val="64A95F"/>
+            </a:solidFill>
+          </a:ln>
         </p:spPr>
         <p:style>
           <a:lnRef idx="2">
@@ -4403,6 +4551,14 @@
           <a:prstGeom prst="wedgeEllipseCallout">
             <a:avLst/>
           </a:prstGeom>
+          <a:solidFill>
+            <a:srgbClr val="63E2F3"/>
+          </a:solidFill>
+          <a:ln>
+            <a:solidFill>
+              <a:srgbClr val="63E2F3"/>
+            </a:solidFill>
+          </a:ln>
         </p:spPr>
         <p:style>
           <a:lnRef idx="2">
@@ -4449,6 +4605,14 @@
           <a:prstGeom prst="wedgeEllipseCallout">
             <a:avLst/>
           </a:prstGeom>
+          <a:solidFill>
+            <a:srgbClr val="FFC000"/>
+          </a:solidFill>
+          <a:ln>
+            <a:solidFill>
+              <a:srgbClr val="FFC000"/>
+            </a:solidFill>
+          </a:ln>
         </p:spPr>
         <p:style>
           <a:lnRef idx="2">
@@ -4489,12 +4653,20 @@
         </p:nvSpPr>
         <p:spPr>
           <a:xfrm rot="16758969">
-            <a:off x="3477573" y="1835502"/>
+            <a:off x="3476952" y="1861198"/>
             <a:ext cx="761252" cy="757106"/>
           </a:xfrm>
           <a:prstGeom prst="wedgeEllipseCallout">
             <a:avLst/>
           </a:prstGeom>
+          <a:solidFill>
+            <a:srgbClr val="F00490"/>
+          </a:solidFill>
+          <a:ln>
+            <a:solidFill>
+              <a:srgbClr val="F00490"/>
+            </a:solidFill>
+          </a:ln>
         </p:spPr>
         <p:style>
           <a:lnRef idx="2">
@@ -4541,6 +4713,20 @@
           <a:prstGeom prst="wedgeEllipseCallout">
             <a:avLst/>
           </a:prstGeom>
+          <a:solidFill>
+            <a:schemeClr val="accent6">
+              <a:lumMod val="60000"/>
+              <a:lumOff val="40000"/>
+            </a:schemeClr>
+          </a:solidFill>
+          <a:ln>
+            <a:solidFill>
+              <a:schemeClr val="accent6">
+                <a:lumMod val="40000"/>
+                <a:lumOff val="60000"/>
+              </a:schemeClr>
+            </a:solidFill>
+          </a:ln>
         </p:spPr>
         <p:style>
           <a:lnRef idx="2">
@@ -4569,10 +4755,61 @@
       </p:sp>
       <p:sp>
         <p:nvSpPr>
-          <p:cNvPr id="7" name="Flowchart: Connector 6">
-            <a:extLst>
-              <a:ext uri="{FF2B5EF4-FFF2-40B4-BE49-F238E27FC236}">
-                <a16:creationId xmlns:a16="http://schemas.microsoft.com/office/drawing/2014/main" id="{AB514703-E719-4E0A-8775-B274BE7000B7}"/>
+          <p:cNvPr id="7" name="TextBox 6">
+            <a:extLst>
+              <a:ext uri="{FF2B5EF4-FFF2-40B4-BE49-F238E27FC236}">
+                <a16:creationId xmlns:a16="http://schemas.microsoft.com/office/drawing/2014/main" id="{BF495A85-7660-4EAD-8EE2-084C7930543B}"/>
+              </a:ext>
+            </a:extLst>
+          </p:cNvPr>
+          <p:cNvSpPr txBox="1"/>
+          <p:nvPr/>
+        </p:nvSpPr>
+        <p:spPr>
+          <a:xfrm>
+            <a:off x="1100218" y="6369049"/>
+            <a:ext cx="10457895" cy="369332"/>
+          </a:xfrm>
+          <a:prstGeom prst="rect">
+            <a:avLst/>
+          </a:prstGeom>
+          <a:noFill/>
+        </p:spPr>
+        <p:txBody>
+          <a:bodyPr wrap="square" rtlCol="0">
+            <a:spAutoFit/>
+          </a:bodyPr>
+          <a:lstStyle/>
+          <a:p>
+            <a:r>
+              <a:rPr lang="en-US" b="1" dirty="0"/>
+              <a:t>KI Processes </a:t>
+            </a:r>
+            <a:r>
+              <a:rPr lang="en-US" dirty="0"/>
+              <a:t>supported </a:t>
+            </a:r>
+            <a:r>
+              <a:rPr lang="en-IN" dirty="0"/>
+              <a:t>by standard web-based applications, deployed in </a:t>
+            </a:r>
+            <a:r>
+              <a:rPr lang="en-IN" b="1" dirty="0"/>
+              <a:t>Saas mode </a:t>
+            </a:r>
+            <a:r>
+              <a:rPr lang="en-IN" dirty="0"/>
+              <a:t>by our KI-Tools</a:t>
+            </a:r>
+          </a:p>
+        </p:txBody>
+      </p:sp>
+      <p:sp>
+        <p:nvSpPr>
+          <p:cNvPr id="13" name="Flowchart: Connector 12">
+            <a:extLst>
+              <a:ext uri="{FF2B5EF4-FFF2-40B4-BE49-F238E27FC236}">
+                <a16:creationId xmlns:a16="http://schemas.microsoft.com/office/drawing/2014/main" id="{5C6F06A6-6B35-4FC8-8D8D-D57CBC7249F6}"/>
               </a:ext>
             </a:extLst>
           </p:cNvPr>
@@ -4581,12 +4818,20 @@
         </p:nvSpPr>
         <p:spPr>
           <a:xfrm>
-            <a:off x="4246901" y="3269358"/>
+            <a:off x="4245400" y="3278235"/>
             <a:ext cx="83055" cy="88166"/>
           </a:xfrm>
           <a:prstGeom prst="flowChartConnector">
             <a:avLst/>
           </a:prstGeom>
+          <a:solidFill>
+            <a:schemeClr val="accent4"/>
+          </a:solidFill>
+          <a:ln>
+            <a:solidFill>
+              <a:schemeClr val="accent4"/>
+            </a:solidFill>
+          </a:ln>
         </p:spPr>
         <p:style>
           <a:lnRef idx="2">
@@ -4615,62 +4860,62 @@
       </p:sp>
       <p:sp>
         <p:nvSpPr>
-          <p:cNvPr id="32" name="TextBox 31">
-            <a:extLst>
-              <a:ext uri="{FF2B5EF4-FFF2-40B4-BE49-F238E27FC236}">
-                <a16:creationId xmlns:a16="http://schemas.microsoft.com/office/drawing/2014/main" id="{D5B747B8-31D3-46D5-BEF6-45F94F61F7DD}"/>
-              </a:ext>
-            </a:extLst>
-          </p:cNvPr>
-          <p:cNvSpPr txBox="1"/>
-          <p:nvPr/>
-        </p:nvSpPr>
-        <p:spPr>
-          <a:xfrm>
-            <a:off x="1181704" y="6422714"/>
-            <a:ext cx="9828592" cy="369332"/>
-          </a:xfrm>
-          <a:prstGeom prst="rect">
+          <p:cNvPr id="17" name="Oval 16">
+            <a:extLst>
+              <a:ext uri="{FF2B5EF4-FFF2-40B4-BE49-F238E27FC236}">
+                <a16:creationId xmlns:a16="http://schemas.microsoft.com/office/drawing/2014/main" id="{D8E3BDBF-44F9-4EFA-9BDB-688998BC5AF8}"/>
+              </a:ext>
+            </a:extLst>
+          </p:cNvPr>
+          <p:cNvSpPr/>
+          <p:nvPr/>
+        </p:nvSpPr>
+        <p:spPr>
+          <a:xfrm>
+            <a:off x="4214674" y="3248938"/>
+            <a:ext cx="142042" cy="146759"/>
+          </a:xfrm>
+          <a:prstGeom prst="ellipse">
             <a:avLst/>
           </a:prstGeom>
           <a:noFill/>
-        </p:spPr>
-        <p:txBody>
-          <a:bodyPr wrap="square">
-            <a:spAutoFit/>
-          </a:bodyPr>
-          <a:lstStyle/>
-          <a:p>
-            <a:pPr algn="ctr"/>
-            <a:r>
-              <a:rPr lang="en-US" b="1" dirty="0"/>
-              <a:t>KI Processes </a:t>
-            </a:r>
-            <a:r>
-              <a:rPr lang="en-US" dirty="0"/>
-              <a:t>supported </a:t>
-            </a:r>
-            <a:r>
-              <a:rPr lang="en-IN" dirty="0"/>
-              <a:t>by standard web-based applications, deployed in </a:t>
-            </a:r>
-            <a:r>
-              <a:rPr lang="en-IN" b="1" dirty="0"/>
-              <a:t>Saas mode </a:t>
-            </a:r>
-            <a:r>
-              <a:rPr lang="en-IN" dirty="0"/>
-              <a:t>by our KI-Tools</a:t>
-            </a:r>
+          <a:ln>
+            <a:solidFill>
+              <a:schemeClr val="accent4"/>
+            </a:solidFill>
+          </a:ln>
+        </p:spPr>
+        <p:style>
+          <a:lnRef idx="2">
+            <a:schemeClr val="accent1">
+              <a:shade val="50000"/>
+            </a:schemeClr>
+          </a:lnRef>
+          <a:fillRef idx="1">
+            <a:schemeClr val="accent1"/>
+          </a:fillRef>
+          <a:effectRef idx="0">
+            <a:schemeClr val="accent1"/>
+          </a:effectRef>
+          <a:fontRef idx="minor">
+            <a:schemeClr val="lt1"/>
+          </a:fontRef>
+        </p:style>
+        <p:txBody>
+          <a:bodyPr rtlCol="0" anchor="ctr"/>
+          <a:lstStyle/>
+          <a:p>
+            <a:pPr algn="ctr"/>
+            <a:endParaRPr lang="en-IN"/>
           </a:p>
         </p:txBody>
       </p:sp>
       <p:pic>
         <p:nvPicPr>
-          <p:cNvPr id="14" name="Picture 13">
-            <a:extLst>
-              <a:ext uri="{FF2B5EF4-FFF2-40B4-BE49-F238E27FC236}">
-                <a16:creationId xmlns:a16="http://schemas.microsoft.com/office/drawing/2014/main" id="{6A950210-3CEC-4D79-B33C-68D4F35916DC}"/>
+          <p:cNvPr id="21" name="Picture 20">
+            <a:extLst>
+              <a:ext uri="{FF2B5EF4-FFF2-40B4-BE49-F238E27FC236}">
+                <a16:creationId xmlns:a16="http://schemas.microsoft.com/office/drawing/2014/main" id="{82791F89-8E4E-4C02-BACD-6552AEA1D0C8}"/>
               </a:ext>
             </a:extLst>
           </p:cNvPr>
@@ -4687,8 +4932,1522 @@
         </p:blipFill>
         <p:spPr>
           <a:xfrm>
-            <a:off x="3266005" y="2965154"/>
+            <a:off x="4328455" y="1039946"/>
             <a:ext cx="677070" cy="680938"/>
+          </a:xfrm>
+          <a:prstGeom prst="rect">
+            <a:avLst/>
+          </a:prstGeom>
+        </p:spPr>
+      </p:pic>
+      <p:sp>
+        <p:nvSpPr>
+          <p:cNvPr id="23" name="Flowchart: Connector 22">
+            <a:extLst>
+              <a:ext uri="{FF2B5EF4-FFF2-40B4-BE49-F238E27FC236}">
+                <a16:creationId xmlns:a16="http://schemas.microsoft.com/office/drawing/2014/main" id="{F1D42BB6-8E01-4E7A-B7EB-0F3BC9F5CD03}"/>
+              </a:ext>
+            </a:extLst>
+          </p:cNvPr>
+          <p:cNvSpPr/>
+          <p:nvPr/>
+        </p:nvSpPr>
+        <p:spPr>
+          <a:xfrm>
+            <a:off x="4409045" y="3979083"/>
+            <a:ext cx="83055" cy="88166"/>
+          </a:xfrm>
+          <a:prstGeom prst="flowChartConnector">
+            <a:avLst/>
+          </a:prstGeom>
+          <a:solidFill>
+            <a:schemeClr val="accent5"/>
+          </a:solidFill>
+          <a:ln>
+            <a:solidFill>
+              <a:schemeClr val="accent5"/>
+            </a:solidFill>
+          </a:ln>
+        </p:spPr>
+        <p:style>
+          <a:lnRef idx="2">
+            <a:schemeClr val="accent1">
+              <a:shade val="50000"/>
+            </a:schemeClr>
+          </a:lnRef>
+          <a:fillRef idx="1">
+            <a:schemeClr val="accent1"/>
+          </a:fillRef>
+          <a:effectRef idx="0">
+            <a:schemeClr val="accent1"/>
+          </a:effectRef>
+          <a:fontRef idx="minor">
+            <a:schemeClr val="lt1"/>
+          </a:fontRef>
+        </p:style>
+        <p:txBody>
+          <a:bodyPr rtlCol="0" anchor="ctr"/>
+          <a:lstStyle/>
+          <a:p>
+            <a:pPr algn="ctr"/>
+            <a:endParaRPr lang="en-IN"/>
+          </a:p>
+        </p:txBody>
+      </p:sp>
+      <p:sp>
+        <p:nvSpPr>
+          <p:cNvPr id="11" name="Flowchart: Connector 10">
+            <a:extLst>
+              <a:ext uri="{FF2B5EF4-FFF2-40B4-BE49-F238E27FC236}">
+                <a16:creationId xmlns:a16="http://schemas.microsoft.com/office/drawing/2014/main" id="{F1F6B700-C90E-4CDF-885A-17A955036A32}"/>
+              </a:ext>
+            </a:extLst>
+          </p:cNvPr>
+          <p:cNvSpPr/>
+          <p:nvPr/>
+        </p:nvSpPr>
+        <p:spPr>
+          <a:xfrm>
+            <a:off x="5045687" y="4626596"/>
+            <a:ext cx="83055" cy="88166"/>
+          </a:xfrm>
+          <a:prstGeom prst="flowChartConnector">
+            <a:avLst/>
+          </a:prstGeom>
+          <a:solidFill>
+            <a:schemeClr val="accent6"/>
+          </a:solidFill>
+          <a:ln>
+            <a:solidFill>
+              <a:schemeClr val="accent6"/>
+            </a:solidFill>
+          </a:ln>
+        </p:spPr>
+        <p:style>
+          <a:lnRef idx="2">
+            <a:schemeClr val="accent1">
+              <a:shade val="50000"/>
+            </a:schemeClr>
+          </a:lnRef>
+          <a:fillRef idx="1">
+            <a:schemeClr val="accent1"/>
+          </a:fillRef>
+          <a:effectRef idx="0">
+            <a:schemeClr val="accent1"/>
+          </a:effectRef>
+          <a:fontRef idx="minor">
+            <a:schemeClr val="lt1"/>
+          </a:fontRef>
+        </p:style>
+        <p:txBody>
+          <a:bodyPr rtlCol="0" anchor="ctr"/>
+          <a:lstStyle/>
+          <a:p>
+            <a:pPr algn="ctr"/>
+            <a:endParaRPr lang="en-IN"/>
+          </a:p>
+        </p:txBody>
+      </p:sp>
+      <p:sp>
+        <p:nvSpPr>
+          <p:cNvPr id="14" name="Flowchart: Connector 13">
+            <a:extLst>
+              <a:ext uri="{FF2B5EF4-FFF2-40B4-BE49-F238E27FC236}">
+                <a16:creationId xmlns:a16="http://schemas.microsoft.com/office/drawing/2014/main" id="{19A7E104-EDD4-483C-99BA-5D7360364994}"/>
+              </a:ext>
+            </a:extLst>
+          </p:cNvPr>
+          <p:cNvSpPr/>
+          <p:nvPr/>
+        </p:nvSpPr>
+        <p:spPr>
+          <a:xfrm>
+            <a:off x="6656927" y="4585050"/>
+            <a:ext cx="83055" cy="88166"/>
+          </a:xfrm>
+          <a:prstGeom prst="flowChartConnector">
+            <a:avLst/>
+          </a:prstGeom>
+          <a:solidFill>
+            <a:schemeClr val="accent6"/>
+          </a:solidFill>
+          <a:ln>
+            <a:solidFill>
+              <a:schemeClr val="accent6"/>
+            </a:solidFill>
+          </a:ln>
+        </p:spPr>
+        <p:style>
+          <a:lnRef idx="2">
+            <a:schemeClr val="accent1">
+              <a:shade val="50000"/>
+            </a:schemeClr>
+          </a:lnRef>
+          <a:fillRef idx="1">
+            <a:schemeClr val="accent1"/>
+          </a:fillRef>
+          <a:effectRef idx="0">
+            <a:schemeClr val="accent1"/>
+          </a:effectRef>
+          <a:fontRef idx="minor">
+            <a:schemeClr val="lt1"/>
+          </a:fontRef>
+        </p:style>
+        <p:txBody>
+          <a:bodyPr rtlCol="0" anchor="ctr"/>
+          <a:lstStyle/>
+          <a:p>
+            <a:pPr algn="ctr"/>
+            <a:endParaRPr lang="en-IN"/>
+          </a:p>
+        </p:txBody>
+      </p:sp>
+      <p:sp>
+        <p:nvSpPr>
+          <p:cNvPr id="15" name="Flowchart: Connector 14">
+            <a:extLst>
+              <a:ext uri="{FF2B5EF4-FFF2-40B4-BE49-F238E27FC236}">
+                <a16:creationId xmlns:a16="http://schemas.microsoft.com/office/drawing/2014/main" id="{FCFF0E61-A664-41BD-8978-32C6A885E0AB}"/>
+              </a:ext>
+            </a:extLst>
+          </p:cNvPr>
+          <p:cNvSpPr/>
+          <p:nvPr/>
+        </p:nvSpPr>
+        <p:spPr>
+          <a:xfrm>
+            <a:off x="7215578" y="3979083"/>
+            <a:ext cx="83055" cy="88166"/>
+          </a:xfrm>
+          <a:prstGeom prst="flowChartConnector">
+            <a:avLst/>
+          </a:prstGeom>
+          <a:solidFill>
+            <a:schemeClr val="accent5"/>
+          </a:solidFill>
+          <a:ln>
+            <a:solidFill>
+              <a:schemeClr val="accent5"/>
+            </a:solidFill>
+          </a:ln>
+        </p:spPr>
+        <p:style>
+          <a:lnRef idx="2">
+            <a:schemeClr val="accent1">
+              <a:shade val="50000"/>
+            </a:schemeClr>
+          </a:lnRef>
+          <a:fillRef idx="1">
+            <a:schemeClr val="accent1"/>
+          </a:fillRef>
+          <a:effectRef idx="0">
+            <a:schemeClr val="accent1"/>
+          </a:effectRef>
+          <a:fontRef idx="minor">
+            <a:schemeClr val="lt1"/>
+          </a:fontRef>
+        </p:style>
+        <p:txBody>
+          <a:bodyPr rtlCol="0" anchor="ctr"/>
+          <a:lstStyle/>
+          <a:p>
+            <a:pPr algn="ctr"/>
+            <a:endParaRPr lang="en-IN"/>
+          </a:p>
+        </p:txBody>
+      </p:sp>
+      <p:sp>
+        <p:nvSpPr>
+          <p:cNvPr id="16" name="Flowchart: Connector 15">
+            <a:extLst>
+              <a:ext uri="{FF2B5EF4-FFF2-40B4-BE49-F238E27FC236}">
+                <a16:creationId xmlns:a16="http://schemas.microsoft.com/office/drawing/2014/main" id="{DFB4DCD8-09C4-4887-9CCB-77F8671BD76B}"/>
+              </a:ext>
+            </a:extLst>
+          </p:cNvPr>
+          <p:cNvSpPr/>
+          <p:nvPr/>
+        </p:nvSpPr>
+        <p:spPr>
+          <a:xfrm>
+            <a:off x="4444030" y="2529976"/>
+            <a:ext cx="83055" cy="88166"/>
+          </a:xfrm>
+          <a:prstGeom prst="flowChartConnector">
+            <a:avLst/>
+          </a:prstGeom>
+          <a:solidFill>
+            <a:srgbClr val="E90B7A"/>
+          </a:solidFill>
+          <a:ln>
+            <a:solidFill>
+              <a:srgbClr val="E90B7A"/>
+            </a:solidFill>
+          </a:ln>
+        </p:spPr>
+        <p:style>
+          <a:lnRef idx="2">
+            <a:schemeClr val="accent1">
+              <a:shade val="50000"/>
+            </a:schemeClr>
+          </a:lnRef>
+          <a:fillRef idx="1">
+            <a:schemeClr val="accent1"/>
+          </a:fillRef>
+          <a:effectRef idx="0">
+            <a:schemeClr val="accent1"/>
+          </a:effectRef>
+          <a:fontRef idx="minor">
+            <a:schemeClr val="lt1"/>
+          </a:fontRef>
+        </p:style>
+        <p:txBody>
+          <a:bodyPr rtlCol="0" anchor="ctr"/>
+          <a:lstStyle/>
+          <a:p>
+            <a:pPr algn="ctr"/>
+            <a:endParaRPr lang="en-IN"/>
+          </a:p>
+        </p:txBody>
+      </p:sp>
+      <p:sp>
+        <p:nvSpPr>
+          <p:cNvPr id="27" name="Flowchart: Connector 26">
+            <a:extLst>
+              <a:ext uri="{FF2B5EF4-FFF2-40B4-BE49-F238E27FC236}">
+                <a16:creationId xmlns:a16="http://schemas.microsoft.com/office/drawing/2014/main" id="{DD7189EF-7F0B-464E-9AC3-09A4C97A01DA}"/>
+              </a:ext>
+            </a:extLst>
+          </p:cNvPr>
+          <p:cNvSpPr/>
+          <p:nvPr/>
+        </p:nvSpPr>
+        <p:spPr>
+          <a:xfrm>
+            <a:off x="5842078" y="4826422"/>
+            <a:ext cx="83055" cy="88166"/>
+          </a:xfrm>
+          <a:prstGeom prst="flowChartConnector">
+            <a:avLst/>
+          </a:prstGeom>
+          <a:solidFill>
+            <a:schemeClr val="accent1"/>
+          </a:solidFill>
+          <a:ln>
+            <a:solidFill>
+              <a:schemeClr val="accent1"/>
+            </a:solidFill>
+          </a:ln>
+        </p:spPr>
+        <p:style>
+          <a:lnRef idx="2">
+            <a:schemeClr val="accent1">
+              <a:shade val="50000"/>
+            </a:schemeClr>
+          </a:lnRef>
+          <a:fillRef idx="1">
+            <a:schemeClr val="accent1"/>
+          </a:fillRef>
+          <a:effectRef idx="0">
+            <a:schemeClr val="accent1"/>
+          </a:effectRef>
+          <a:fontRef idx="minor">
+            <a:schemeClr val="lt1"/>
+          </a:fontRef>
+        </p:style>
+        <p:txBody>
+          <a:bodyPr rtlCol="0" anchor="ctr"/>
+          <a:lstStyle/>
+          <a:p>
+            <a:pPr algn="ctr"/>
+            <a:endParaRPr lang="en-IN"/>
+          </a:p>
+        </p:txBody>
+      </p:sp>
+      <p:sp>
+        <p:nvSpPr>
+          <p:cNvPr id="28" name="Flowchart: Connector 27">
+            <a:extLst>
+              <a:ext uri="{FF2B5EF4-FFF2-40B4-BE49-F238E27FC236}">
+                <a16:creationId xmlns:a16="http://schemas.microsoft.com/office/drawing/2014/main" id="{82D5C8DD-D025-4802-A1C4-2AB56B2E6492}"/>
+              </a:ext>
+            </a:extLst>
+          </p:cNvPr>
+          <p:cNvSpPr/>
+          <p:nvPr/>
+        </p:nvSpPr>
+        <p:spPr>
+          <a:xfrm>
+            <a:off x="5800550" y="1729566"/>
+            <a:ext cx="83055" cy="88166"/>
+          </a:xfrm>
+          <a:prstGeom prst="flowChartConnector">
+            <a:avLst/>
+          </a:prstGeom>
+          <a:solidFill>
+            <a:schemeClr val="accent1"/>
+          </a:solidFill>
+          <a:ln>
+            <a:solidFill>
+              <a:schemeClr val="accent1"/>
+            </a:solidFill>
+          </a:ln>
+        </p:spPr>
+        <p:style>
+          <a:lnRef idx="2">
+            <a:schemeClr val="accent1">
+              <a:shade val="50000"/>
+            </a:schemeClr>
+          </a:lnRef>
+          <a:fillRef idx="1">
+            <a:schemeClr val="accent1"/>
+          </a:fillRef>
+          <a:effectRef idx="0">
+            <a:schemeClr val="accent1"/>
+          </a:effectRef>
+          <a:fontRef idx="minor">
+            <a:schemeClr val="lt1"/>
+          </a:fontRef>
+        </p:style>
+        <p:txBody>
+          <a:bodyPr rtlCol="0" anchor="ctr"/>
+          <a:lstStyle/>
+          <a:p>
+            <a:pPr algn="ctr"/>
+            <a:endParaRPr lang="en-IN"/>
+          </a:p>
+        </p:txBody>
+      </p:sp>
+      <p:sp>
+        <p:nvSpPr>
+          <p:cNvPr id="29" name="Flowchart: Connector 28">
+            <a:extLst>
+              <a:ext uri="{FF2B5EF4-FFF2-40B4-BE49-F238E27FC236}">
+                <a16:creationId xmlns:a16="http://schemas.microsoft.com/office/drawing/2014/main" id="{816225B8-69B0-41ED-A305-AD7CB407C33C}"/>
+              </a:ext>
+            </a:extLst>
+          </p:cNvPr>
+          <p:cNvSpPr/>
+          <p:nvPr/>
+        </p:nvSpPr>
+        <p:spPr>
+          <a:xfrm>
+            <a:off x="7372265" y="3267006"/>
+            <a:ext cx="83055" cy="88166"/>
+          </a:xfrm>
+          <a:prstGeom prst="flowChartConnector">
+            <a:avLst/>
+          </a:prstGeom>
+          <a:solidFill>
+            <a:schemeClr val="accent4"/>
+          </a:solidFill>
+          <a:ln>
+            <a:solidFill>
+              <a:schemeClr val="accent4"/>
+            </a:solidFill>
+          </a:ln>
+        </p:spPr>
+        <p:style>
+          <a:lnRef idx="2">
+            <a:schemeClr val="accent1">
+              <a:shade val="50000"/>
+            </a:schemeClr>
+          </a:lnRef>
+          <a:fillRef idx="1">
+            <a:schemeClr val="accent1"/>
+          </a:fillRef>
+          <a:effectRef idx="0">
+            <a:schemeClr val="accent1"/>
+          </a:effectRef>
+          <a:fontRef idx="minor">
+            <a:schemeClr val="lt1"/>
+          </a:fontRef>
+        </p:style>
+        <p:txBody>
+          <a:bodyPr rtlCol="0" anchor="ctr"/>
+          <a:lstStyle/>
+          <a:p>
+            <a:pPr algn="ctr"/>
+            <a:endParaRPr lang="en-IN"/>
+          </a:p>
+        </p:txBody>
+      </p:sp>
+      <p:sp>
+        <p:nvSpPr>
+          <p:cNvPr id="30" name="Flowchart: Connector 29">
+            <a:extLst>
+              <a:ext uri="{FF2B5EF4-FFF2-40B4-BE49-F238E27FC236}">
+                <a16:creationId xmlns:a16="http://schemas.microsoft.com/office/drawing/2014/main" id="{C8D15637-3B85-47C9-91CD-2DDB810A2AA4}"/>
+              </a:ext>
+            </a:extLst>
+          </p:cNvPr>
+          <p:cNvSpPr/>
+          <p:nvPr/>
+        </p:nvSpPr>
+        <p:spPr>
+          <a:xfrm>
+            <a:off x="4952743" y="1991399"/>
+            <a:ext cx="83055" cy="88166"/>
+          </a:xfrm>
+          <a:prstGeom prst="flowChartConnector">
+            <a:avLst/>
+          </a:prstGeom>
+          <a:solidFill>
+            <a:schemeClr val="accent6">
+              <a:lumMod val="40000"/>
+              <a:lumOff val="60000"/>
+            </a:schemeClr>
+          </a:solidFill>
+          <a:ln>
+            <a:solidFill>
+              <a:schemeClr val="accent6">
+                <a:lumMod val="40000"/>
+                <a:lumOff val="60000"/>
+              </a:schemeClr>
+            </a:solidFill>
+          </a:ln>
+        </p:spPr>
+        <p:style>
+          <a:lnRef idx="2">
+            <a:schemeClr val="accent1">
+              <a:shade val="50000"/>
+            </a:schemeClr>
+          </a:lnRef>
+          <a:fillRef idx="1">
+            <a:schemeClr val="accent1"/>
+          </a:fillRef>
+          <a:effectRef idx="0">
+            <a:schemeClr val="accent1"/>
+          </a:effectRef>
+          <a:fontRef idx="minor">
+            <a:schemeClr val="lt1"/>
+          </a:fontRef>
+        </p:style>
+        <p:txBody>
+          <a:bodyPr rtlCol="0" anchor="ctr"/>
+          <a:lstStyle/>
+          <a:p>
+            <a:pPr algn="ctr"/>
+            <a:endParaRPr lang="en-IN"/>
+          </a:p>
+        </p:txBody>
+      </p:sp>
+      <p:sp>
+        <p:nvSpPr>
+          <p:cNvPr id="32" name="Flowchart: Connector 31">
+            <a:extLst>
+              <a:ext uri="{FF2B5EF4-FFF2-40B4-BE49-F238E27FC236}">
+                <a16:creationId xmlns:a16="http://schemas.microsoft.com/office/drawing/2014/main" id="{911C159C-0BCE-4808-848F-7076C5A0BCE3}"/>
+              </a:ext>
+            </a:extLst>
+          </p:cNvPr>
+          <p:cNvSpPr/>
+          <p:nvPr/>
+        </p:nvSpPr>
+        <p:spPr>
+          <a:xfrm>
+            <a:off x="6607859" y="1955708"/>
+            <a:ext cx="83055" cy="88166"/>
+          </a:xfrm>
+          <a:prstGeom prst="flowChartConnector">
+            <a:avLst/>
+          </a:prstGeom>
+          <a:solidFill>
+            <a:schemeClr val="accent6">
+              <a:lumMod val="40000"/>
+              <a:lumOff val="60000"/>
+            </a:schemeClr>
+          </a:solidFill>
+          <a:ln>
+            <a:solidFill>
+              <a:schemeClr val="accent6">
+                <a:lumMod val="40000"/>
+                <a:lumOff val="60000"/>
+              </a:schemeClr>
+            </a:solidFill>
+          </a:ln>
+        </p:spPr>
+        <p:style>
+          <a:lnRef idx="2">
+            <a:schemeClr val="accent1">
+              <a:shade val="50000"/>
+            </a:schemeClr>
+          </a:lnRef>
+          <a:fillRef idx="1">
+            <a:schemeClr val="accent1"/>
+          </a:fillRef>
+          <a:effectRef idx="0">
+            <a:schemeClr val="accent1"/>
+          </a:effectRef>
+          <a:fontRef idx="minor">
+            <a:schemeClr val="lt1"/>
+          </a:fontRef>
+        </p:style>
+        <p:txBody>
+          <a:bodyPr rtlCol="0" anchor="ctr"/>
+          <a:lstStyle/>
+          <a:p>
+            <a:pPr algn="ctr"/>
+            <a:endParaRPr lang="en-IN"/>
+          </a:p>
+        </p:txBody>
+      </p:sp>
+      <p:sp>
+        <p:nvSpPr>
+          <p:cNvPr id="33" name="Flowchart: Connector 32">
+            <a:extLst>
+              <a:ext uri="{FF2B5EF4-FFF2-40B4-BE49-F238E27FC236}">
+                <a16:creationId xmlns:a16="http://schemas.microsoft.com/office/drawing/2014/main" id="{2B194137-DD2A-4908-B767-0876F8FBF46B}"/>
+              </a:ext>
+            </a:extLst>
+          </p:cNvPr>
+          <p:cNvSpPr/>
+          <p:nvPr/>
+        </p:nvSpPr>
+        <p:spPr>
+          <a:xfrm>
+            <a:off x="7171316" y="2529976"/>
+            <a:ext cx="83055" cy="88166"/>
+          </a:xfrm>
+          <a:prstGeom prst="flowChartConnector">
+            <a:avLst/>
+          </a:prstGeom>
+          <a:solidFill>
+            <a:srgbClr val="E90B7A"/>
+          </a:solidFill>
+          <a:ln>
+            <a:solidFill>
+              <a:srgbClr val="E90B7A"/>
+            </a:solidFill>
+          </a:ln>
+        </p:spPr>
+        <p:style>
+          <a:lnRef idx="2">
+            <a:schemeClr val="accent1">
+              <a:shade val="50000"/>
+            </a:schemeClr>
+          </a:lnRef>
+          <a:fillRef idx="1">
+            <a:schemeClr val="accent1"/>
+          </a:fillRef>
+          <a:effectRef idx="0">
+            <a:schemeClr val="accent1"/>
+          </a:effectRef>
+          <a:fontRef idx="minor">
+            <a:schemeClr val="lt1"/>
+          </a:fontRef>
+        </p:style>
+        <p:txBody>
+          <a:bodyPr rtlCol="0" anchor="ctr"/>
+          <a:lstStyle/>
+          <a:p>
+            <a:pPr algn="ctr"/>
+            <a:endParaRPr lang="en-IN"/>
+          </a:p>
+        </p:txBody>
+      </p:sp>
+      <p:sp>
+        <p:nvSpPr>
+          <p:cNvPr id="34" name="Oval 33">
+            <a:extLst>
+              <a:ext uri="{FF2B5EF4-FFF2-40B4-BE49-F238E27FC236}">
+                <a16:creationId xmlns:a16="http://schemas.microsoft.com/office/drawing/2014/main" id="{6DD9A5D8-9C5C-44BA-9741-F0D025B1BDA7}"/>
+              </a:ext>
+            </a:extLst>
+          </p:cNvPr>
+          <p:cNvSpPr/>
+          <p:nvPr/>
+        </p:nvSpPr>
+        <p:spPr>
+          <a:xfrm>
+            <a:off x="4377272" y="3949786"/>
+            <a:ext cx="142042" cy="146759"/>
+          </a:xfrm>
+          <a:prstGeom prst="ellipse">
+            <a:avLst/>
+          </a:prstGeom>
+          <a:noFill/>
+          <a:ln>
+            <a:solidFill>
+              <a:schemeClr val="accent5"/>
+            </a:solidFill>
+          </a:ln>
+        </p:spPr>
+        <p:style>
+          <a:lnRef idx="2">
+            <a:schemeClr val="accent1">
+              <a:shade val="50000"/>
+            </a:schemeClr>
+          </a:lnRef>
+          <a:fillRef idx="1">
+            <a:schemeClr val="accent1"/>
+          </a:fillRef>
+          <a:effectRef idx="0">
+            <a:schemeClr val="accent1"/>
+          </a:effectRef>
+          <a:fontRef idx="minor">
+            <a:schemeClr val="lt1"/>
+          </a:fontRef>
+        </p:style>
+        <p:txBody>
+          <a:bodyPr rtlCol="0" anchor="ctr"/>
+          <a:lstStyle/>
+          <a:p>
+            <a:pPr algn="ctr"/>
+            <a:endParaRPr lang="en-IN"/>
+          </a:p>
+        </p:txBody>
+      </p:sp>
+      <p:sp>
+        <p:nvSpPr>
+          <p:cNvPr id="36" name="Oval 35">
+            <a:extLst>
+              <a:ext uri="{FF2B5EF4-FFF2-40B4-BE49-F238E27FC236}">
+                <a16:creationId xmlns:a16="http://schemas.microsoft.com/office/drawing/2014/main" id="{56611486-3E54-4784-BDB2-4C2EB1146152}"/>
+              </a:ext>
+            </a:extLst>
+          </p:cNvPr>
+          <p:cNvSpPr/>
+          <p:nvPr/>
+        </p:nvSpPr>
+        <p:spPr>
+          <a:xfrm>
+            <a:off x="5017693" y="4596494"/>
+            <a:ext cx="142042" cy="146759"/>
+          </a:xfrm>
+          <a:prstGeom prst="ellipse">
+            <a:avLst/>
+          </a:prstGeom>
+          <a:noFill/>
+          <a:ln>
+            <a:solidFill>
+              <a:schemeClr val="accent6"/>
+            </a:solidFill>
+          </a:ln>
+        </p:spPr>
+        <p:style>
+          <a:lnRef idx="2">
+            <a:schemeClr val="accent1">
+              <a:shade val="50000"/>
+            </a:schemeClr>
+          </a:lnRef>
+          <a:fillRef idx="1">
+            <a:schemeClr val="accent1"/>
+          </a:fillRef>
+          <a:effectRef idx="0">
+            <a:schemeClr val="accent1"/>
+          </a:effectRef>
+          <a:fontRef idx="minor">
+            <a:schemeClr val="lt1"/>
+          </a:fontRef>
+        </p:style>
+        <p:txBody>
+          <a:bodyPr rtlCol="0" anchor="ctr"/>
+          <a:lstStyle/>
+          <a:p>
+            <a:pPr algn="ctr"/>
+            <a:endParaRPr lang="en-IN"/>
+          </a:p>
+        </p:txBody>
+      </p:sp>
+      <p:sp>
+        <p:nvSpPr>
+          <p:cNvPr id="60" name="Oval 59">
+            <a:extLst>
+              <a:ext uri="{FF2B5EF4-FFF2-40B4-BE49-F238E27FC236}">
+                <a16:creationId xmlns:a16="http://schemas.microsoft.com/office/drawing/2014/main" id="{862311D7-7597-4CE2-96F4-30D46D0349C7}"/>
+              </a:ext>
+            </a:extLst>
+          </p:cNvPr>
+          <p:cNvSpPr/>
+          <p:nvPr/>
+        </p:nvSpPr>
+        <p:spPr>
+          <a:xfrm>
+            <a:off x="7337932" y="3236090"/>
+            <a:ext cx="142042" cy="146759"/>
+          </a:xfrm>
+          <a:prstGeom prst="ellipse">
+            <a:avLst/>
+          </a:prstGeom>
+          <a:noFill/>
+          <a:ln>
+            <a:solidFill>
+              <a:schemeClr val="accent4"/>
+            </a:solidFill>
+          </a:ln>
+        </p:spPr>
+        <p:style>
+          <a:lnRef idx="2">
+            <a:schemeClr val="accent1">
+              <a:shade val="50000"/>
+            </a:schemeClr>
+          </a:lnRef>
+          <a:fillRef idx="1">
+            <a:schemeClr val="accent1"/>
+          </a:fillRef>
+          <a:effectRef idx="0">
+            <a:schemeClr val="accent1"/>
+          </a:effectRef>
+          <a:fontRef idx="minor">
+            <a:schemeClr val="lt1"/>
+          </a:fontRef>
+        </p:style>
+        <p:txBody>
+          <a:bodyPr rtlCol="0" anchor="ctr"/>
+          <a:lstStyle/>
+          <a:p>
+            <a:pPr algn="ctr"/>
+            <a:endParaRPr lang="en-IN"/>
+          </a:p>
+        </p:txBody>
+      </p:sp>
+      <p:sp>
+        <p:nvSpPr>
+          <p:cNvPr id="62" name="Oval 61">
+            <a:extLst>
+              <a:ext uri="{FF2B5EF4-FFF2-40B4-BE49-F238E27FC236}">
+                <a16:creationId xmlns:a16="http://schemas.microsoft.com/office/drawing/2014/main" id="{7BD316ED-CE2F-4E4E-B232-67A2DCDC3F63}"/>
+              </a:ext>
+            </a:extLst>
+          </p:cNvPr>
+          <p:cNvSpPr/>
+          <p:nvPr/>
+        </p:nvSpPr>
+        <p:spPr>
+          <a:xfrm>
+            <a:off x="6624112" y="4553216"/>
+            <a:ext cx="142042" cy="146759"/>
+          </a:xfrm>
+          <a:prstGeom prst="ellipse">
+            <a:avLst/>
+          </a:prstGeom>
+          <a:noFill/>
+          <a:ln>
+            <a:solidFill>
+              <a:schemeClr val="accent6"/>
+            </a:solidFill>
+          </a:ln>
+        </p:spPr>
+        <p:style>
+          <a:lnRef idx="2">
+            <a:schemeClr val="accent1">
+              <a:shade val="50000"/>
+            </a:schemeClr>
+          </a:lnRef>
+          <a:fillRef idx="1">
+            <a:schemeClr val="accent1"/>
+          </a:fillRef>
+          <a:effectRef idx="0">
+            <a:schemeClr val="accent1"/>
+          </a:effectRef>
+          <a:fontRef idx="minor">
+            <a:schemeClr val="lt1"/>
+          </a:fontRef>
+        </p:style>
+        <p:txBody>
+          <a:bodyPr rtlCol="0" anchor="ctr"/>
+          <a:lstStyle/>
+          <a:p>
+            <a:pPr algn="ctr"/>
+            <a:endParaRPr lang="en-IN"/>
+          </a:p>
+        </p:txBody>
+      </p:sp>
+      <p:sp>
+        <p:nvSpPr>
+          <p:cNvPr id="64" name="Oval 63">
+            <a:extLst>
+              <a:ext uri="{FF2B5EF4-FFF2-40B4-BE49-F238E27FC236}">
+                <a16:creationId xmlns:a16="http://schemas.microsoft.com/office/drawing/2014/main" id="{C5548E9E-C78B-45E8-8AA3-6B980A6ED5DA}"/>
+              </a:ext>
+            </a:extLst>
+          </p:cNvPr>
+          <p:cNvSpPr/>
+          <p:nvPr/>
+        </p:nvSpPr>
+        <p:spPr>
+          <a:xfrm>
+            <a:off x="5812584" y="4800778"/>
+            <a:ext cx="142042" cy="146759"/>
+          </a:xfrm>
+          <a:prstGeom prst="ellipse">
+            <a:avLst/>
+          </a:prstGeom>
+          <a:noFill/>
+          <a:ln>
+            <a:solidFill>
+              <a:schemeClr val="accent1"/>
+            </a:solidFill>
+          </a:ln>
+        </p:spPr>
+        <p:style>
+          <a:lnRef idx="2">
+            <a:schemeClr val="accent1">
+              <a:shade val="50000"/>
+            </a:schemeClr>
+          </a:lnRef>
+          <a:fillRef idx="1">
+            <a:schemeClr val="accent1"/>
+          </a:fillRef>
+          <a:effectRef idx="0">
+            <a:schemeClr val="accent1"/>
+          </a:effectRef>
+          <a:fontRef idx="minor">
+            <a:schemeClr val="lt1"/>
+          </a:fontRef>
+        </p:style>
+        <p:txBody>
+          <a:bodyPr rtlCol="0" anchor="ctr"/>
+          <a:lstStyle/>
+          <a:p>
+            <a:pPr algn="ctr"/>
+            <a:endParaRPr lang="en-IN"/>
+          </a:p>
+        </p:txBody>
+      </p:sp>
+      <p:sp>
+        <p:nvSpPr>
+          <p:cNvPr id="66" name="Oval 65">
+            <a:extLst>
+              <a:ext uri="{FF2B5EF4-FFF2-40B4-BE49-F238E27FC236}">
+                <a16:creationId xmlns:a16="http://schemas.microsoft.com/office/drawing/2014/main" id="{BCA01BAE-B6E9-46EE-B251-624380802523}"/>
+              </a:ext>
+            </a:extLst>
+          </p:cNvPr>
+          <p:cNvSpPr/>
+          <p:nvPr/>
+        </p:nvSpPr>
+        <p:spPr>
+          <a:xfrm>
+            <a:off x="7183624" y="3947699"/>
+            <a:ext cx="142042" cy="146759"/>
+          </a:xfrm>
+          <a:prstGeom prst="ellipse">
+            <a:avLst/>
+          </a:prstGeom>
+          <a:noFill/>
+          <a:ln>
+            <a:solidFill>
+              <a:schemeClr val="accent5"/>
+            </a:solidFill>
+          </a:ln>
+        </p:spPr>
+        <p:style>
+          <a:lnRef idx="2">
+            <a:schemeClr val="accent1">
+              <a:shade val="50000"/>
+            </a:schemeClr>
+          </a:lnRef>
+          <a:fillRef idx="1">
+            <a:schemeClr val="accent1"/>
+          </a:fillRef>
+          <a:effectRef idx="0">
+            <a:schemeClr val="accent1"/>
+          </a:effectRef>
+          <a:fontRef idx="minor">
+            <a:schemeClr val="lt1"/>
+          </a:fontRef>
+        </p:style>
+        <p:txBody>
+          <a:bodyPr rtlCol="0" anchor="ctr"/>
+          <a:lstStyle/>
+          <a:p>
+            <a:pPr algn="ctr"/>
+            <a:endParaRPr lang="en-IN"/>
+          </a:p>
+        </p:txBody>
+      </p:sp>
+      <p:sp>
+        <p:nvSpPr>
+          <p:cNvPr id="68" name="Oval 67">
+            <a:extLst>
+              <a:ext uri="{FF2B5EF4-FFF2-40B4-BE49-F238E27FC236}">
+                <a16:creationId xmlns:a16="http://schemas.microsoft.com/office/drawing/2014/main" id="{8361ABE7-C891-423A-A91B-0964A17AF9C7}"/>
+              </a:ext>
+            </a:extLst>
+          </p:cNvPr>
+          <p:cNvSpPr/>
+          <p:nvPr/>
+        </p:nvSpPr>
+        <p:spPr>
+          <a:xfrm>
+            <a:off x="5771056" y="1703964"/>
+            <a:ext cx="142042" cy="146759"/>
+          </a:xfrm>
+          <a:prstGeom prst="ellipse">
+            <a:avLst/>
+          </a:prstGeom>
+          <a:noFill/>
+          <a:ln>
+            <a:solidFill>
+              <a:schemeClr val="accent1"/>
+            </a:solidFill>
+          </a:ln>
+        </p:spPr>
+        <p:style>
+          <a:lnRef idx="2">
+            <a:schemeClr val="accent1">
+              <a:shade val="50000"/>
+            </a:schemeClr>
+          </a:lnRef>
+          <a:fillRef idx="1">
+            <a:schemeClr val="accent1"/>
+          </a:fillRef>
+          <a:effectRef idx="0">
+            <a:schemeClr val="accent1"/>
+          </a:effectRef>
+          <a:fontRef idx="minor">
+            <a:schemeClr val="lt1"/>
+          </a:fontRef>
+        </p:style>
+        <p:txBody>
+          <a:bodyPr rtlCol="0" anchor="ctr"/>
+          <a:lstStyle/>
+          <a:p>
+            <a:pPr algn="ctr"/>
+            <a:endParaRPr lang="en-IN"/>
+          </a:p>
+        </p:txBody>
+      </p:sp>
+      <p:sp>
+        <p:nvSpPr>
+          <p:cNvPr id="70" name="Oval 69">
+            <a:extLst>
+              <a:ext uri="{FF2B5EF4-FFF2-40B4-BE49-F238E27FC236}">
+                <a16:creationId xmlns:a16="http://schemas.microsoft.com/office/drawing/2014/main" id="{60A5DAFB-77E3-46AE-A950-CE6E8E04B640}"/>
+              </a:ext>
+            </a:extLst>
+          </p:cNvPr>
+          <p:cNvSpPr/>
+          <p:nvPr/>
+        </p:nvSpPr>
+        <p:spPr>
+          <a:xfrm>
+            <a:off x="4916743" y="1953145"/>
+            <a:ext cx="142042" cy="146759"/>
+          </a:xfrm>
+          <a:prstGeom prst="ellipse">
+            <a:avLst/>
+          </a:prstGeom>
+          <a:noFill/>
+          <a:ln>
+            <a:solidFill>
+              <a:schemeClr val="accent6">
+                <a:lumMod val="40000"/>
+                <a:lumOff val="60000"/>
+              </a:schemeClr>
+            </a:solidFill>
+          </a:ln>
+        </p:spPr>
+        <p:style>
+          <a:lnRef idx="2">
+            <a:schemeClr val="accent1">
+              <a:shade val="50000"/>
+            </a:schemeClr>
+          </a:lnRef>
+          <a:fillRef idx="1">
+            <a:schemeClr val="accent1"/>
+          </a:fillRef>
+          <a:effectRef idx="0">
+            <a:schemeClr val="accent1"/>
+          </a:effectRef>
+          <a:fontRef idx="minor">
+            <a:schemeClr val="lt1"/>
+          </a:fontRef>
+        </p:style>
+        <p:txBody>
+          <a:bodyPr rtlCol="0" anchor="ctr"/>
+          <a:lstStyle/>
+          <a:p>
+            <a:pPr algn="ctr"/>
+            <a:endParaRPr lang="en-IN"/>
+          </a:p>
+        </p:txBody>
+      </p:sp>
+      <p:sp>
+        <p:nvSpPr>
+          <p:cNvPr id="72" name="Oval 71">
+            <a:extLst>
+              <a:ext uri="{FF2B5EF4-FFF2-40B4-BE49-F238E27FC236}">
+                <a16:creationId xmlns:a16="http://schemas.microsoft.com/office/drawing/2014/main" id="{748B632C-3A45-4464-A891-D5D802359DD7}"/>
+              </a:ext>
+            </a:extLst>
+          </p:cNvPr>
+          <p:cNvSpPr/>
+          <p:nvPr/>
+        </p:nvSpPr>
+        <p:spPr>
+          <a:xfrm>
+            <a:off x="6578323" y="1917915"/>
+            <a:ext cx="142042" cy="146759"/>
+          </a:xfrm>
+          <a:prstGeom prst="ellipse">
+            <a:avLst/>
+          </a:prstGeom>
+          <a:noFill/>
+          <a:ln>
+            <a:solidFill>
+              <a:schemeClr val="accent6">
+                <a:lumMod val="40000"/>
+                <a:lumOff val="60000"/>
+              </a:schemeClr>
+            </a:solidFill>
+          </a:ln>
+        </p:spPr>
+        <p:style>
+          <a:lnRef idx="2">
+            <a:schemeClr val="accent1">
+              <a:shade val="50000"/>
+            </a:schemeClr>
+          </a:lnRef>
+          <a:fillRef idx="1">
+            <a:schemeClr val="accent1"/>
+          </a:fillRef>
+          <a:effectRef idx="0">
+            <a:schemeClr val="accent1"/>
+          </a:effectRef>
+          <a:fontRef idx="minor">
+            <a:schemeClr val="lt1"/>
+          </a:fontRef>
+        </p:style>
+        <p:txBody>
+          <a:bodyPr rtlCol="0" anchor="ctr"/>
+          <a:lstStyle/>
+          <a:p>
+            <a:pPr algn="ctr"/>
+            <a:endParaRPr lang="en-IN"/>
+          </a:p>
+        </p:txBody>
+      </p:sp>
+      <p:sp>
+        <p:nvSpPr>
+          <p:cNvPr id="74" name="Oval 73">
+            <a:extLst>
+              <a:ext uri="{FF2B5EF4-FFF2-40B4-BE49-F238E27FC236}">
+                <a16:creationId xmlns:a16="http://schemas.microsoft.com/office/drawing/2014/main" id="{78616EFC-6375-4CF7-8166-C576E1E22167}"/>
+              </a:ext>
+            </a:extLst>
+          </p:cNvPr>
+          <p:cNvSpPr/>
+          <p:nvPr/>
+        </p:nvSpPr>
+        <p:spPr>
+          <a:xfrm>
+            <a:off x="4412823" y="2500679"/>
+            <a:ext cx="142042" cy="146759"/>
+          </a:xfrm>
+          <a:prstGeom prst="ellipse">
+            <a:avLst/>
+          </a:prstGeom>
+          <a:noFill/>
+          <a:ln>
+            <a:solidFill>
+              <a:srgbClr val="E90B7A"/>
+            </a:solidFill>
+          </a:ln>
+        </p:spPr>
+        <p:style>
+          <a:lnRef idx="2">
+            <a:schemeClr val="accent1">
+              <a:shade val="50000"/>
+            </a:schemeClr>
+          </a:lnRef>
+          <a:fillRef idx="1">
+            <a:schemeClr val="accent1"/>
+          </a:fillRef>
+          <a:effectRef idx="0">
+            <a:schemeClr val="accent1"/>
+          </a:effectRef>
+          <a:fontRef idx="minor">
+            <a:schemeClr val="lt1"/>
+          </a:fontRef>
+        </p:style>
+        <p:txBody>
+          <a:bodyPr rtlCol="0" anchor="ctr"/>
+          <a:lstStyle/>
+          <a:p>
+            <a:pPr algn="ctr"/>
+            <a:endParaRPr lang="en-IN"/>
+          </a:p>
+        </p:txBody>
+      </p:sp>
+      <p:sp>
+        <p:nvSpPr>
+          <p:cNvPr id="76" name="Oval 75">
+            <a:extLst>
+              <a:ext uri="{FF2B5EF4-FFF2-40B4-BE49-F238E27FC236}">
+                <a16:creationId xmlns:a16="http://schemas.microsoft.com/office/drawing/2014/main" id="{FBBE9DAC-AB09-4140-BE70-9D9238D13CAD}"/>
+              </a:ext>
+            </a:extLst>
+          </p:cNvPr>
+          <p:cNvSpPr/>
+          <p:nvPr/>
+        </p:nvSpPr>
+        <p:spPr>
+          <a:xfrm>
+            <a:off x="7140367" y="2500679"/>
+            <a:ext cx="142042" cy="146759"/>
+          </a:xfrm>
+          <a:prstGeom prst="ellipse">
+            <a:avLst/>
+          </a:prstGeom>
+          <a:noFill/>
+          <a:ln>
+            <a:solidFill>
+              <a:srgbClr val="E90B7A"/>
+            </a:solidFill>
+          </a:ln>
+        </p:spPr>
+        <p:style>
+          <a:lnRef idx="2">
+            <a:schemeClr val="accent1">
+              <a:shade val="50000"/>
+            </a:schemeClr>
+          </a:lnRef>
+          <a:fillRef idx="1">
+            <a:schemeClr val="accent1"/>
+          </a:fillRef>
+          <a:effectRef idx="0">
+            <a:schemeClr val="accent1"/>
+          </a:effectRef>
+          <a:fontRef idx="minor">
+            <a:schemeClr val="lt1"/>
+          </a:fontRef>
+        </p:style>
+        <p:txBody>
+          <a:bodyPr rtlCol="0" anchor="ctr"/>
+          <a:lstStyle/>
+          <a:p>
+            <a:pPr algn="ctr"/>
+            <a:endParaRPr lang="en-IN"/>
+          </a:p>
+        </p:txBody>
+      </p:sp>
+      <p:pic>
+        <p:nvPicPr>
+          <p:cNvPr id="78" name="Picture 77">
+            <a:extLst>
+              <a:ext uri="{FF2B5EF4-FFF2-40B4-BE49-F238E27FC236}">
+                <a16:creationId xmlns:a16="http://schemas.microsoft.com/office/drawing/2014/main" id="{23356FD2-6BB6-44CB-BA6D-24A505677D3B}"/>
+              </a:ext>
+            </a:extLst>
+          </p:cNvPr>
+          <p:cNvPicPr>
+            <a:picLocks noChangeAspect="1"/>
+          </p:cNvPicPr>
+          <p:nvPr/>
+        </p:nvPicPr>
+        <p:blipFill>
+          <a:blip r:embed="rId4"/>
+          <a:stretch>
+            <a:fillRect/>
+          </a:stretch>
+        </p:blipFill>
+        <p:spPr>
+          <a:xfrm>
+            <a:off x="3497880" y="4098360"/>
+            <a:ext cx="695824" cy="677758"/>
+          </a:xfrm>
+          <a:prstGeom prst="rect">
+            <a:avLst/>
+          </a:prstGeom>
+        </p:spPr>
+      </p:pic>
+      <p:pic>
+        <p:nvPicPr>
+          <p:cNvPr id="81" name="Picture 80">
+            <a:extLst>
+              <a:ext uri="{FF2B5EF4-FFF2-40B4-BE49-F238E27FC236}">
+                <a16:creationId xmlns:a16="http://schemas.microsoft.com/office/drawing/2014/main" id="{CB3F0A85-B218-4DC2-8CCB-87D4E512E486}"/>
+              </a:ext>
+            </a:extLst>
+          </p:cNvPr>
+          <p:cNvPicPr>
+            <a:picLocks noChangeAspect="1"/>
+          </p:cNvPicPr>
+          <p:nvPr/>
+        </p:nvPicPr>
+        <p:blipFill>
+          <a:blip r:embed="rId5"/>
+          <a:stretch>
+            <a:fillRect/>
+          </a:stretch>
+        </p:blipFill>
+        <p:spPr>
+          <a:xfrm>
+            <a:off x="5574730" y="5160473"/>
+            <a:ext cx="676735" cy="680603"/>
+          </a:xfrm>
+          <a:prstGeom prst="rect">
+            <a:avLst/>
+          </a:prstGeom>
+        </p:spPr>
+      </p:pic>
+      <p:pic>
+        <p:nvPicPr>
+          <p:cNvPr id="82" name="Picture 81">
+            <a:extLst>
+              <a:ext uri="{FF2B5EF4-FFF2-40B4-BE49-F238E27FC236}">
+                <a16:creationId xmlns:a16="http://schemas.microsoft.com/office/drawing/2014/main" id="{EB1C76D4-473B-4EAC-A4D2-AB156A3C2397}"/>
+              </a:ext>
+            </a:extLst>
+          </p:cNvPr>
+          <p:cNvPicPr>
+            <a:picLocks noChangeAspect="1"/>
+          </p:cNvPicPr>
+          <p:nvPr/>
+        </p:nvPicPr>
+        <p:blipFill>
+          <a:blip r:embed="rId6"/>
+          <a:stretch>
+            <a:fillRect/>
+          </a:stretch>
+        </p:blipFill>
+        <p:spPr>
+          <a:xfrm>
+            <a:off x="3512517" y="1895031"/>
+            <a:ext cx="689096" cy="693034"/>
+          </a:xfrm>
+          <a:prstGeom prst="rect">
+            <a:avLst/>
+          </a:prstGeom>
+        </p:spPr>
+      </p:pic>
+      <p:pic>
+        <p:nvPicPr>
+          <p:cNvPr id="83" name="Picture 82">
+            <a:extLst>
+              <a:ext uri="{FF2B5EF4-FFF2-40B4-BE49-F238E27FC236}">
+                <a16:creationId xmlns:a16="http://schemas.microsoft.com/office/drawing/2014/main" id="{4BCC7AE6-DF2C-465D-AC3E-6DC806CAF88C}"/>
+              </a:ext>
+            </a:extLst>
+          </p:cNvPr>
+          <p:cNvPicPr>
+            <a:picLocks noChangeAspect="1"/>
+          </p:cNvPicPr>
+          <p:nvPr/>
+        </p:nvPicPr>
+        <p:blipFill>
+          <a:blip r:embed="rId7"/>
+          <a:stretch>
+            <a:fillRect/>
+          </a:stretch>
+        </p:blipFill>
+        <p:spPr>
+          <a:xfrm>
+            <a:off x="6718924" y="4861142"/>
+            <a:ext cx="692515" cy="692515"/>
+          </a:xfrm>
+          <a:prstGeom prst="rect">
+            <a:avLst/>
+          </a:prstGeom>
+        </p:spPr>
+      </p:pic>
+      <p:pic>
+        <p:nvPicPr>
+          <p:cNvPr id="84" name="Picture 83">
+            <a:extLst>
+              <a:ext uri="{FF2B5EF4-FFF2-40B4-BE49-F238E27FC236}">
+                <a16:creationId xmlns:a16="http://schemas.microsoft.com/office/drawing/2014/main" id="{1D3736D8-FF9C-470E-8382-E2E611BC348F}"/>
+              </a:ext>
+            </a:extLst>
+          </p:cNvPr>
+          <p:cNvPicPr>
+            <a:picLocks noChangeAspect="1"/>
+          </p:cNvPicPr>
+          <p:nvPr/>
+        </p:nvPicPr>
+        <p:blipFill>
+          <a:blip r:embed="rId8"/>
+          <a:stretch>
+            <a:fillRect/>
+          </a:stretch>
+        </p:blipFill>
+        <p:spPr>
+          <a:xfrm>
+            <a:off x="7526521" y="4062692"/>
+            <a:ext cx="692892" cy="688955"/>
+          </a:xfrm>
+          <a:prstGeom prst="rect">
+            <a:avLst/>
+          </a:prstGeom>
+        </p:spPr>
+      </p:pic>
+      <p:pic>
+        <p:nvPicPr>
+          <p:cNvPr id="86" name="Picture 85">
+            <a:extLst>
+              <a:ext uri="{FF2B5EF4-FFF2-40B4-BE49-F238E27FC236}">
+                <a16:creationId xmlns:a16="http://schemas.microsoft.com/office/drawing/2014/main" id="{6234379D-0B02-4D69-9DD4-799EF872608D}"/>
+              </a:ext>
+            </a:extLst>
+          </p:cNvPr>
+          <p:cNvPicPr>
+            <a:picLocks noChangeAspect="1"/>
+          </p:cNvPicPr>
+          <p:nvPr/>
+        </p:nvPicPr>
+        <p:blipFill>
+          <a:blip r:embed="rId9"/>
+          <a:stretch>
+            <a:fillRect/>
+          </a:stretch>
+        </p:blipFill>
+        <p:spPr>
+          <a:xfrm>
+            <a:off x="6671420" y="1064683"/>
+            <a:ext cx="694745" cy="694745"/>
+          </a:xfrm>
+          <a:prstGeom prst="rect">
+            <a:avLst/>
+          </a:prstGeom>
+        </p:spPr>
+      </p:pic>
+      <p:pic>
+        <p:nvPicPr>
+          <p:cNvPr id="87" name="Picture 86">
+            <a:extLst>
+              <a:ext uri="{FF2B5EF4-FFF2-40B4-BE49-F238E27FC236}">
+                <a16:creationId xmlns:a16="http://schemas.microsoft.com/office/drawing/2014/main" id="{04C41317-5A8E-4E32-8CEF-D76537743483}"/>
+              </a:ext>
+            </a:extLst>
+          </p:cNvPr>
+          <p:cNvPicPr>
+            <a:picLocks noChangeAspect="1"/>
+          </p:cNvPicPr>
+          <p:nvPr/>
+        </p:nvPicPr>
+        <p:blipFill>
+          <a:blip r:embed="rId10"/>
+          <a:stretch>
+            <a:fillRect/>
+          </a:stretch>
+        </p:blipFill>
+        <p:spPr>
+          <a:xfrm>
+            <a:off x="4339116" y="4916567"/>
+            <a:ext cx="703492" cy="678333"/>
+          </a:xfrm>
+          <a:prstGeom prst="rect">
+            <a:avLst/>
+          </a:prstGeom>
+        </p:spPr>
+      </p:pic>
+      <p:pic>
+        <p:nvPicPr>
+          <p:cNvPr id="88" name="Picture 87">
+            <a:extLst>
+              <a:ext uri="{FF2B5EF4-FFF2-40B4-BE49-F238E27FC236}">
+                <a16:creationId xmlns:a16="http://schemas.microsoft.com/office/drawing/2014/main" id="{064B9560-C48D-4646-88D0-D4543C35435D}"/>
+              </a:ext>
+            </a:extLst>
+          </p:cNvPr>
+          <p:cNvPicPr>
+            <a:picLocks noChangeAspect="1"/>
+          </p:cNvPicPr>
+          <p:nvPr/>
+        </p:nvPicPr>
+        <p:blipFill>
+          <a:blip r:embed="rId11"/>
+          <a:stretch>
+            <a:fillRect/>
+          </a:stretch>
+        </p:blipFill>
+        <p:spPr>
+          <a:xfrm>
+            <a:off x="7420391" y="1828238"/>
+            <a:ext cx="701735" cy="701735"/>
+          </a:xfrm>
+          <a:prstGeom prst="rect">
+            <a:avLst/>
+          </a:prstGeom>
+        </p:spPr>
+      </p:pic>
+      <p:pic>
+        <p:nvPicPr>
+          <p:cNvPr id="89" name="Picture 88">
+            <a:extLst>
+              <a:ext uri="{FF2B5EF4-FFF2-40B4-BE49-F238E27FC236}">
+                <a16:creationId xmlns:a16="http://schemas.microsoft.com/office/drawing/2014/main" id="{64E3AABC-E52B-4FF1-9032-D8983F39ADB3}"/>
+              </a:ext>
+            </a:extLst>
+          </p:cNvPr>
+          <p:cNvPicPr>
+            <a:picLocks noChangeAspect="1"/>
+          </p:cNvPicPr>
+          <p:nvPr/>
+        </p:nvPicPr>
+        <p:blipFill>
+          <a:blip r:embed="rId12"/>
+          <a:stretch>
+            <a:fillRect/>
+          </a:stretch>
+        </p:blipFill>
+        <p:spPr>
+          <a:xfrm>
+            <a:off x="7744788" y="2908298"/>
+            <a:ext cx="704682" cy="700678"/>
+          </a:xfrm>
+          <a:prstGeom prst="rect">
+            <a:avLst/>
+          </a:prstGeom>
+        </p:spPr>
+      </p:pic>
+      <p:pic>
+        <p:nvPicPr>
+          <p:cNvPr id="90" name="Picture 89">
+            <a:extLst>
+              <a:ext uri="{FF2B5EF4-FFF2-40B4-BE49-F238E27FC236}">
+                <a16:creationId xmlns:a16="http://schemas.microsoft.com/office/drawing/2014/main" id="{2646593F-A4D2-424C-9255-4BDE5E7F7822}"/>
+              </a:ext>
+            </a:extLst>
+          </p:cNvPr>
+          <p:cNvPicPr>
+            <a:picLocks noChangeAspect="1"/>
+          </p:cNvPicPr>
+          <p:nvPr/>
+        </p:nvPicPr>
+        <p:blipFill>
+          <a:blip r:embed="rId13"/>
+          <a:stretch>
+            <a:fillRect/>
+          </a:stretch>
+        </p:blipFill>
+        <p:spPr>
+          <a:xfrm>
+            <a:off x="5511856" y="793367"/>
+            <a:ext cx="675880" cy="686970"/>
+          </a:xfrm>
+          <a:prstGeom prst="rect">
+            <a:avLst/>
+          </a:prstGeom>
+        </p:spPr>
+      </p:pic>
+      <p:pic>
+        <p:nvPicPr>
+          <p:cNvPr id="91" name="Picture 90">
+            <a:extLst>
+              <a:ext uri="{FF2B5EF4-FFF2-40B4-BE49-F238E27FC236}">
+                <a16:creationId xmlns:a16="http://schemas.microsoft.com/office/drawing/2014/main" id="{D0634D19-8A56-4ED8-9D36-AAAD8CF1F0E3}"/>
+              </a:ext>
+            </a:extLst>
+          </p:cNvPr>
+          <p:cNvPicPr>
+            <a:picLocks noChangeAspect="1"/>
+          </p:cNvPicPr>
+          <p:nvPr/>
+        </p:nvPicPr>
+        <p:blipFill>
+          <a:blip r:embed="rId14"/>
+          <a:stretch>
+            <a:fillRect/>
+          </a:stretch>
+        </p:blipFill>
+        <p:spPr>
+          <a:xfrm>
+            <a:off x="3254449" y="2976257"/>
+            <a:ext cx="700181" cy="673339"/>
           </a:xfrm>
           <a:prstGeom prst="rect">
             <a:avLst/>
@@ -4698,7 +6457,7 @@
     </p:spTree>
     <p:extLst>
       <p:ext uri="{BB962C8B-B14F-4D97-AF65-F5344CB8AC3E}">
-        <p14:creationId xmlns:p14="http://schemas.microsoft.com/office/powerpoint/2010/main" val="733744844"/>
+        <p14:creationId xmlns:p14="http://schemas.microsoft.com/office/powerpoint/2010/main" val="279956939"/>
       </p:ext>
     </p:extLst>
   </p:cSld>
@@ -4745,11 +6504,6 @@
           <a:prstGeom prst="wedgeEllipseCallout">
             <a:avLst/>
           </a:prstGeom>
-          <a:ln>
-            <a:solidFill>
-              <a:schemeClr val="accent1"/>
-            </a:solidFill>
-          </a:ln>
         </p:spPr>
         <p:style>
           <a:lnRef idx="2">
@@ -4797,9 +6551,7 @@
             <a:avLst/>
           </a:prstGeom>
           <a:solidFill>
-            <a:schemeClr val="bg1">
-              <a:lumMod val="95000"/>
-            </a:schemeClr>
+            <a:schemeClr val="bg1"/>
           </a:solidFill>
           <a:effectLst>
             <a:innerShdw blurRad="63500" dist="50800" dir="2700000">
@@ -4863,13 +6615,7 @@
           <a:lstStyle/>
           <a:p>
             <a:r>
-              <a:rPr lang="en-US" sz="1400" b="1" dirty="0">
-                <a:solidFill>
-                  <a:schemeClr val="accent1">
-                    <a:lumMod val="75000"/>
-                  </a:schemeClr>
-                </a:solidFill>
-              </a:rPr>
+              <a:rPr lang="en-US" sz="1400" b="1" dirty="0"/>
               <a:t>Test Management</a:t>
             </a:r>
           </a:p>
@@ -4911,11 +6657,7 @@
           <a:lstStyle/>
           <a:p>
             <a:r>
-              <a:rPr lang="en-US" sz="1400" b="1" dirty="0">
-                <a:solidFill>
-                  <a:schemeClr val="accent6"/>
-                </a:solidFill>
-              </a:rPr>
+              <a:rPr lang="en-US" sz="1400" b="1" dirty="0"/>
               <a:t>Test Automation</a:t>
             </a:r>
           </a:p>
@@ -4958,13 +6700,7 @@
           <a:lstStyle/>
           <a:p>
             <a:r>
-              <a:rPr lang="en-US" sz="1400" b="1" dirty="0">
-                <a:solidFill>
-                  <a:schemeClr val="accent1">
-                    <a:lumMod val="75000"/>
-                  </a:schemeClr>
-                </a:solidFill>
-              </a:rPr>
+              <a:rPr lang="en-US" sz="1400" b="1" dirty="0"/>
               <a:t>Code Quality Analysis &amp; Measurement</a:t>
             </a:r>
           </a:p>
@@ -5007,11 +6743,7 @@
           <a:lstStyle/>
           <a:p>
             <a:r>
-              <a:rPr lang="en-US" sz="1400" b="1" dirty="0">
-                <a:solidFill>
-                  <a:schemeClr val="accent6"/>
-                </a:solidFill>
-              </a:rPr>
+              <a:rPr lang="en-US" sz="1400" b="1" dirty="0"/>
               <a:t>Code Security Management</a:t>
             </a:r>
           </a:p>
@@ -5054,13 +6786,7 @@
           <a:lstStyle/>
           <a:p>
             <a:r>
-              <a:rPr lang="en-US" sz="1400" b="1" dirty="0">
-                <a:solidFill>
-                  <a:schemeClr val="accent1">
-                    <a:lumMod val="75000"/>
-                  </a:schemeClr>
-                </a:solidFill>
-              </a:rPr>
+              <a:rPr lang="en-US" sz="1400" b="1" dirty="0"/>
               <a:t>Configuration Management</a:t>
             </a:r>
           </a:p>
@@ -5102,11 +6828,7 @@
           <a:lstStyle/>
           <a:p>
             <a:r>
-              <a:rPr lang="en-US" sz="1400" b="1" dirty="0">
-                <a:solidFill>
-                  <a:schemeClr val="accent6"/>
-                </a:solidFill>
-              </a:rPr>
+              <a:rPr lang="en-US" sz="1400" b="1" dirty="0"/>
               <a:t>Change Management</a:t>
             </a:r>
           </a:p>
@@ -5149,13 +6871,7 @@
           <a:lstStyle/>
           <a:p>
             <a:r>
-              <a:rPr lang="en-US" sz="1400" b="1" dirty="0">
-                <a:solidFill>
-                  <a:schemeClr val="accent1">
-                    <a:lumMod val="75000"/>
-                  </a:schemeClr>
-                </a:solidFill>
-              </a:rPr>
+              <a:rPr lang="en-US" sz="1400" b="1" dirty="0"/>
               <a:t>Requirement Management</a:t>
             </a:r>
           </a:p>
@@ -5198,11 +6914,7 @@
           <a:lstStyle/>
           <a:p>
             <a:r>
-              <a:rPr lang="en-US" sz="1400" b="1" dirty="0">
-                <a:solidFill>
-                  <a:schemeClr val="accent6"/>
-                </a:solidFill>
-              </a:rPr>
+              <a:rPr lang="en-US" sz="1400" b="1" dirty="0"/>
               <a:t>IT Service Management</a:t>
             </a:r>
           </a:p>
@@ -5244,13 +6956,7 @@
           <a:lstStyle/>
           <a:p>
             <a:r>
-              <a:rPr lang="en-US" sz="1400" b="1" dirty="0">
-                <a:solidFill>
-                  <a:schemeClr val="accent1">
-                    <a:lumMod val="75000"/>
-                  </a:schemeClr>
-                </a:solidFill>
-              </a:rPr>
+              <a:rPr lang="en-US" sz="1400" b="1" dirty="0"/>
               <a:t>Contract Execution Plan</a:t>
             </a:r>
           </a:p>
@@ -5292,21 +6998,13 @@
           <a:lstStyle/>
           <a:p>
             <a:r>
-              <a:rPr lang="en-US" sz="1400" b="1" dirty="0">
-                <a:solidFill>
-                  <a:schemeClr val="accent6"/>
-                </a:solidFill>
-              </a:rPr>
+              <a:rPr lang="en-US" sz="1400" b="1" dirty="0"/>
               <a:t>Document management/</a:t>
             </a:r>
           </a:p>
           <a:p>
             <a:r>
-              <a:rPr lang="en-US" sz="1400" b="1" dirty="0">
-                <a:solidFill>
-                  <a:schemeClr val="accent6"/>
-                </a:solidFill>
-              </a:rPr>
+              <a:rPr lang="en-US" sz="1400" b="1" dirty="0"/>
               <a:t>collaboration/translation</a:t>
             </a:r>
           </a:p>
@@ -5334,7 +7032,7 @@
         </p:nvSpPr>
         <p:spPr>
           <a:xfrm>
-            <a:off x="7063652" y="649875"/>
+            <a:off x="7087275" y="598430"/>
             <a:ext cx="3724758" cy="523220"/>
           </a:xfrm>
           <a:prstGeom prst="rect">
@@ -5349,11 +7047,7 @@
           <a:lstStyle/>
           <a:p>
             <a:r>
-              <a:rPr lang="en-US" sz="1400" b="1" dirty="0">
-                <a:solidFill>
-                  <a:schemeClr val="accent6"/>
-                </a:solidFill>
-              </a:rPr>
+              <a:rPr lang="en-US" sz="1400" b="1" dirty="0"/>
               <a:t>Release Management/Integrations/Migration</a:t>
             </a:r>
           </a:p>
@@ -5397,13 +7091,7 @@
           <a:p>
             <a:pPr algn="ctr"/>
             <a:r>
-              <a:rPr lang="en-US" sz="1400" b="1" dirty="0">
-                <a:solidFill>
-                  <a:schemeClr val="accent1">
-                    <a:lumMod val="75000"/>
-                  </a:schemeClr>
-                </a:solidFill>
-              </a:rPr>
+              <a:rPr lang="en-US" sz="1400" b="1" dirty="0"/>
               <a:t>Project Management</a:t>
             </a:r>
           </a:p>
@@ -5527,11 +7215,6 @@
           <a:prstGeom prst="wedgeEllipseCallout">
             <a:avLst/>
           </a:prstGeom>
-          <a:ln>
-            <a:solidFill>
-              <a:schemeClr val="accent1"/>
-            </a:solidFill>
-          </a:ln>
         </p:spPr>
         <p:style>
           <a:lnRef idx="2">
@@ -5578,20 +7261,6 @@
           <a:prstGeom prst="wedgeEllipseCallout">
             <a:avLst/>
           </a:prstGeom>
-          <a:solidFill>
-            <a:schemeClr val="accent6">
-              <a:lumMod val="40000"/>
-              <a:lumOff val="60000"/>
-            </a:schemeClr>
-          </a:solidFill>
-          <a:ln>
-            <a:solidFill>
-              <a:schemeClr val="accent6">
-                <a:lumMod val="40000"/>
-                <a:lumOff val="60000"/>
-              </a:schemeClr>
-            </a:solidFill>
-          </a:ln>
         </p:spPr>
         <p:style>
           <a:lnRef idx="2">
@@ -5638,11 +7307,6 @@
           <a:prstGeom prst="wedgeEllipseCallout">
             <a:avLst/>
           </a:prstGeom>
-          <a:ln>
-            <a:solidFill>
-              <a:schemeClr val="accent1"/>
-            </a:solidFill>
-          </a:ln>
         </p:spPr>
         <p:style>
           <a:lnRef idx="2">
@@ -5689,20 +7353,6 @@
           <a:prstGeom prst="wedgeEllipseCallout">
             <a:avLst/>
           </a:prstGeom>
-          <a:solidFill>
-            <a:schemeClr val="accent6">
-              <a:lumMod val="40000"/>
-              <a:lumOff val="60000"/>
-            </a:schemeClr>
-          </a:solidFill>
-          <a:ln>
-            <a:solidFill>
-              <a:schemeClr val="accent6">
-                <a:lumMod val="40000"/>
-                <a:lumOff val="60000"/>
-              </a:schemeClr>
-            </a:solidFill>
-          </a:ln>
         </p:spPr>
         <p:style>
           <a:lnRef idx="2">
@@ -5749,11 +7399,6 @@
           <a:prstGeom prst="wedgeEllipseCallout">
             <a:avLst/>
           </a:prstGeom>
-          <a:ln>
-            <a:solidFill>
-              <a:schemeClr val="accent1"/>
-            </a:solidFill>
-          </a:ln>
         </p:spPr>
         <p:style>
           <a:lnRef idx="2">
@@ -5800,20 +7445,6 @@
           <a:prstGeom prst="wedgeEllipseCallout">
             <a:avLst/>
           </a:prstGeom>
-          <a:solidFill>
-            <a:schemeClr val="accent6">
-              <a:lumMod val="40000"/>
-              <a:lumOff val="60000"/>
-            </a:schemeClr>
-          </a:solidFill>
-          <a:ln>
-            <a:solidFill>
-              <a:schemeClr val="accent6">
-                <a:lumMod val="40000"/>
-                <a:lumOff val="60000"/>
-              </a:schemeClr>
-            </a:solidFill>
-          </a:ln>
         </p:spPr>
         <p:style>
           <a:lnRef idx="2">
@@ -5860,20 +7491,6 @@
           <a:prstGeom prst="wedgeEllipseCallout">
             <a:avLst/>
           </a:prstGeom>
-          <a:solidFill>
-            <a:schemeClr val="accent6">
-              <a:lumMod val="40000"/>
-              <a:lumOff val="60000"/>
-            </a:schemeClr>
-          </a:solidFill>
-          <a:ln>
-            <a:solidFill>
-              <a:schemeClr val="accent6">
-                <a:lumMod val="40000"/>
-                <a:lumOff val="60000"/>
-              </a:schemeClr>
-            </a:solidFill>
-          </a:ln>
         </p:spPr>
         <p:style>
           <a:lnRef idx="2">
@@ -5920,11 +7537,6 @@
           <a:prstGeom prst="wedgeEllipseCallout">
             <a:avLst/>
           </a:prstGeom>
-          <a:ln>
-            <a:solidFill>
-              <a:schemeClr val="accent1"/>
-            </a:solidFill>
-          </a:ln>
         </p:spPr>
         <p:style>
           <a:lnRef idx="2">
@@ -5971,20 +7583,6 @@
           <a:prstGeom prst="wedgeEllipseCallout">
             <a:avLst/>
           </a:prstGeom>
-          <a:solidFill>
-            <a:schemeClr val="accent6">
-              <a:lumMod val="40000"/>
-              <a:lumOff val="60000"/>
-            </a:schemeClr>
-          </a:solidFill>
-          <a:ln>
-            <a:solidFill>
-              <a:schemeClr val="accent6">
-                <a:lumMod val="40000"/>
-                <a:lumOff val="60000"/>
-              </a:schemeClr>
-            </a:solidFill>
-          </a:ln>
         </p:spPr>
         <p:style>
           <a:lnRef idx="2">
@@ -6031,11 +7629,6 @@
           <a:prstGeom prst="wedgeEllipseCallout">
             <a:avLst/>
           </a:prstGeom>
-          <a:ln>
-            <a:solidFill>
-              <a:schemeClr val="accent1"/>
-            </a:solidFill>
-          </a:ln>
         </p:spPr>
         <p:style>
           <a:lnRef idx="2">
@@ -6082,20 +7675,6 @@
           <a:prstGeom prst="wedgeEllipseCallout">
             <a:avLst/>
           </a:prstGeom>
-          <a:solidFill>
-            <a:schemeClr val="accent6">
-              <a:lumMod val="40000"/>
-              <a:lumOff val="60000"/>
-            </a:schemeClr>
-          </a:solidFill>
-          <a:ln>
-            <a:solidFill>
-              <a:schemeClr val="accent6">
-                <a:lumMod val="40000"/>
-                <a:lumOff val="60000"/>
-              </a:schemeClr>
-            </a:solidFill>
-          </a:ln>
         </p:spPr>
         <p:style>
           <a:lnRef idx="2">
@@ -6142,20 +7721,6 @@
           <a:prstGeom prst="flowChartConnector">
             <a:avLst/>
           </a:prstGeom>
-          <a:solidFill>
-            <a:schemeClr val="accent6">
-              <a:lumMod val="40000"/>
-              <a:lumOff val="60000"/>
-            </a:schemeClr>
-          </a:solidFill>
-          <a:ln>
-            <a:solidFill>
-              <a:schemeClr val="accent6">
-                <a:lumMod val="40000"/>
-                <a:lumOff val="60000"/>
-              </a:schemeClr>
-            </a:solidFill>
-          </a:ln>
         </p:spPr>
         <p:style>
           <a:lnRef idx="2">
@@ -6187,7 +7752,7 @@
           <p:cNvPr id="32" name="TextBox 31">
             <a:extLst>
               <a:ext uri="{FF2B5EF4-FFF2-40B4-BE49-F238E27FC236}">
-                <a16:creationId xmlns:a16="http://schemas.microsoft.com/office/drawing/2014/main" id="{B2ADEC51-69A8-414F-9DCC-75455FD38157}"/>
+                <a16:creationId xmlns:a16="http://schemas.microsoft.com/office/drawing/2014/main" id="{D5B747B8-31D3-46D5-BEF6-45F94F61F7DD}"/>
               </a:ext>
             </a:extLst>
           </p:cNvPr>
@@ -6196,8 +7761,8 @@
         </p:nvSpPr>
         <p:spPr>
           <a:xfrm>
-            <a:off x="1474336" y="6368358"/>
-            <a:ext cx="9610699" cy="369332"/>
+            <a:off x="1181704" y="6422714"/>
+            <a:ext cx="9828592" cy="369332"/>
           </a:xfrm>
           <a:prstGeom prst="rect">
             <a:avLst/>
@@ -6234,636 +7799,12 @@
           </a:p>
         </p:txBody>
       </p:sp>
-      <p:sp>
-        <p:nvSpPr>
-          <p:cNvPr id="13" name="Flowchart: Connector 12">
-            <a:extLst>
-              <a:ext uri="{FF2B5EF4-FFF2-40B4-BE49-F238E27FC236}">
-                <a16:creationId xmlns:a16="http://schemas.microsoft.com/office/drawing/2014/main" id="{F26F4BF3-D271-4483-9434-5690C98C1C5F}"/>
-              </a:ext>
-            </a:extLst>
-          </p:cNvPr>
-          <p:cNvSpPr/>
-          <p:nvPr/>
-        </p:nvSpPr>
-        <p:spPr>
-          <a:xfrm>
-            <a:off x="4397176" y="3945684"/>
-            <a:ext cx="83055" cy="88166"/>
-          </a:xfrm>
-          <a:prstGeom prst="flowChartConnector">
-            <a:avLst/>
-          </a:prstGeom>
-          <a:solidFill>
-            <a:schemeClr val="accent1"/>
-          </a:solidFill>
-          <a:ln>
-            <a:solidFill>
-              <a:schemeClr val="accent1"/>
-            </a:solidFill>
-          </a:ln>
-        </p:spPr>
-        <p:style>
-          <a:lnRef idx="2">
-            <a:schemeClr val="accent1">
-              <a:shade val="50000"/>
-            </a:schemeClr>
-          </a:lnRef>
-          <a:fillRef idx="1">
-            <a:schemeClr val="accent1"/>
-          </a:fillRef>
-          <a:effectRef idx="0">
-            <a:schemeClr val="accent1"/>
-          </a:effectRef>
-          <a:fontRef idx="minor">
-            <a:schemeClr val="lt1"/>
-          </a:fontRef>
-        </p:style>
-        <p:txBody>
-          <a:bodyPr rtlCol="0" anchor="ctr"/>
-          <a:lstStyle/>
-          <a:p>
-            <a:pPr algn="ctr"/>
-            <a:endParaRPr lang="en-IN"/>
-          </a:p>
-        </p:txBody>
-      </p:sp>
-      <p:sp>
-        <p:nvSpPr>
-          <p:cNvPr id="14" name="Flowchart: Connector 13">
-            <a:extLst>
-              <a:ext uri="{FF2B5EF4-FFF2-40B4-BE49-F238E27FC236}">
-                <a16:creationId xmlns:a16="http://schemas.microsoft.com/office/drawing/2014/main" id="{8B44E40F-A3B5-4C0F-A468-B781F5E6AD12}"/>
-              </a:ext>
-            </a:extLst>
-          </p:cNvPr>
-          <p:cNvSpPr/>
-          <p:nvPr/>
-        </p:nvSpPr>
-        <p:spPr>
-          <a:xfrm>
-            <a:off x="5018133" y="4627901"/>
-            <a:ext cx="83055" cy="88166"/>
-          </a:xfrm>
-          <a:prstGeom prst="flowChartConnector">
-            <a:avLst/>
-          </a:prstGeom>
-          <a:solidFill>
-            <a:schemeClr val="accent6">
-              <a:lumMod val="40000"/>
-              <a:lumOff val="60000"/>
-            </a:schemeClr>
-          </a:solidFill>
-          <a:ln>
-            <a:solidFill>
-              <a:schemeClr val="accent6">
-                <a:lumMod val="40000"/>
-                <a:lumOff val="60000"/>
-              </a:schemeClr>
-            </a:solidFill>
-          </a:ln>
-        </p:spPr>
-        <p:style>
-          <a:lnRef idx="2">
-            <a:schemeClr val="accent1">
-              <a:shade val="50000"/>
-            </a:schemeClr>
-          </a:lnRef>
-          <a:fillRef idx="1">
-            <a:schemeClr val="accent1"/>
-          </a:fillRef>
-          <a:effectRef idx="0">
-            <a:schemeClr val="accent1"/>
-          </a:effectRef>
-          <a:fontRef idx="minor">
-            <a:schemeClr val="lt1"/>
-          </a:fontRef>
-        </p:style>
-        <p:txBody>
-          <a:bodyPr rtlCol="0" anchor="ctr"/>
-          <a:lstStyle/>
-          <a:p>
-            <a:pPr algn="ctr"/>
-            <a:endParaRPr lang="en-IN"/>
-          </a:p>
-        </p:txBody>
-      </p:sp>
-      <p:sp>
-        <p:nvSpPr>
-          <p:cNvPr id="15" name="Flowchart: Connector 14">
-            <a:extLst>
-              <a:ext uri="{FF2B5EF4-FFF2-40B4-BE49-F238E27FC236}">
-                <a16:creationId xmlns:a16="http://schemas.microsoft.com/office/drawing/2014/main" id="{3AAB88C4-813C-440F-9053-8C4933D2E3BA}"/>
-              </a:ext>
-            </a:extLst>
-          </p:cNvPr>
-          <p:cNvSpPr/>
-          <p:nvPr/>
-        </p:nvSpPr>
-        <p:spPr>
-          <a:xfrm>
-            <a:off x="5811287" y="4835800"/>
-            <a:ext cx="83055" cy="88166"/>
-          </a:xfrm>
-          <a:prstGeom prst="flowChartConnector">
-            <a:avLst/>
-          </a:prstGeom>
-          <a:solidFill>
-            <a:schemeClr val="accent1"/>
-          </a:solidFill>
-          <a:ln>
-            <a:solidFill>
-              <a:schemeClr val="accent1"/>
-            </a:solidFill>
-          </a:ln>
-        </p:spPr>
-        <p:style>
-          <a:lnRef idx="2">
-            <a:schemeClr val="accent1">
-              <a:shade val="50000"/>
-            </a:schemeClr>
-          </a:lnRef>
-          <a:fillRef idx="1">
-            <a:schemeClr val="accent1"/>
-          </a:fillRef>
-          <a:effectRef idx="0">
-            <a:schemeClr val="accent1"/>
-          </a:effectRef>
-          <a:fontRef idx="minor">
-            <a:schemeClr val="lt1"/>
-          </a:fontRef>
-        </p:style>
-        <p:txBody>
-          <a:bodyPr rtlCol="0" anchor="ctr"/>
-          <a:lstStyle/>
-          <a:p>
-            <a:pPr algn="ctr"/>
-            <a:endParaRPr lang="en-IN"/>
-          </a:p>
-        </p:txBody>
-      </p:sp>
-      <p:sp>
-        <p:nvSpPr>
-          <p:cNvPr id="16" name="Flowchart: Connector 15">
-            <a:extLst>
-              <a:ext uri="{FF2B5EF4-FFF2-40B4-BE49-F238E27FC236}">
-                <a16:creationId xmlns:a16="http://schemas.microsoft.com/office/drawing/2014/main" id="{94537103-9802-4826-9407-B9CF222A88E6}"/>
-              </a:ext>
-            </a:extLst>
-          </p:cNvPr>
-          <p:cNvSpPr/>
-          <p:nvPr/>
-        </p:nvSpPr>
-        <p:spPr>
-          <a:xfrm>
-            <a:off x="7220650" y="3960609"/>
-            <a:ext cx="83055" cy="88166"/>
-          </a:xfrm>
-          <a:prstGeom prst="flowChartConnector">
-            <a:avLst/>
-          </a:prstGeom>
-          <a:solidFill>
-            <a:schemeClr val="accent1"/>
-          </a:solidFill>
-          <a:ln>
-            <a:solidFill>
-              <a:schemeClr val="accent1"/>
-            </a:solidFill>
-          </a:ln>
-        </p:spPr>
-        <p:style>
-          <a:lnRef idx="2">
-            <a:schemeClr val="accent1">
-              <a:shade val="50000"/>
-            </a:schemeClr>
-          </a:lnRef>
-          <a:fillRef idx="1">
-            <a:schemeClr val="accent1"/>
-          </a:fillRef>
-          <a:effectRef idx="0">
-            <a:schemeClr val="accent1"/>
-          </a:effectRef>
-          <a:fontRef idx="minor">
-            <a:schemeClr val="lt1"/>
-          </a:fontRef>
-        </p:style>
-        <p:txBody>
-          <a:bodyPr rtlCol="0" anchor="ctr"/>
-          <a:lstStyle/>
-          <a:p>
-            <a:pPr algn="ctr"/>
-            <a:endParaRPr lang="en-IN"/>
-          </a:p>
-        </p:txBody>
-      </p:sp>
-      <p:sp>
-        <p:nvSpPr>
-          <p:cNvPr id="17" name="Flowchart: Connector 16">
-            <a:extLst>
-              <a:ext uri="{FF2B5EF4-FFF2-40B4-BE49-F238E27FC236}">
-                <a16:creationId xmlns:a16="http://schemas.microsoft.com/office/drawing/2014/main" id="{60A7068C-B8A6-4084-959C-86E9F5578BAE}"/>
-              </a:ext>
-            </a:extLst>
-          </p:cNvPr>
-          <p:cNvSpPr/>
-          <p:nvPr/>
-        </p:nvSpPr>
-        <p:spPr>
-          <a:xfrm>
-            <a:off x="7196726" y="2562776"/>
-            <a:ext cx="83055" cy="88166"/>
-          </a:xfrm>
-          <a:prstGeom prst="flowChartConnector">
-            <a:avLst/>
-          </a:prstGeom>
-          <a:solidFill>
-            <a:schemeClr val="accent1"/>
-          </a:solidFill>
-          <a:ln>
-            <a:solidFill>
-              <a:schemeClr val="accent1"/>
-            </a:solidFill>
-          </a:ln>
-        </p:spPr>
-        <p:style>
-          <a:lnRef idx="2">
-            <a:schemeClr val="accent1">
-              <a:shade val="50000"/>
-            </a:schemeClr>
-          </a:lnRef>
-          <a:fillRef idx="1">
-            <a:schemeClr val="accent1"/>
-          </a:fillRef>
-          <a:effectRef idx="0">
-            <a:schemeClr val="accent1"/>
-          </a:effectRef>
-          <a:fontRef idx="minor">
-            <a:schemeClr val="lt1"/>
-          </a:fontRef>
-        </p:style>
-        <p:txBody>
-          <a:bodyPr rtlCol="0" anchor="ctr"/>
-          <a:lstStyle/>
-          <a:p>
-            <a:pPr algn="ctr"/>
-            <a:endParaRPr lang="en-IN"/>
-          </a:p>
-        </p:txBody>
-      </p:sp>
-      <p:sp>
-        <p:nvSpPr>
-          <p:cNvPr id="19" name="Flowchart: Connector 18">
-            <a:extLst>
-              <a:ext uri="{FF2B5EF4-FFF2-40B4-BE49-F238E27FC236}">
-                <a16:creationId xmlns:a16="http://schemas.microsoft.com/office/drawing/2014/main" id="{E6279EFF-60EE-4DB5-8F15-D57C19BD00FD}"/>
-              </a:ext>
-            </a:extLst>
-          </p:cNvPr>
-          <p:cNvSpPr/>
-          <p:nvPr/>
-        </p:nvSpPr>
-        <p:spPr>
-          <a:xfrm>
-            <a:off x="5811286" y="1737622"/>
-            <a:ext cx="83055" cy="88166"/>
-          </a:xfrm>
-          <a:prstGeom prst="flowChartConnector">
-            <a:avLst/>
-          </a:prstGeom>
-          <a:solidFill>
-            <a:schemeClr val="accent1"/>
-          </a:solidFill>
-          <a:ln>
-            <a:solidFill>
-              <a:schemeClr val="accent1"/>
-            </a:solidFill>
-          </a:ln>
-        </p:spPr>
-        <p:style>
-          <a:lnRef idx="2">
-            <a:schemeClr val="accent1">
-              <a:shade val="50000"/>
-            </a:schemeClr>
-          </a:lnRef>
-          <a:fillRef idx="1">
-            <a:schemeClr val="accent1"/>
-          </a:fillRef>
-          <a:effectRef idx="0">
-            <a:schemeClr val="accent1"/>
-          </a:effectRef>
-          <a:fontRef idx="minor">
-            <a:schemeClr val="lt1"/>
-          </a:fontRef>
-        </p:style>
-        <p:txBody>
-          <a:bodyPr rtlCol="0" anchor="ctr"/>
-          <a:lstStyle/>
-          <a:p>
-            <a:pPr algn="ctr"/>
-            <a:endParaRPr lang="en-IN"/>
-          </a:p>
-        </p:txBody>
-      </p:sp>
-      <p:sp>
-        <p:nvSpPr>
-          <p:cNvPr id="21" name="Flowchart: Connector 20">
-            <a:extLst>
-              <a:ext uri="{FF2B5EF4-FFF2-40B4-BE49-F238E27FC236}">
-                <a16:creationId xmlns:a16="http://schemas.microsoft.com/office/drawing/2014/main" id="{8B1DB9BB-BBA2-4FEA-B12C-62A50A15D6D0}"/>
-              </a:ext>
-            </a:extLst>
-          </p:cNvPr>
-          <p:cNvSpPr/>
-          <p:nvPr/>
-        </p:nvSpPr>
-        <p:spPr>
-          <a:xfrm>
-            <a:off x="6666023" y="4604579"/>
-            <a:ext cx="83055" cy="88166"/>
-          </a:xfrm>
-          <a:prstGeom prst="flowChartConnector">
-            <a:avLst/>
-          </a:prstGeom>
-          <a:solidFill>
-            <a:schemeClr val="accent6">
-              <a:lumMod val="40000"/>
-              <a:lumOff val="60000"/>
-            </a:schemeClr>
-          </a:solidFill>
-          <a:ln>
-            <a:solidFill>
-              <a:schemeClr val="accent6">
-                <a:lumMod val="40000"/>
-                <a:lumOff val="60000"/>
-              </a:schemeClr>
-            </a:solidFill>
-          </a:ln>
-        </p:spPr>
-        <p:style>
-          <a:lnRef idx="2">
-            <a:schemeClr val="accent1">
-              <a:shade val="50000"/>
-            </a:schemeClr>
-          </a:lnRef>
-          <a:fillRef idx="1">
-            <a:schemeClr val="accent1"/>
-          </a:fillRef>
-          <a:effectRef idx="0">
-            <a:schemeClr val="accent1"/>
-          </a:effectRef>
-          <a:fontRef idx="minor">
-            <a:schemeClr val="lt1"/>
-          </a:fontRef>
-        </p:style>
-        <p:txBody>
-          <a:bodyPr rtlCol="0" anchor="ctr"/>
-          <a:lstStyle/>
-          <a:p>
-            <a:pPr algn="ctr"/>
-            <a:endParaRPr lang="en-IN"/>
-          </a:p>
-        </p:txBody>
-      </p:sp>
-      <p:sp>
-        <p:nvSpPr>
-          <p:cNvPr id="23" name="Flowchart: Connector 22">
-            <a:extLst>
-              <a:ext uri="{FF2B5EF4-FFF2-40B4-BE49-F238E27FC236}">
-                <a16:creationId xmlns:a16="http://schemas.microsoft.com/office/drawing/2014/main" id="{668F4037-0F30-4849-A87F-1E2143DEF5EC}"/>
-              </a:ext>
-            </a:extLst>
-          </p:cNvPr>
-          <p:cNvSpPr/>
-          <p:nvPr/>
-        </p:nvSpPr>
-        <p:spPr>
-          <a:xfrm>
-            <a:off x="7376784" y="3279324"/>
-            <a:ext cx="83055" cy="88166"/>
-          </a:xfrm>
-          <a:prstGeom prst="flowChartConnector">
-            <a:avLst/>
-          </a:prstGeom>
-          <a:solidFill>
-            <a:schemeClr val="accent6">
-              <a:lumMod val="40000"/>
-              <a:lumOff val="60000"/>
-            </a:schemeClr>
-          </a:solidFill>
-          <a:ln>
-            <a:solidFill>
-              <a:schemeClr val="accent6">
-                <a:lumMod val="40000"/>
-                <a:lumOff val="60000"/>
-              </a:schemeClr>
-            </a:solidFill>
-          </a:ln>
-        </p:spPr>
-        <p:style>
-          <a:lnRef idx="2">
-            <a:schemeClr val="accent1">
-              <a:shade val="50000"/>
-            </a:schemeClr>
-          </a:lnRef>
-          <a:fillRef idx="1">
-            <a:schemeClr val="accent1"/>
-          </a:fillRef>
-          <a:effectRef idx="0">
-            <a:schemeClr val="accent1"/>
-          </a:effectRef>
-          <a:fontRef idx="minor">
-            <a:schemeClr val="lt1"/>
-          </a:fontRef>
-        </p:style>
-        <p:txBody>
-          <a:bodyPr rtlCol="0" anchor="ctr"/>
-          <a:lstStyle/>
-          <a:p>
-            <a:pPr algn="ctr"/>
-            <a:endParaRPr lang="en-IN"/>
-          </a:p>
-        </p:txBody>
-      </p:sp>
-      <p:sp>
-        <p:nvSpPr>
-          <p:cNvPr id="25" name="Flowchart: Connector 24">
-            <a:extLst>
-              <a:ext uri="{FF2B5EF4-FFF2-40B4-BE49-F238E27FC236}">
-                <a16:creationId xmlns:a16="http://schemas.microsoft.com/office/drawing/2014/main" id="{A5F70944-9F5C-4B4B-9028-45BADEB07059}"/>
-              </a:ext>
-            </a:extLst>
-          </p:cNvPr>
-          <p:cNvSpPr/>
-          <p:nvPr/>
-        </p:nvSpPr>
-        <p:spPr>
-          <a:xfrm>
-            <a:off x="4968506" y="1966605"/>
-            <a:ext cx="83055" cy="88166"/>
-          </a:xfrm>
-          <a:prstGeom prst="flowChartConnector">
-            <a:avLst/>
-          </a:prstGeom>
-          <a:solidFill>
-            <a:schemeClr val="accent6">
-              <a:lumMod val="40000"/>
-              <a:lumOff val="60000"/>
-            </a:schemeClr>
-          </a:solidFill>
-          <a:ln>
-            <a:solidFill>
-              <a:schemeClr val="accent6">
-                <a:lumMod val="40000"/>
-                <a:lumOff val="60000"/>
-              </a:schemeClr>
-            </a:solidFill>
-          </a:ln>
-        </p:spPr>
-        <p:style>
-          <a:lnRef idx="2">
-            <a:schemeClr val="accent1">
-              <a:shade val="50000"/>
-            </a:schemeClr>
-          </a:lnRef>
-          <a:fillRef idx="1">
-            <a:schemeClr val="accent1"/>
-          </a:fillRef>
-          <a:effectRef idx="0">
-            <a:schemeClr val="accent1"/>
-          </a:effectRef>
-          <a:fontRef idx="minor">
-            <a:schemeClr val="lt1"/>
-          </a:fontRef>
-        </p:style>
-        <p:txBody>
-          <a:bodyPr rtlCol="0" anchor="ctr"/>
-          <a:lstStyle/>
-          <a:p>
-            <a:pPr algn="ctr"/>
-            <a:endParaRPr lang="en-IN"/>
-          </a:p>
-        </p:txBody>
-      </p:sp>
-      <p:sp>
-        <p:nvSpPr>
-          <p:cNvPr id="27" name="Flowchart: Connector 26">
-            <a:extLst>
-              <a:ext uri="{FF2B5EF4-FFF2-40B4-BE49-F238E27FC236}">
-                <a16:creationId xmlns:a16="http://schemas.microsoft.com/office/drawing/2014/main" id="{0EDDB627-35A3-485F-86B2-7B6CF12F7203}"/>
-              </a:ext>
-            </a:extLst>
-          </p:cNvPr>
-          <p:cNvSpPr/>
-          <p:nvPr/>
-        </p:nvSpPr>
-        <p:spPr>
-          <a:xfrm>
-            <a:off x="6598731" y="1946712"/>
-            <a:ext cx="83055" cy="88166"/>
-          </a:xfrm>
-          <a:prstGeom prst="flowChartConnector">
-            <a:avLst/>
-          </a:prstGeom>
-          <a:solidFill>
-            <a:schemeClr val="accent6">
-              <a:lumMod val="40000"/>
-              <a:lumOff val="60000"/>
-            </a:schemeClr>
-          </a:solidFill>
-          <a:ln>
-            <a:solidFill>
-              <a:schemeClr val="accent6">
-                <a:lumMod val="40000"/>
-                <a:lumOff val="60000"/>
-              </a:schemeClr>
-            </a:solidFill>
-          </a:ln>
-        </p:spPr>
-        <p:style>
-          <a:lnRef idx="2">
-            <a:schemeClr val="accent1">
-              <a:shade val="50000"/>
-            </a:schemeClr>
-          </a:lnRef>
-          <a:fillRef idx="1">
-            <a:schemeClr val="accent1"/>
-          </a:fillRef>
-          <a:effectRef idx="0">
-            <a:schemeClr val="accent1"/>
-          </a:effectRef>
-          <a:fontRef idx="minor">
-            <a:schemeClr val="lt1"/>
-          </a:fontRef>
-        </p:style>
-        <p:txBody>
-          <a:bodyPr rtlCol="0" anchor="ctr"/>
-          <a:lstStyle/>
-          <a:p>
-            <a:pPr algn="ctr"/>
-            <a:endParaRPr lang="en-IN"/>
-          </a:p>
-        </p:txBody>
-      </p:sp>
-      <p:sp>
-        <p:nvSpPr>
-          <p:cNvPr id="29" name="Flowchart: Connector 28">
-            <a:extLst>
-              <a:ext uri="{FF2B5EF4-FFF2-40B4-BE49-F238E27FC236}">
-                <a16:creationId xmlns:a16="http://schemas.microsoft.com/office/drawing/2014/main" id="{03A69554-C2C8-4805-8936-DAF81280D368}"/>
-              </a:ext>
-            </a:extLst>
-          </p:cNvPr>
-          <p:cNvSpPr/>
-          <p:nvPr/>
-        </p:nvSpPr>
-        <p:spPr>
-          <a:xfrm>
-            <a:off x="4441468" y="2537926"/>
-            <a:ext cx="83055" cy="88166"/>
-          </a:xfrm>
-          <a:prstGeom prst="flowChartConnector">
-            <a:avLst/>
-          </a:prstGeom>
-          <a:solidFill>
-            <a:schemeClr val="accent1"/>
-          </a:solidFill>
-          <a:ln>
-            <a:solidFill>
-              <a:schemeClr val="accent1"/>
-            </a:solidFill>
-          </a:ln>
-        </p:spPr>
-        <p:style>
-          <a:lnRef idx="2">
-            <a:schemeClr val="accent1">
-              <a:shade val="50000"/>
-            </a:schemeClr>
-          </a:lnRef>
-          <a:fillRef idx="1">
-            <a:schemeClr val="accent1"/>
-          </a:fillRef>
-          <a:effectRef idx="0">
-            <a:schemeClr val="accent1"/>
-          </a:effectRef>
-          <a:fontRef idx="minor">
-            <a:schemeClr val="lt1"/>
-          </a:fontRef>
-        </p:style>
-        <p:txBody>
-          <a:bodyPr rtlCol="0" anchor="ctr"/>
-          <a:lstStyle/>
-          <a:p>
-            <a:pPr algn="ctr"/>
-            <a:endParaRPr lang="en-IN"/>
-          </a:p>
-        </p:txBody>
-      </p:sp>
       <p:pic>
         <p:nvPicPr>
-          <p:cNvPr id="30" name="Picture 29">
-            <a:extLst>
-              <a:ext uri="{FF2B5EF4-FFF2-40B4-BE49-F238E27FC236}">
-                <a16:creationId xmlns:a16="http://schemas.microsoft.com/office/drawing/2014/main" id="{CDEA72C2-D7D1-45FC-8165-994890294CAF}"/>
+          <p:cNvPr id="14" name="Picture 13">
+            <a:extLst>
+              <a:ext uri="{FF2B5EF4-FFF2-40B4-BE49-F238E27FC236}">
+                <a16:creationId xmlns:a16="http://schemas.microsoft.com/office/drawing/2014/main" id="{6A950210-3CEC-4D79-B33C-68D4F35916DC}"/>
               </a:ext>
             </a:extLst>
           </p:cNvPr>
@@ -6880,7 +7821,7 @@
         </p:blipFill>
         <p:spPr>
           <a:xfrm>
-            <a:off x="7531896" y="4065120"/>
+            <a:off x="3266005" y="2965154"/>
             <a:ext cx="677070" cy="680938"/>
           </a:xfrm>
           <a:prstGeom prst="rect">
@@ -6888,202 +7829,10 @@
           </a:prstGeom>
         </p:spPr>
       </p:pic>
-      <p:pic>
-        <p:nvPicPr>
-          <p:cNvPr id="37" name="Picture 36">
-            <a:extLst>
-              <a:ext uri="{FF2B5EF4-FFF2-40B4-BE49-F238E27FC236}">
-                <a16:creationId xmlns:a16="http://schemas.microsoft.com/office/drawing/2014/main" id="{F665A401-54A7-4407-87C1-8F277AEC659B}"/>
-              </a:ext>
-            </a:extLst>
-          </p:cNvPr>
-          <p:cNvPicPr>
-            <a:picLocks noChangeAspect="1"/>
-          </p:cNvPicPr>
-          <p:nvPr/>
-        </p:nvPicPr>
-        <p:blipFill>
-          <a:blip r:embed="rId3"/>
-          <a:stretch>
-            <a:fillRect/>
-          </a:stretch>
-        </p:blipFill>
-        <p:spPr>
-          <a:xfrm>
-            <a:off x="6725117" y="4873687"/>
-            <a:ext cx="677070" cy="680938"/>
-          </a:xfrm>
-          <a:prstGeom prst="rect">
-            <a:avLst/>
-          </a:prstGeom>
-        </p:spPr>
-      </p:pic>
-      <p:sp>
-        <p:nvSpPr>
-          <p:cNvPr id="57" name="Oval 56">
-            <a:extLst>
-              <a:ext uri="{FF2B5EF4-FFF2-40B4-BE49-F238E27FC236}">
-                <a16:creationId xmlns:a16="http://schemas.microsoft.com/office/drawing/2014/main" id="{C2D34B09-B895-44AB-A6A4-233076706EB9}"/>
-              </a:ext>
-            </a:extLst>
-          </p:cNvPr>
-          <p:cNvSpPr/>
-          <p:nvPr/>
-        </p:nvSpPr>
-        <p:spPr>
-          <a:xfrm>
-            <a:off x="4214674" y="3240061"/>
-            <a:ext cx="142042" cy="146759"/>
-          </a:xfrm>
-          <a:prstGeom prst="ellipse">
-            <a:avLst/>
-          </a:prstGeom>
-          <a:noFill/>
-          <a:ln>
-            <a:solidFill>
-              <a:schemeClr val="accent6">
-                <a:lumMod val="40000"/>
-                <a:lumOff val="60000"/>
-              </a:schemeClr>
-            </a:solidFill>
-          </a:ln>
-        </p:spPr>
-        <p:style>
-          <a:lnRef idx="2">
-            <a:schemeClr val="accent1">
-              <a:shade val="50000"/>
-            </a:schemeClr>
-          </a:lnRef>
-          <a:fillRef idx="1">
-            <a:schemeClr val="accent1"/>
-          </a:fillRef>
-          <a:effectRef idx="0">
-            <a:schemeClr val="accent1"/>
-          </a:effectRef>
-          <a:fontRef idx="minor">
-            <a:schemeClr val="lt1"/>
-          </a:fontRef>
-        </p:style>
-        <p:txBody>
-          <a:bodyPr rtlCol="0" anchor="ctr"/>
-          <a:lstStyle/>
-          <a:p>
-            <a:pPr algn="ctr"/>
-            <a:endParaRPr lang="en-IN"/>
-          </a:p>
-        </p:txBody>
-      </p:sp>
-      <p:sp>
-        <p:nvSpPr>
-          <p:cNvPr id="67" name="Oval 66">
-            <a:extLst>
-              <a:ext uri="{FF2B5EF4-FFF2-40B4-BE49-F238E27FC236}">
-                <a16:creationId xmlns:a16="http://schemas.microsoft.com/office/drawing/2014/main" id="{DE8D3D7D-6FC9-4ED1-9046-6C851B1043F1}"/>
-              </a:ext>
-            </a:extLst>
-          </p:cNvPr>
-          <p:cNvSpPr/>
-          <p:nvPr/>
-        </p:nvSpPr>
-        <p:spPr>
-          <a:xfrm>
-            <a:off x="6632606" y="4572323"/>
-            <a:ext cx="142042" cy="146759"/>
-          </a:xfrm>
-          <a:prstGeom prst="ellipse">
-            <a:avLst/>
-          </a:prstGeom>
-          <a:noFill/>
-          <a:ln>
-            <a:solidFill>
-              <a:schemeClr val="accent6">
-                <a:lumMod val="40000"/>
-                <a:lumOff val="60000"/>
-              </a:schemeClr>
-            </a:solidFill>
-          </a:ln>
-        </p:spPr>
-        <p:style>
-          <a:lnRef idx="2">
-            <a:schemeClr val="accent1">
-              <a:shade val="50000"/>
-            </a:schemeClr>
-          </a:lnRef>
-          <a:fillRef idx="1">
-            <a:schemeClr val="accent1"/>
-          </a:fillRef>
-          <a:effectRef idx="0">
-            <a:schemeClr val="accent1"/>
-          </a:effectRef>
-          <a:fontRef idx="minor">
-            <a:schemeClr val="lt1"/>
-          </a:fontRef>
-        </p:style>
-        <p:txBody>
-          <a:bodyPr rtlCol="0" anchor="ctr"/>
-          <a:lstStyle/>
-          <a:p>
-            <a:pPr algn="ctr"/>
-            <a:endParaRPr lang="en-IN"/>
-          </a:p>
-        </p:txBody>
-      </p:sp>
-      <p:sp>
-        <p:nvSpPr>
-          <p:cNvPr id="69" name="Oval 68">
-            <a:extLst>
-              <a:ext uri="{FF2B5EF4-FFF2-40B4-BE49-F238E27FC236}">
-                <a16:creationId xmlns:a16="http://schemas.microsoft.com/office/drawing/2014/main" id="{8183AD7F-CAF2-4372-92AE-207B6469511A}"/>
-              </a:ext>
-            </a:extLst>
-          </p:cNvPr>
-          <p:cNvSpPr/>
-          <p:nvPr/>
-        </p:nvSpPr>
-        <p:spPr>
-          <a:xfrm>
-            <a:off x="7191156" y="3931570"/>
-            <a:ext cx="142042" cy="146759"/>
-          </a:xfrm>
-          <a:prstGeom prst="ellipse">
-            <a:avLst/>
-          </a:prstGeom>
-          <a:noFill/>
-          <a:ln>
-            <a:solidFill>
-              <a:schemeClr val="accent1"/>
-            </a:solidFill>
-          </a:ln>
-        </p:spPr>
-        <p:style>
-          <a:lnRef idx="2">
-            <a:schemeClr val="accent1">
-              <a:shade val="50000"/>
-            </a:schemeClr>
-          </a:lnRef>
-          <a:fillRef idx="1">
-            <a:schemeClr val="accent1"/>
-          </a:fillRef>
-          <a:effectRef idx="0">
-            <a:schemeClr val="accent1"/>
-          </a:effectRef>
-          <a:fontRef idx="minor">
-            <a:schemeClr val="lt1"/>
-          </a:fontRef>
-        </p:style>
-        <p:txBody>
-          <a:bodyPr rtlCol="0" anchor="ctr"/>
-          <a:lstStyle/>
-          <a:p>
-            <a:pPr algn="ctr"/>
-            <a:endParaRPr lang="en-IN"/>
-          </a:p>
-        </p:txBody>
-      </p:sp>
     </p:spTree>
     <p:extLst>
       <p:ext uri="{BB962C8B-B14F-4D97-AF65-F5344CB8AC3E}">
-        <p14:creationId xmlns:p14="http://schemas.microsoft.com/office/powerpoint/2010/main" val="45816385"/>
+        <p14:creationId xmlns:p14="http://schemas.microsoft.com/office/powerpoint/2010/main" val="733744844"/>
       </p:ext>
     </p:extLst>
   </p:cSld>
@@ -7124,7 +7873,7 @@
         </p:nvSpPr>
         <p:spPr>
           <a:xfrm rot="20478867">
-            <a:off x="5466697" y="754523"/>
+            <a:off x="5469981" y="770311"/>
             <a:ext cx="761252" cy="757106"/>
           </a:xfrm>
           <a:prstGeom prst="wedgeEllipseCallout">
@@ -7132,7 +7881,7 @@
           </a:prstGeom>
           <a:ln>
             <a:solidFill>
-              <a:srgbClr val="0070C0"/>
+              <a:schemeClr val="accent1"/>
             </a:solidFill>
           </a:ln>
         </p:spPr>
@@ -7183,23 +7932,16 @@
           </a:prstGeom>
           <a:solidFill>
             <a:schemeClr val="bg1">
-              <a:lumMod val="85000"/>
+              <a:lumMod val="95000"/>
             </a:schemeClr>
           </a:solidFill>
-          <a:ln>
-            <a:noFill/>
-          </a:ln>
           <a:effectLst>
-            <a:outerShdw blurRad="101600" dist="50800" dir="5400000" sx="103000" sy="103000" algn="ctr" rotWithShape="0">
-              <a:schemeClr val="tx1">
-                <a:alpha val="40000"/>
-              </a:schemeClr>
-            </a:outerShdw>
+            <a:innerShdw blurRad="63500" dist="50800" dir="2700000">
+              <a:prstClr val="black">
+                <a:alpha val="50000"/>
+              </a:prstClr>
+            </a:innerShdw>
           </a:effectLst>
-          <a:scene3d>
-            <a:camera prst="obliqueTopRight"/>
-            <a:lightRig rig="threePt" dir="t"/>
-          </a:scene3d>
         </p:spPr>
         <p:style>
           <a:lnRef idx="2">
@@ -7240,7 +7982,7 @@
         </p:nvSpPr>
         <p:spPr>
           <a:xfrm>
-            <a:off x="7386095" y="764356"/>
+            <a:off x="8099864" y="1690146"/>
             <a:ext cx="1846555" cy="523220"/>
           </a:xfrm>
           <a:prstGeom prst="rect">
@@ -7257,9 +7999,8 @@
             <a:r>
               <a:rPr lang="en-US" sz="1400" b="1" dirty="0">
                 <a:solidFill>
-                  <a:schemeClr val="accent6">
-                    <a:lumMod val="60000"/>
-                    <a:lumOff val="40000"/>
+                  <a:schemeClr val="accent1">
+                    <a:lumMod val="75000"/>
                   </a:schemeClr>
                 </a:solidFill>
               </a:rPr>
@@ -7306,7 +8047,7 @@
             <a:r>
               <a:rPr lang="en-US" sz="1400" b="1" dirty="0">
                 <a:solidFill>
-                  <a:srgbClr val="FFC000"/>
+                  <a:schemeClr val="accent6"/>
                 </a:solidFill>
               </a:rPr>
               <a:t>Test Automation</a:t>
@@ -7336,8 +8077,8 @@
         </p:nvSpPr>
         <p:spPr>
           <a:xfrm>
-            <a:off x="8271627" y="4169833"/>
-            <a:ext cx="1846555" cy="738664"/>
+            <a:off x="8218131" y="4364441"/>
+            <a:ext cx="2035349" cy="738664"/>
           </a:xfrm>
           <a:prstGeom prst="rect">
             <a:avLst/>
@@ -7353,10 +8094,12 @@
             <a:r>
               <a:rPr lang="en-US" sz="1400" b="1" dirty="0">
                 <a:solidFill>
-                  <a:srgbClr val="63E2F3"/>
+                  <a:schemeClr val="accent1">
+                    <a:lumMod val="75000"/>
+                  </a:schemeClr>
                 </a:solidFill>
               </a:rPr>
-              <a:t>Code Quality Analysis And Measurement</a:t>
+              <a:t>Code Quality Analysis &amp; Measurement</a:t>
             </a:r>
           </a:p>
           <a:p>
@@ -7383,7 +8126,7 @@
         </p:nvSpPr>
         <p:spPr>
           <a:xfrm>
-            <a:off x="7408953" y="5221842"/>
+            <a:off x="7347846" y="5479871"/>
             <a:ext cx="2410707" cy="523220"/>
           </a:xfrm>
           <a:prstGeom prst="rect">
@@ -7400,7 +8143,7 @@
             <a:r>
               <a:rPr lang="en-US" sz="1400" b="1" dirty="0">
                 <a:solidFill>
-                  <a:srgbClr val="64A95F"/>
+                  <a:schemeClr val="accent6"/>
                 </a:solidFill>
               </a:rPr>
               <a:t>Code Security Management</a:t>
@@ -7447,7 +8190,9 @@
             <a:r>
               <a:rPr lang="en-US" sz="1400" b="1" dirty="0">
                 <a:solidFill>
-                  <a:srgbClr val="0070C0"/>
+                  <a:schemeClr val="accent1">
+                    <a:lumMod val="75000"/>
+                  </a:schemeClr>
                 </a:solidFill>
               </a:rPr>
               <a:t>Configuration Management</a:t>
@@ -7476,7 +8221,7 @@
         </p:nvSpPr>
         <p:spPr>
           <a:xfrm>
-            <a:off x="2565690" y="768096"/>
+            <a:off x="2613937" y="5313708"/>
             <a:ext cx="1981205" cy="523220"/>
           </a:xfrm>
           <a:prstGeom prst="rect">
@@ -7493,20 +8238,66 @@
             <a:r>
               <a:rPr lang="en-US" sz="1400" b="1" dirty="0">
                 <a:solidFill>
-                  <a:schemeClr val="accent6">
-                    <a:lumMod val="60000"/>
-                    <a:lumOff val="40000"/>
+                  <a:schemeClr val="accent6"/>
+                </a:solidFill>
+              </a:rPr>
+              <a:t>Change Management</a:t>
+            </a:r>
+          </a:p>
+          <a:p>
+            <a:pPr algn="ctr"/>
+            <a:r>
+              <a:rPr lang="en-US" sz="1400" dirty="0"/>
+              <a:t>RTC/ClearQuest</a:t>
+            </a:r>
+            <a:endParaRPr lang="en-IN" sz="1400" dirty="0"/>
+          </a:p>
+        </p:txBody>
+      </p:sp>
+      <p:sp>
+        <p:nvSpPr>
+          <p:cNvPr id="48" name="TextBox 47">
+            <a:extLst>
+              <a:ext uri="{FF2B5EF4-FFF2-40B4-BE49-F238E27FC236}">
+                <a16:creationId xmlns:a16="http://schemas.microsoft.com/office/drawing/2014/main" id="{FDD7DDE6-418B-4791-9AE5-D954D053F1B1}"/>
+              </a:ext>
+            </a:extLst>
+          </p:cNvPr>
+          <p:cNvSpPr txBox="1"/>
+          <p:nvPr/>
+        </p:nvSpPr>
+        <p:spPr>
+          <a:xfrm>
+            <a:off x="1279470" y="4401181"/>
+            <a:ext cx="2315314" cy="523220"/>
+          </a:xfrm>
+          <a:prstGeom prst="rect">
+            <a:avLst/>
+          </a:prstGeom>
+          <a:noFill/>
+        </p:spPr>
+        <p:txBody>
+          <a:bodyPr wrap="square">
+            <a:spAutoFit/>
+          </a:bodyPr>
+          <a:lstStyle/>
+          <a:p>
+            <a:r>
+              <a:rPr lang="en-US" sz="1400" b="1" dirty="0">
+                <a:solidFill>
+                  <a:schemeClr val="accent1">
+                    <a:lumMod val="75000"/>
                   </a:schemeClr>
                 </a:solidFill>
               </a:rPr>
-              <a:t>Change Management</a:t>
+              <a:t>Requirement Management</a:t>
             </a:r>
           </a:p>
           <a:p>
             <a:pPr algn="ctr"/>
             <a:r>
               <a:rPr lang="en-US" sz="1400" dirty="0"/>
-              <a:t>RTC/ClearQuest</a:t>
+              <a:t>HPALM/RRC/Octane </a:t>
             </a:r>
             <a:endParaRPr lang="en-IN" sz="1400" dirty="0"/>
           </a:p>
@@ -7514,10 +8305,10 @@
       </p:sp>
       <p:sp>
         <p:nvSpPr>
-          <p:cNvPr id="48" name="TextBox 47">
-            <a:extLst>
-              <a:ext uri="{FF2B5EF4-FFF2-40B4-BE49-F238E27FC236}">
-                <a16:creationId xmlns:a16="http://schemas.microsoft.com/office/drawing/2014/main" id="{FDD7DDE6-418B-4791-9AE5-D954D053F1B1}"/>
+          <p:cNvPr id="50" name="TextBox 49">
+            <a:extLst>
+              <a:ext uri="{FF2B5EF4-FFF2-40B4-BE49-F238E27FC236}">
+                <a16:creationId xmlns:a16="http://schemas.microsoft.com/office/drawing/2014/main" id="{D3BCA72D-9A09-4D69-B682-9F0D69924C25}"/>
               </a:ext>
             </a:extLst>
           </p:cNvPr>
@@ -7526,8 +8317,8 @@
         </p:nvSpPr>
         <p:spPr>
           <a:xfrm>
-            <a:off x="1268836" y="4186357"/>
-            <a:ext cx="2315314" cy="523220"/>
+            <a:off x="1315836" y="3095442"/>
+            <a:ext cx="2057186" cy="523220"/>
           </a:xfrm>
           <a:prstGeom prst="rect">
             <a:avLst/>
@@ -7543,17 +8334,16 @@
             <a:r>
               <a:rPr lang="en-US" sz="1400" b="1" dirty="0">
                 <a:solidFill>
-                  <a:srgbClr val="63E2F3"/>
+                  <a:schemeClr val="accent6"/>
                 </a:solidFill>
               </a:rPr>
-              <a:t>Requirement Management</a:t>
-            </a:r>
-          </a:p>
-          <a:p>
-            <a:pPr algn="ctr"/>
+              <a:t>IT Service Management</a:t>
+            </a:r>
+          </a:p>
+          <a:p>
             <a:r>
               <a:rPr lang="en-US" sz="1400" dirty="0"/>
-              <a:t>HPALM/RRC/Octane </a:t>
+              <a:t>Servicenow/WorkSmart</a:t>
             </a:r>
             <a:endParaRPr lang="en-IN" sz="1400" dirty="0"/>
           </a:p>
@@ -7561,10 +8351,10 @@
       </p:sp>
       <p:sp>
         <p:nvSpPr>
-          <p:cNvPr id="50" name="TextBox 49">
-            <a:extLst>
-              <a:ext uri="{FF2B5EF4-FFF2-40B4-BE49-F238E27FC236}">
-                <a16:creationId xmlns:a16="http://schemas.microsoft.com/office/drawing/2014/main" id="{D3BCA72D-9A09-4D69-B682-9F0D69924C25}"/>
+          <p:cNvPr id="52" name="TextBox 51">
+            <a:extLst>
+              <a:ext uri="{FF2B5EF4-FFF2-40B4-BE49-F238E27FC236}">
+                <a16:creationId xmlns:a16="http://schemas.microsoft.com/office/drawing/2014/main" id="{BAC374E3-438E-458B-A571-140E020A390A}"/>
               </a:ext>
             </a:extLst>
           </p:cNvPr>
@@ -7573,7 +8363,7 @@
         </p:nvSpPr>
         <p:spPr>
           <a:xfrm>
-            <a:off x="1259350" y="2989089"/>
+            <a:off x="1632718" y="1834947"/>
             <a:ext cx="2057186" cy="523220"/>
           </a:xfrm>
           <a:prstGeom prst="rect">
@@ -7590,27 +8380,29 @@
             <a:r>
               <a:rPr lang="en-US" sz="1400" b="1" dirty="0">
                 <a:solidFill>
-                  <a:schemeClr val="accent4"/>
+                  <a:schemeClr val="accent1">
+                    <a:lumMod val="75000"/>
+                  </a:schemeClr>
                 </a:solidFill>
               </a:rPr>
-              <a:t>IT Service Management</a:t>
-            </a:r>
-          </a:p>
-          <a:p>
+              <a:t>Contract Execution Plan</a:t>
+            </a:r>
+          </a:p>
+          <a:p>
+            <a:pPr algn="ctr"/>
             <a:r>
               <a:rPr lang="en-US" sz="1400" dirty="0"/>
-              <a:t>Servicenow/WorkSmart</a:t>
-            </a:r>
-            <a:endParaRPr lang="en-IN" sz="1400" dirty="0"/>
-          </a:p>
-        </p:txBody>
-      </p:sp>
-      <p:sp>
-        <p:nvSpPr>
-          <p:cNvPr id="52" name="TextBox 51">
-            <a:extLst>
-              <a:ext uri="{FF2B5EF4-FFF2-40B4-BE49-F238E27FC236}">
-                <a16:creationId xmlns:a16="http://schemas.microsoft.com/office/drawing/2014/main" id="{BAC374E3-438E-458B-A571-140E020A390A}"/>
+              <a:t>CEP Online</a:t>
+            </a:r>
+          </a:p>
+        </p:txBody>
+      </p:sp>
+      <p:sp>
+        <p:nvSpPr>
+          <p:cNvPr id="54" name="TextBox 53">
+            <a:extLst>
+              <a:ext uri="{FF2B5EF4-FFF2-40B4-BE49-F238E27FC236}">
+                <a16:creationId xmlns:a16="http://schemas.microsoft.com/office/drawing/2014/main" id="{9EC942DF-9331-467C-80F9-BB242422893D}"/>
               </a:ext>
             </a:extLst>
           </p:cNvPr>
@@ -7619,8 +8411,8 @@
         </p:nvSpPr>
         <p:spPr>
           <a:xfrm>
-            <a:off x="1620238" y="1735961"/>
-            <a:ext cx="2057186" cy="523220"/>
+            <a:off x="2326029" y="527444"/>
+            <a:ext cx="2374384" cy="738664"/>
           </a:xfrm>
           <a:prstGeom prst="rect">
             <a:avLst/>
@@ -7636,27 +8428,38 @@
             <a:r>
               <a:rPr lang="en-US" sz="1400" b="1" dirty="0">
                 <a:solidFill>
-                  <a:srgbClr val="F00490"/>
+                  <a:schemeClr val="accent6"/>
                 </a:solidFill>
               </a:rPr>
-              <a:t>Contract Execution Plan</a:t>
+              <a:t>Document management/</a:t>
+            </a:r>
+          </a:p>
+          <a:p>
+            <a:r>
+              <a:rPr lang="en-US" sz="1400" b="1" dirty="0">
+                <a:solidFill>
+                  <a:schemeClr val="accent6"/>
+                </a:solidFill>
+              </a:rPr>
+              <a:t>collaboration/translation</a:t>
             </a:r>
           </a:p>
           <a:p>
             <a:pPr algn="ctr"/>
             <a:r>
               <a:rPr lang="en-US" sz="1400" dirty="0"/>
-              <a:t>CEP Online</a:t>
-            </a:r>
-          </a:p>
-        </p:txBody>
-      </p:sp>
-      <p:sp>
-        <p:nvSpPr>
-          <p:cNvPr id="54" name="TextBox 53">
-            <a:extLst>
-              <a:ext uri="{FF2B5EF4-FFF2-40B4-BE49-F238E27FC236}">
-                <a16:creationId xmlns:a16="http://schemas.microsoft.com/office/drawing/2014/main" id="{9EC942DF-9331-467C-80F9-BB242422893D}"/>
+              <a:t>Sharepoint</a:t>
+            </a:r>
+            <a:endParaRPr lang="en-IN" sz="1400" dirty="0"/>
+          </a:p>
+        </p:txBody>
+      </p:sp>
+      <p:sp>
+        <p:nvSpPr>
+          <p:cNvPr id="56" name="TextBox 55">
+            <a:extLst>
+              <a:ext uri="{FF2B5EF4-FFF2-40B4-BE49-F238E27FC236}">
+                <a16:creationId xmlns:a16="http://schemas.microsoft.com/office/drawing/2014/main" id="{7E87E9D2-96B1-4A3E-8061-A7BD19669F61}"/>
               </a:ext>
             </a:extLst>
           </p:cNvPr>
@@ -7665,8 +8468,8 @@
         </p:nvSpPr>
         <p:spPr>
           <a:xfrm>
-            <a:off x="2189042" y="5194532"/>
-            <a:ext cx="2254988" cy="738664"/>
+            <a:off x="7063652" y="649875"/>
+            <a:ext cx="3724758" cy="523220"/>
           </a:xfrm>
           <a:prstGeom prst="rect">
             <a:avLst/>
@@ -7682,27 +8485,17 @@
             <a:r>
               <a:rPr lang="en-US" sz="1400" b="1" dirty="0">
                 <a:solidFill>
-                  <a:srgbClr val="64A95F"/>
+                  <a:schemeClr val="accent6"/>
                 </a:solidFill>
               </a:rPr>
-              <a:t>Document management/</a:t>
-            </a:r>
-          </a:p>
-          <a:p>
-            <a:r>
-              <a:rPr lang="en-US" sz="1400" b="1" dirty="0">
-                <a:solidFill>
-                  <a:srgbClr val="64A95F"/>
-                </a:solidFill>
-              </a:rPr>
-              <a:t>collaboration/translation</a:t>
+              <a:t>Release Management/Integrations/Migration</a:t>
             </a:r>
           </a:p>
           <a:p>
             <a:pPr algn="ctr"/>
             <a:r>
               <a:rPr lang="en-US" sz="1400" dirty="0"/>
-              <a:t>Sharepoint</a:t>
+              <a:t>In-House Web Application</a:t>
             </a:r>
             <a:endParaRPr lang="en-IN" sz="1400" dirty="0"/>
           </a:p>
@@ -7710,10 +8503,10 @@
       </p:sp>
       <p:sp>
         <p:nvSpPr>
-          <p:cNvPr id="56" name="TextBox 55">
-            <a:extLst>
-              <a:ext uri="{FF2B5EF4-FFF2-40B4-BE49-F238E27FC236}">
-                <a16:creationId xmlns:a16="http://schemas.microsoft.com/office/drawing/2014/main" id="{7E87E9D2-96B1-4A3E-8061-A7BD19669F61}"/>
+          <p:cNvPr id="58" name="TextBox 57">
+            <a:extLst>
+              <a:ext uri="{FF2B5EF4-FFF2-40B4-BE49-F238E27FC236}">
+                <a16:creationId xmlns:a16="http://schemas.microsoft.com/office/drawing/2014/main" id="{469D09C7-8463-4D1E-8466-9BF14F9E7614}"/>
               </a:ext>
             </a:extLst>
           </p:cNvPr>
@@ -7722,8 +8515,8 @@
         </p:nvSpPr>
         <p:spPr>
           <a:xfrm>
-            <a:off x="8133564" y="1817732"/>
-            <a:ext cx="2157074" cy="738664"/>
+            <a:off x="4825687" y="223074"/>
+            <a:ext cx="1990449" cy="523220"/>
           </a:xfrm>
           <a:prstGeom prst="rect">
             <a:avLst/>
@@ -7736,68 +8529,13 @@
           </a:bodyPr>
           <a:lstStyle/>
           <a:p>
+            <a:pPr algn="ctr"/>
             <a:r>
               <a:rPr lang="en-US" sz="1400" b="1" dirty="0">
                 <a:solidFill>
-                  <a:srgbClr val="F00490"/>
-                </a:solidFill>
-              </a:rPr>
-              <a:t>Release Management</a:t>
-            </a:r>
-          </a:p>
-          <a:p>
-            <a:r>
-              <a:rPr lang="en-US" sz="1400" b="1" dirty="0">
-                <a:solidFill>
-                  <a:srgbClr val="F00490"/>
-                </a:solidFill>
-              </a:rPr>
-              <a:t>/Integrations/Migration</a:t>
-            </a:r>
-          </a:p>
-          <a:p>
-            <a:pPr algn="ctr"/>
-            <a:r>
-              <a:rPr lang="en-US" sz="1400" dirty="0"/>
-              <a:t>In-House Web Application</a:t>
-            </a:r>
-            <a:endParaRPr lang="en-IN" sz="1400" dirty="0"/>
-          </a:p>
-        </p:txBody>
-      </p:sp>
-      <p:sp>
-        <p:nvSpPr>
-          <p:cNvPr id="58" name="TextBox 57">
-            <a:extLst>
-              <a:ext uri="{FF2B5EF4-FFF2-40B4-BE49-F238E27FC236}">
-                <a16:creationId xmlns:a16="http://schemas.microsoft.com/office/drawing/2014/main" id="{469D09C7-8463-4D1E-8466-9BF14F9E7614}"/>
-              </a:ext>
-            </a:extLst>
-          </p:cNvPr>
-          <p:cNvSpPr txBox="1"/>
-          <p:nvPr/>
-        </p:nvSpPr>
-        <p:spPr>
-          <a:xfrm>
-            <a:off x="4825687" y="196441"/>
-            <a:ext cx="1990449" cy="523220"/>
-          </a:xfrm>
-          <a:prstGeom prst="rect">
-            <a:avLst/>
-          </a:prstGeom>
-          <a:noFill/>
-        </p:spPr>
-        <p:txBody>
-          <a:bodyPr wrap="square">
-            <a:spAutoFit/>
-          </a:bodyPr>
-          <a:lstStyle/>
-          <a:p>
-            <a:pPr algn="ctr"/>
-            <a:r>
-              <a:rPr lang="en-US" sz="1400" b="1" dirty="0">
-                <a:solidFill>
-                  <a:srgbClr val="0070C0"/>
+                  <a:schemeClr val="accent1">
+                    <a:lumMod val="75000"/>
+                  </a:schemeClr>
                 </a:solidFill>
               </a:rPr>
               <a:t>Project Management</a:t>
@@ -7841,19 +8579,12 @@
         </p:blipFill>
         <p:spPr>
           <a:xfrm>
-            <a:off x="4894340" y="2454495"/>
+            <a:off x="4901983" y="2459305"/>
             <a:ext cx="1926140" cy="1702010"/>
           </a:xfrm>
           <a:prstGeom prst="rect">
             <a:avLst/>
           </a:prstGeom>
-          <a:effectLst>
-            <a:outerShdw blurRad="50800" dir="5400000" algn="ctr" rotWithShape="0">
-              <a:srgbClr val="000000">
-                <a:alpha val="43137"/>
-              </a:srgbClr>
-            </a:outerShdw>
-          </a:effectLst>
         </p:spPr>
       </p:pic>
       <p:sp>
@@ -7924,7 +8655,7 @@
         </p:nvSpPr>
         <p:spPr>
           <a:xfrm rot="9614391">
-            <a:off x="5528957" y="5119592"/>
+            <a:off x="5516921" y="5115681"/>
             <a:ext cx="761252" cy="757106"/>
           </a:xfrm>
           <a:prstGeom prst="wedgeEllipseCallout">
@@ -7932,7 +8663,7 @@
           </a:prstGeom>
           <a:ln>
             <a:solidFill>
-              <a:srgbClr val="0070C0"/>
+              <a:schemeClr val="accent1"/>
             </a:solidFill>
           </a:ln>
         </p:spPr>
@@ -7979,1177 +8710,6 @@
             <a:ext cx="761252" cy="757106"/>
           </a:xfrm>
           <a:prstGeom prst="wedgeEllipseCallout">
-            <a:avLst/>
-          </a:prstGeom>
-          <a:solidFill>
-            <a:schemeClr val="accent6">
-              <a:lumMod val="60000"/>
-              <a:lumOff val="40000"/>
-            </a:schemeClr>
-          </a:solidFill>
-          <a:ln>
-            <a:solidFill>
-              <a:schemeClr val="accent6">
-                <a:lumMod val="60000"/>
-                <a:lumOff val="40000"/>
-              </a:schemeClr>
-            </a:solidFill>
-          </a:ln>
-        </p:spPr>
-        <p:style>
-          <a:lnRef idx="2">
-            <a:schemeClr val="accent1">
-              <a:shade val="50000"/>
-            </a:schemeClr>
-          </a:lnRef>
-          <a:fillRef idx="1">
-            <a:schemeClr val="accent1"/>
-          </a:fillRef>
-          <a:effectRef idx="0">
-            <a:schemeClr val="accent1"/>
-          </a:effectRef>
-          <a:fontRef idx="minor">
-            <a:schemeClr val="lt1"/>
-          </a:fontRef>
-        </p:style>
-        <p:txBody>
-          <a:bodyPr rtlCol="0" anchor="ctr"/>
-          <a:lstStyle/>
-          <a:p>
-            <a:pPr algn="ctr"/>
-            <a:endParaRPr lang="en-IN" dirty="0"/>
-          </a:p>
-        </p:txBody>
-      </p:sp>
-      <p:sp>
-        <p:nvSpPr>
-          <p:cNvPr id="8" name="Speech Bubble: Oval 7">
-            <a:extLst>
-              <a:ext uri="{FF2B5EF4-FFF2-40B4-BE49-F238E27FC236}">
-                <a16:creationId xmlns:a16="http://schemas.microsoft.com/office/drawing/2014/main" id="{BADDAC5B-1439-45D1-9C50-13FC1D852888}"/>
-              </a:ext>
-            </a:extLst>
-          </p:cNvPr>
-          <p:cNvSpPr/>
-          <p:nvPr/>
-        </p:nvSpPr>
-        <p:spPr>
-          <a:xfrm rot="1911096">
-            <a:off x="7393915" y="1794461"/>
-            <a:ext cx="761252" cy="757106"/>
-          </a:xfrm>
-          <a:prstGeom prst="wedgeEllipseCallout">
-            <a:avLst/>
-          </a:prstGeom>
-          <a:solidFill>
-            <a:srgbClr val="F00490"/>
-          </a:solidFill>
-          <a:ln>
-            <a:solidFill>
-              <a:srgbClr val="F00490"/>
-            </a:solidFill>
-          </a:ln>
-        </p:spPr>
-        <p:style>
-          <a:lnRef idx="2">
-            <a:schemeClr val="accent1">
-              <a:shade val="50000"/>
-            </a:schemeClr>
-          </a:lnRef>
-          <a:fillRef idx="1">
-            <a:schemeClr val="accent1"/>
-          </a:fillRef>
-          <a:effectRef idx="0">
-            <a:schemeClr val="accent1"/>
-          </a:effectRef>
-          <a:fontRef idx="minor">
-            <a:schemeClr val="lt1"/>
-          </a:fontRef>
-        </p:style>
-        <p:txBody>
-          <a:bodyPr rtlCol="0" anchor="ctr"/>
-          <a:lstStyle/>
-          <a:p>
-            <a:pPr algn="ctr"/>
-            <a:endParaRPr lang="en-IN" dirty="0"/>
-          </a:p>
-        </p:txBody>
-      </p:sp>
-      <p:sp>
-        <p:nvSpPr>
-          <p:cNvPr id="9" name="Speech Bubble: Oval 8">
-            <a:extLst>
-              <a:ext uri="{FF2B5EF4-FFF2-40B4-BE49-F238E27FC236}">
-                <a16:creationId xmlns:a16="http://schemas.microsoft.com/office/drawing/2014/main" id="{03D08F68-F3A5-4076-BC25-98B7A53EB6C6}"/>
-              </a:ext>
-            </a:extLst>
-          </p:cNvPr>
-          <p:cNvSpPr/>
-          <p:nvPr/>
-        </p:nvSpPr>
-        <p:spPr>
-          <a:xfrm rot="4287128">
-            <a:off x="7716503" y="2880084"/>
-            <a:ext cx="761252" cy="757106"/>
-          </a:xfrm>
-          <a:prstGeom prst="wedgeEllipseCallout">
-            <a:avLst/>
-          </a:prstGeom>
-          <a:solidFill>
-            <a:schemeClr val="accent4"/>
-          </a:solidFill>
-          <a:ln>
-            <a:solidFill>
-              <a:schemeClr val="accent4"/>
-            </a:solidFill>
-          </a:ln>
-        </p:spPr>
-        <p:style>
-          <a:lnRef idx="2">
-            <a:schemeClr val="accent1">
-              <a:shade val="50000"/>
-            </a:schemeClr>
-          </a:lnRef>
-          <a:fillRef idx="1">
-            <a:schemeClr val="accent1"/>
-          </a:fillRef>
-          <a:effectRef idx="0">
-            <a:schemeClr val="accent1"/>
-          </a:effectRef>
-          <a:fontRef idx="minor">
-            <a:schemeClr val="lt1"/>
-          </a:fontRef>
-        </p:style>
-        <p:txBody>
-          <a:bodyPr rtlCol="0" anchor="ctr"/>
-          <a:lstStyle/>
-          <a:p>
-            <a:pPr algn="ctr"/>
-            <a:endParaRPr lang="en-IN" dirty="0"/>
-          </a:p>
-        </p:txBody>
-      </p:sp>
-      <p:sp>
-        <p:nvSpPr>
-          <p:cNvPr id="10" name="Speech Bubble: Oval 9">
-            <a:extLst>
-              <a:ext uri="{FF2B5EF4-FFF2-40B4-BE49-F238E27FC236}">
-                <a16:creationId xmlns:a16="http://schemas.microsoft.com/office/drawing/2014/main" id="{3C7988D6-BED3-45EC-961D-2BD1C805DB0F}"/>
-              </a:ext>
-            </a:extLst>
-          </p:cNvPr>
-          <p:cNvSpPr/>
-          <p:nvPr/>
-        </p:nvSpPr>
-        <p:spPr>
-          <a:xfrm rot="6416268">
-            <a:off x="7490857" y="4022628"/>
-            <a:ext cx="761252" cy="757106"/>
-          </a:xfrm>
-          <a:prstGeom prst="wedgeEllipseCallout">
-            <a:avLst/>
-          </a:prstGeom>
-          <a:solidFill>
-            <a:srgbClr val="63E2F3"/>
-          </a:solidFill>
-          <a:ln>
-            <a:solidFill>
-              <a:srgbClr val="63E2F3"/>
-            </a:solidFill>
-          </a:ln>
-        </p:spPr>
-        <p:style>
-          <a:lnRef idx="2">
-            <a:schemeClr val="accent1">
-              <a:shade val="50000"/>
-            </a:schemeClr>
-          </a:lnRef>
-          <a:fillRef idx="1">
-            <a:schemeClr val="accent1"/>
-          </a:fillRef>
-          <a:effectRef idx="0">
-            <a:schemeClr val="accent1"/>
-          </a:effectRef>
-          <a:fontRef idx="minor">
-            <a:schemeClr val="lt1"/>
-          </a:fontRef>
-        </p:style>
-        <p:txBody>
-          <a:bodyPr rtlCol="0" anchor="ctr"/>
-          <a:lstStyle/>
-          <a:p>
-            <a:pPr algn="ctr"/>
-            <a:endParaRPr lang="en-IN" dirty="0"/>
-          </a:p>
-        </p:txBody>
-      </p:sp>
-      <p:sp>
-        <p:nvSpPr>
-          <p:cNvPr id="12" name="Speech Bubble: Oval 11">
-            <a:extLst>
-              <a:ext uri="{FF2B5EF4-FFF2-40B4-BE49-F238E27FC236}">
-                <a16:creationId xmlns:a16="http://schemas.microsoft.com/office/drawing/2014/main" id="{16A2F06A-4484-4D3A-A49E-BFEDD9C6BEAA}"/>
-              </a:ext>
-            </a:extLst>
-          </p:cNvPr>
-          <p:cNvSpPr/>
-          <p:nvPr/>
-        </p:nvSpPr>
-        <p:spPr>
-          <a:xfrm rot="7818104">
-            <a:off x="6683026" y="4831372"/>
-            <a:ext cx="761252" cy="757106"/>
-          </a:xfrm>
-          <a:prstGeom prst="wedgeEllipseCallout">
-            <a:avLst/>
-          </a:prstGeom>
-          <a:solidFill>
-            <a:srgbClr val="64A95F"/>
-          </a:solidFill>
-          <a:ln>
-            <a:solidFill>
-              <a:srgbClr val="64A95F"/>
-            </a:solidFill>
-          </a:ln>
-        </p:spPr>
-        <p:style>
-          <a:lnRef idx="2">
-            <a:schemeClr val="accent1">
-              <a:shade val="50000"/>
-            </a:schemeClr>
-          </a:lnRef>
-          <a:fillRef idx="1">
-            <a:schemeClr val="accent1"/>
-          </a:fillRef>
-          <a:effectRef idx="0">
-            <a:schemeClr val="accent1"/>
-          </a:effectRef>
-          <a:fontRef idx="minor">
-            <a:schemeClr val="lt1"/>
-          </a:fontRef>
-        </p:style>
-        <p:txBody>
-          <a:bodyPr rtlCol="0" anchor="ctr"/>
-          <a:lstStyle/>
-          <a:p>
-            <a:pPr algn="ctr"/>
-            <a:endParaRPr lang="en-IN" dirty="0"/>
-          </a:p>
-        </p:txBody>
-      </p:sp>
-      <p:sp>
-        <p:nvSpPr>
-          <p:cNvPr id="18" name="Speech Bubble: Oval 17">
-            <a:extLst>
-              <a:ext uri="{FF2B5EF4-FFF2-40B4-BE49-F238E27FC236}">
-                <a16:creationId xmlns:a16="http://schemas.microsoft.com/office/drawing/2014/main" id="{483661CD-9A41-4247-A622-C99998249DAF}"/>
-              </a:ext>
-            </a:extLst>
-          </p:cNvPr>
-          <p:cNvSpPr/>
-          <p:nvPr/>
-        </p:nvSpPr>
-        <p:spPr>
-          <a:xfrm rot="11700886">
-            <a:off x="4310236" y="4871578"/>
-            <a:ext cx="761252" cy="757106"/>
-          </a:xfrm>
-          <a:prstGeom prst="wedgeEllipseCallout">
-            <a:avLst/>
-          </a:prstGeom>
-          <a:solidFill>
-            <a:srgbClr val="64A95F"/>
-          </a:solidFill>
-          <a:ln>
-            <a:solidFill>
-              <a:srgbClr val="64A95F"/>
-            </a:solidFill>
-          </a:ln>
-        </p:spPr>
-        <p:style>
-          <a:lnRef idx="2">
-            <a:schemeClr val="accent1">
-              <a:shade val="50000"/>
-            </a:schemeClr>
-          </a:lnRef>
-          <a:fillRef idx="1">
-            <a:schemeClr val="accent1"/>
-          </a:fillRef>
-          <a:effectRef idx="0">
-            <a:schemeClr val="accent1"/>
-          </a:effectRef>
-          <a:fontRef idx="minor">
-            <a:schemeClr val="lt1"/>
-          </a:fontRef>
-        </p:style>
-        <p:txBody>
-          <a:bodyPr rtlCol="0" anchor="ctr"/>
-          <a:lstStyle/>
-          <a:p>
-            <a:pPr algn="ctr"/>
-            <a:endParaRPr lang="en-IN" dirty="0"/>
-          </a:p>
-        </p:txBody>
-      </p:sp>
-      <p:sp>
-        <p:nvSpPr>
-          <p:cNvPr id="20" name="Speech Bubble: Oval 19">
-            <a:extLst>
-              <a:ext uri="{FF2B5EF4-FFF2-40B4-BE49-F238E27FC236}">
-                <a16:creationId xmlns:a16="http://schemas.microsoft.com/office/drawing/2014/main" id="{3B34F7F6-3AB8-4FD3-B462-928263C2EF66}"/>
-              </a:ext>
-            </a:extLst>
-          </p:cNvPr>
-          <p:cNvSpPr/>
-          <p:nvPr/>
-        </p:nvSpPr>
-        <p:spPr>
-          <a:xfrm rot="12802583">
-            <a:off x="3462017" y="4058201"/>
-            <a:ext cx="761252" cy="757106"/>
-          </a:xfrm>
-          <a:prstGeom prst="wedgeEllipseCallout">
-            <a:avLst/>
-          </a:prstGeom>
-          <a:solidFill>
-            <a:srgbClr val="63E2F3"/>
-          </a:solidFill>
-          <a:ln>
-            <a:solidFill>
-              <a:srgbClr val="63E2F3"/>
-            </a:solidFill>
-          </a:ln>
-        </p:spPr>
-        <p:style>
-          <a:lnRef idx="2">
-            <a:schemeClr val="accent1">
-              <a:shade val="50000"/>
-            </a:schemeClr>
-          </a:lnRef>
-          <a:fillRef idx="1">
-            <a:schemeClr val="accent1"/>
-          </a:fillRef>
-          <a:effectRef idx="0">
-            <a:schemeClr val="accent1"/>
-          </a:effectRef>
-          <a:fontRef idx="minor">
-            <a:schemeClr val="lt1"/>
-          </a:fontRef>
-        </p:style>
-        <p:txBody>
-          <a:bodyPr rtlCol="0" anchor="ctr"/>
-          <a:lstStyle/>
-          <a:p>
-            <a:pPr algn="ctr"/>
-            <a:endParaRPr lang="en-IN" dirty="0"/>
-          </a:p>
-        </p:txBody>
-      </p:sp>
-      <p:sp>
-        <p:nvSpPr>
-          <p:cNvPr id="22" name="Speech Bubble: Oval 21">
-            <a:extLst>
-              <a:ext uri="{FF2B5EF4-FFF2-40B4-BE49-F238E27FC236}">
-                <a16:creationId xmlns:a16="http://schemas.microsoft.com/office/drawing/2014/main" id="{2A6B4C8A-3341-4F1B-B74B-6D18C292BDB9}"/>
-              </a:ext>
-            </a:extLst>
-          </p:cNvPr>
-          <p:cNvSpPr/>
-          <p:nvPr/>
-        </p:nvSpPr>
-        <p:spPr>
-          <a:xfrm rot="15184771">
-            <a:off x="3223914" y="2927143"/>
-            <a:ext cx="761252" cy="757106"/>
-          </a:xfrm>
-          <a:prstGeom prst="wedgeEllipseCallout">
-            <a:avLst/>
-          </a:prstGeom>
-          <a:solidFill>
-            <a:srgbClr val="FFC000"/>
-          </a:solidFill>
-          <a:ln>
-            <a:solidFill>
-              <a:srgbClr val="FFC000"/>
-            </a:solidFill>
-          </a:ln>
-        </p:spPr>
-        <p:style>
-          <a:lnRef idx="2">
-            <a:schemeClr val="accent1">
-              <a:shade val="50000"/>
-            </a:schemeClr>
-          </a:lnRef>
-          <a:fillRef idx="1">
-            <a:schemeClr val="accent1"/>
-          </a:fillRef>
-          <a:effectRef idx="0">
-            <a:schemeClr val="accent1"/>
-          </a:effectRef>
-          <a:fontRef idx="minor">
-            <a:schemeClr val="lt1"/>
-          </a:fontRef>
-        </p:style>
-        <p:txBody>
-          <a:bodyPr rtlCol="0" anchor="ctr"/>
-          <a:lstStyle/>
-          <a:p>
-            <a:pPr algn="ctr"/>
-            <a:endParaRPr lang="en-IN" dirty="0"/>
-          </a:p>
-        </p:txBody>
-      </p:sp>
-      <p:sp>
-        <p:nvSpPr>
-          <p:cNvPr id="24" name="Speech Bubble: Oval 23">
-            <a:extLst>
-              <a:ext uri="{FF2B5EF4-FFF2-40B4-BE49-F238E27FC236}">
-                <a16:creationId xmlns:a16="http://schemas.microsoft.com/office/drawing/2014/main" id="{E4040579-9BC2-411A-AC10-DB5A6E892EB3}"/>
-              </a:ext>
-            </a:extLst>
-          </p:cNvPr>
-          <p:cNvSpPr/>
-          <p:nvPr/>
-        </p:nvSpPr>
-        <p:spPr>
-          <a:xfrm rot="16758969">
-            <a:off x="3476952" y="1861198"/>
-            <a:ext cx="761252" cy="757106"/>
-          </a:xfrm>
-          <a:prstGeom prst="wedgeEllipseCallout">
-            <a:avLst/>
-          </a:prstGeom>
-          <a:solidFill>
-            <a:srgbClr val="F00490"/>
-          </a:solidFill>
-          <a:ln>
-            <a:solidFill>
-              <a:srgbClr val="F00490"/>
-            </a:solidFill>
-          </a:ln>
-        </p:spPr>
-        <p:style>
-          <a:lnRef idx="2">
-            <a:schemeClr val="accent1">
-              <a:shade val="50000"/>
-            </a:schemeClr>
-          </a:lnRef>
-          <a:fillRef idx="1">
-            <a:schemeClr val="accent1"/>
-          </a:fillRef>
-          <a:effectRef idx="0">
-            <a:schemeClr val="accent1"/>
-          </a:effectRef>
-          <a:fontRef idx="minor">
-            <a:schemeClr val="lt1"/>
-          </a:fontRef>
-        </p:style>
-        <p:txBody>
-          <a:bodyPr rtlCol="0" anchor="ctr"/>
-          <a:lstStyle/>
-          <a:p>
-            <a:pPr algn="ctr"/>
-            <a:endParaRPr lang="en-IN" dirty="0"/>
-          </a:p>
-        </p:txBody>
-      </p:sp>
-      <p:sp>
-        <p:nvSpPr>
-          <p:cNvPr id="26" name="Speech Bubble: Oval 25">
-            <a:extLst>
-              <a:ext uri="{FF2B5EF4-FFF2-40B4-BE49-F238E27FC236}">
-                <a16:creationId xmlns:a16="http://schemas.microsoft.com/office/drawing/2014/main" id="{52FD56B9-BC6F-49B1-AAFD-84B7418553DF}"/>
-              </a:ext>
-            </a:extLst>
-          </p:cNvPr>
-          <p:cNvSpPr/>
-          <p:nvPr/>
-        </p:nvSpPr>
-        <p:spPr>
-          <a:xfrm rot="18878788">
-            <a:off x="4286249" y="1004005"/>
-            <a:ext cx="761252" cy="757106"/>
-          </a:xfrm>
-          <a:prstGeom prst="wedgeEllipseCallout">
-            <a:avLst/>
-          </a:prstGeom>
-          <a:solidFill>
-            <a:schemeClr val="accent6">
-              <a:lumMod val="60000"/>
-              <a:lumOff val="40000"/>
-            </a:schemeClr>
-          </a:solidFill>
-          <a:ln>
-            <a:solidFill>
-              <a:schemeClr val="accent6">
-                <a:lumMod val="40000"/>
-                <a:lumOff val="60000"/>
-              </a:schemeClr>
-            </a:solidFill>
-          </a:ln>
-        </p:spPr>
-        <p:style>
-          <a:lnRef idx="2">
-            <a:schemeClr val="accent1">
-              <a:shade val="50000"/>
-            </a:schemeClr>
-          </a:lnRef>
-          <a:fillRef idx="1">
-            <a:schemeClr val="accent1"/>
-          </a:fillRef>
-          <a:effectRef idx="0">
-            <a:schemeClr val="accent1"/>
-          </a:effectRef>
-          <a:fontRef idx="minor">
-            <a:schemeClr val="lt1"/>
-          </a:fontRef>
-        </p:style>
-        <p:txBody>
-          <a:bodyPr rtlCol="0" anchor="ctr"/>
-          <a:lstStyle/>
-          <a:p>
-            <a:pPr algn="ctr"/>
-            <a:endParaRPr lang="en-IN" dirty="0"/>
-          </a:p>
-        </p:txBody>
-      </p:sp>
-      <p:sp>
-        <p:nvSpPr>
-          <p:cNvPr id="7" name="TextBox 6">
-            <a:extLst>
-              <a:ext uri="{FF2B5EF4-FFF2-40B4-BE49-F238E27FC236}">
-                <a16:creationId xmlns:a16="http://schemas.microsoft.com/office/drawing/2014/main" id="{BF495A85-7660-4EAD-8EE2-084C7930543B}"/>
-              </a:ext>
-            </a:extLst>
-          </p:cNvPr>
-          <p:cNvSpPr txBox="1"/>
-          <p:nvPr/>
-        </p:nvSpPr>
-        <p:spPr>
-          <a:xfrm>
-            <a:off x="1100218" y="6369049"/>
-            <a:ext cx="10457895" cy="369332"/>
-          </a:xfrm>
-          <a:prstGeom prst="rect">
-            <a:avLst/>
-          </a:prstGeom>
-          <a:noFill/>
-        </p:spPr>
-        <p:txBody>
-          <a:bodyPr wrap="square" rtlCol="0">
-            <a:spAutoFit/>
-          </a:bodyPr>
-          <a:lstStyle/>
-          <a:p>
-            <a:r>
-              <a:rPr lang="en-US" b="1" dirty="0"/>
-              <a:t>KI Processes </a:t>
-            </a:r>
-            <a:r>
-              <a:rPr lang="en-US" dirty="0"/>
-              <a:t>supported </a:t>
-            </a:r>
-            <a:r>
-              <a:rPr lang="en-IN" dirty="0"/>
-              <a:t>by standard web-based applications, deployed in </a:t>
-            </a:r>
-            <a:r>
-              <a:rPr lang="en-IN" b="1" dirty="0"/>
-              <a:t>Saas mode </a:t>
-            </a:r>
-            <a:r>
-              <a:rPr lang="en-IN" dirty="0"/>
-              <a:t>by our KI-Tools</a:t>
-            </a:r>
-          </a:p>
-        </p:txBody>
-      </p:sp>
-      <p:sp>
-        <p:nvSpPr>
-          <p:cNvPr id="13" name="Flowchart: Connector 12">
-            <a:extLst>
-              <a:ext uri="{FF2B5EF4-FFF2-40B4-BE49-F238E27FC236}">
-                <a16:creationId xmlns:a16="http://schemas.microsoft.com/office/drawing/2014/main" id="{5C6F06A6-6B35-4FC8-8D8D-D57CBC7249F6}"/>
-              </a:ext>
-            </a:extLst>
-          </p:cNvPr>
-          <p:cNvSpPr/>
-          <p:nvPr/>
-        </p:nvSpPr>
-        <p:spPr>
-          <a:xfrm>
-            <a:off x="4245400" y="3278235"/>
-            <a:ext cx="83055" cy="88166"/>
-          </a:xfrm>
-          <a:prstGeom prst="flowChartConnector">
-            <a:avLst/>
-          </a:prstGeom>
-          <a:solidFill>
-            <a:schemeClr val="accent4"/>
-          </a:solidFill>
-          <a:ln>
-            <a:solidFill>
-              <a:schemeClr val="accent4"/>
-            </a:solidFill>
-          </a:ln>
-        </p:spPr>
-        <p:style>
-          <a:lnRef idx="2">
-            <a:schemeClr val="accent1">
-              <a:shade val="50000"/>
-            </a:schemeClr>
-          </a:lnRef>
-          <a:fillRef idx="1">
-            <a:schemeClr val="accent1"/>
-          </a:fillRef>
-          <a:effectRef idx="0">
-            <a:schemeClr val="accent1"/>
-          </a:effectRef>
-          <a:fontRef idx="minor">
-            <a:schemeClr val="lt1"/>
-          </a:fontRef>
-        </p:style>
-        <p:txBody>
-          <a:bodyPr rtlCol="0" anchor="ctr"/>
-          <a:lstStyle/>
-          <a:p>
-            <a:pPr algn="ctr"/>
-            <a:endParaRPr lang="en-IN"/>
-          </a:p>
-        </p:txBody>
-      </p:sp>
-      <p:sp>
-        <p:nvSpPr>
-          <p:cNvPr id="17" name="Oval 16">
-            <a:extLst>
-              <a:ext uri="{FF2B5EF4-FFF2-40B4-BE49-F238E27FC236}">
-                <a16:creationId xmlns:a16="http://schemas.microsoft.com/office/drawing/2014/main" id="{D8E3BDBF-44F9-4EFA-9BDB-688998BC5AF8}"/>
-              </a:ext>
-            </a:extLst>
-          </p:cNvPr>
-          <p:cNvSpPr/>
-          <p:nvPr/>
-        </p:nvSpPr>
-        <p:spPr>
-          <a:xfrm>
-            <a:off x="4214674" y="3248938"/>
-            <a:ext cx="142042" cy="146759"/>
-          </a:xfrm>
-          <a:prstGeom prst="ellipse">
-            <a:avLst/>
-          </a:prstGeom>
-          <a:noFill/>
-          <a:ln>
-            <a:solidFill>
-              <a:schemeClr val="accent4"/>
-            </a:solidFill>
-          </a:ln>
-        </p:spPr>
-        <p:style>
-          <a:lnRef idx="2">
-            <a:schemeClr val="accent1">
-              <a:shade val="50000"/>
-            </a:schemeClr>
-          </a:lnRef>
-          <a:fillRef idx="1">
-            <a:schemeClr val="accent1"/>
-          </a:fillRef>
-          <a:effectRef idx="0">
-            <a:schemeClr val="accent1"/>
-          </a:effectRef>
-          <a:fontRef idx="minor">
-            <a:schemeClr val="lt1"/>
-          </a:fontRef>
-        </p:style>
-        <p:txBody>
-          <a:bodyPr rtlCol="0" anchor="ctr"/>
-          <a:lstStyle/>
-          <a:p>
-            <a:pPr algn="ctr"/>
-            <a:endParaRPr lang="en-IN"/>
-          </a:p>
-        </p:txBody>
-      </p:sp>
-      <p:pic>
-        <p:nvPicPr>
-          <p:cNvPr id="21" name="Picture 20">
-            <a:extLst>
-              <a:ext uri="{FF2B5EF4-FFF2-40B4-BE49-F238E27FC236}">
-                <a16:creationId xmlns:a16="http://schemas.microsoft.com/office/drawing/2014/main" id="{82791F89-8E4E-4C02-BACD-6552AEA1D0C8}"/>
-              </a:ext>
-            </a:extLst>
-          </p:cNvPr>
-          <p:cNvPicPr>
-            <a:picLocks noChangeAspect="1"/>
-          </p:cNvPicPr>
-          <p:nvPr/>
-        </p:nvPicPr>
-        <p:blipFill>
-          <a:blip r:embed="rId3"/>
-          <a:stretch>
-            <a:fillRect/>
-          </a:stretch>
-        </p:blipFill>
-        <p:spPr>
-          <a:xfrm>
-            <a:off x="4328455" y="1039946"/>
-            <a:ext cx="677070" cy="680938"/>
-          </a:xfrm>
-          <a:prstGeom prst="rect">
-            <a:avLst/>
-          </a:prstGeom>
-        </p:spPr>
-      </p:pic>
-      <p:sp>
-        <p:nvSpPr>
-          <p:cNvPr id="23" name="Flowchart: Connector 22">
-            <a:extLst>
-              <a:ext uri="{FF2B5EF4-FFF2-40B4-BE49-F238E27FC236}">
-                <a16:creationId xmlns:a16="http://schemas.microsoft.com/office/drawing/2014/main" id="{F1D42BB6-8E01-4E7A-B7EB-0F3BC9F5CD03}"/>
-              </a:ext>
-            </a:extLst>
-          </p:cNvPr>
-          <p:cNvSpPr/>
-          <p:nvPr/>
-        </p:nvSpPr>
-        <p:spPr>
-          <a:xfrm>
-            <a:off x="4409045" y="3979083"/>
-            <a:ext cx="83055" cy="88166"/>
-          </a:xfrm>
-          <a:prstGeom prst="flowChartConnector">
-            <a:avLst/>
-          </a:prstGeom>
-          <a:solidFill>
-            <a:schemeClr val="accent5"/>
-          </a:solidFill>
-          <a:ln>
-            <a:solidFill>
-              <a:schemeClr val="accent5"/>
-            </a:solidFill>
-          </a:ln>
-        </p:spPr>
-        <p:style>
-          <a:lnRef idx="2">
-            <a:schemeClr val="accent1">
-              <a:shade val="50000"/>
-            </a:schemeClr>
-          </a:lnRef>
-          <a:fillRef idx="1">
-            <a:schemeClr val="accent1"/>
-          </a:fillRef>
-          <a:effectRef idx="0">
-            <a:schemeClr val="accent1"/>
-          </a:effectRef>
-          <a:fontRef idx="minor">
-            <a:schemeClr val="lt1"/>
-          </a:fontRef>
-        </p:style>
-        <p:txBody>
-          <a:bodyPr rtlCol="0" anchor="ctr"/>
-          <a:lstStyle/>
-          <a:p>
-            <a:pPr algn="ctr"/>
-            <a:endParaRPr lang="en-IN"/>
-          </a:p>
-        </p:txBody>
-      </p:sp>
-      <p:sp>
-        <p:nvSpPr>
-          <p:cNvPr id="11" name="Flowchart: Connector 10">
-            <a:extLst>
-              <a:ext uri="{FF2B5EF4-FFF2-40B4-BE49-F238E27FC236}">
-                <a16:creationId xmlns:a16="http://schemas.microsoft.com/office/drawing/2014/main" id="{F1F6B700-C90E-4CDF-885A-17A955036A32}"/>
-              </a:ext>
-            </a:extLst>
-          </p:cNvPr>
-          <p:cNvSpPr/>
-          <p:nvPr/>
-        </p:nvSpPr>
-        <p:spPr>
-          <a:xfrm>
-            <a:off x="5045687" y="4626596"/>
-            <a:ext cx="83055" cy="88166"/>
-          </a:xfrm>
-          <a:prstGeom prst="flowChartConnector">
-            <a:avLst/>
-          </a:prstGeom>
-          <a:solidFill>
-            <a:schemeClr val="accent6"/>
-          </a:solidFill>
-          <a:ln>
-            <a:solidFill>
-              <a:schemeClr val="accent6"/>
-            </a:solidFill>
-          </a:ln>
-        </p:spPr>
-        <p:style>
-          <a:lnRef idx="2">
-            <a:schemeClr val="accent1">
-              <a:shade val="50000"/>
-            </a:schemeClr>
-          </a:lnRef>
-          <a:fillRef idx="1">
-            <a:schemeClr val="accent1"/>
-          </a:fillRef>
-          <a:effectRef idx="0">
-            <a:schemeClr val="accent1"/>
-          </a:effectRef>
-          <a:fontRef idx="minor">
-            <a:schemeClr val="lt1"/>
-          </a:fontRef>
-        </p:style>
-        <p:txBody>
-          <a:bodyPr rtlCol="0" anchor="ctr"/>
-          <a:lstStyle/>
-          <a:p>
-            <a:pPr algn="ctr"/>
-            <a:endParaRPr lang="en-IN"/>
-          </a:p>
-        </p:txBody>
-      </p:sp>
-      <p:sp>
-        <p:nvSpPr>
-          <p:cNvPr id="14" name="Flowchart: Connector 13">
-            <a:extLst>
-              <a:ext uri="{FF2B5EF4-FFF2-40B4-BE49-F238E27FC236}">
-                <a16:creationId xmlns:a16="http://schemas.microsoft.com/office/drawing/2014/main" id="{19A7E104-EDD4-483C-99BA-5D7360364994}"/>
-              </a:ext>
-            </a:extLst>
-          </p:cNvPr>
-          <p:cNvSpPr/>
-          <p:nvPr/>
-        </p:nvSpPr>
-        <p:spPr>
-          <a:xfrm>
-            <a:off x="6656927" y="4585050"/>
-            <a:ext cx="83055" cy="88166"/>
-          </a:xfrm>
-          <a:prstGeom prst="flowChartConnector">
-            <a:avLst/>
-          </a:prstGeom>
-          <a:solidFill>
-            <a:schemeClr val="accent6"/>
-          </a:solidFill>
-          <a:ln>
-            <a:solidFill>
-              <a:schemeClr val="accent6"/>
-            </a:solidFill>
-          </a:ln>
-        </p:spPr>
-        <p:style>
-          <a:lnRef idx="2">
-            <a:schemeClr val="accent1">
-              <a:shade val="50000"/>
-            </a:schemeClr>
-          </a:lnRef>
-          <a:fillRef idx="1">
-            <a:schemeClr val="accent1"/>
-          </a:fillRef>
-          <a:effectRef idx="0">
-            <a:schemeClr val="accent1"/>
-          </a:effectRef>
-          <a:fontRef idx="minor">
-            <a:schemeClr val="lt1"/>
-          </a:fontRef>
-        </p:style>
-        <p:txBody>
-          <a:bodyPr rtlCol="0" anchor="ctr"/>
-          <a:lstStyle/>
-          <a:p>
-            <a:pPr algn="ctr"/>
-            <a:endParaRPr lang="en-IN"/>
-          </a:p>
-        </p:txBody>
-      </p:sp>
-      <p:sp>
-        <p:nvSpPr>
-          <p:cNvPr id="15" name="Flowchart: Connector 14">
-            <a:extLst>
-              <a:ext uri="{FF2B5EF4-FFF2-40B4-BE49-F238E27FC236}">
-                <a16:creationId xmlns:a16="http://schemas.microsoft.com/office/drawing/2014/main" id="{FCFF0E61-A664-41BD-8978-32C6A885E0AB}"/>
-              </a:ext>
-            </a:extLst>
-          </p:cNvPr>
-          <p:cNvSpPr/>
-          <p:nvPr/>
-        </p:nvSpPr>
-        <p:spPr>
-          <a:xfrm>
-            <a:off x="7215578" y="3979083"/>
-            <a:ext cx="83055" cy="88166"/>
-          </a:xfrm>
-          <a:prstGeom prst="flowChartConnector">
-            <a:avLst/>
-          </a:prstGeom>
-          <a:solidFill>
-            <a:schemeClr val="accent5"/>
-          </a:solidFill>
-          <a:ln>
-            <a:solidFill>
-              <a:schemeClr val="accent5"/>
-            </a:solidFill>
-          </a:ln>
-        </p:spPr>
-        <p:style>
-          <a:lnRef idx="2">
-            <a:schemeClr val="accent1">
-              <a:shade val="50000"/>
-            </a:schemeClr>
-          </a:lnRef>
-          <a:fillRef idx="1">
-            <a:schemeClr val="accent1"/>
-          </a:fillRef>
-          <a:effectRef idx="0">
-            <a:schemeClr val="accent1"/>
-          </a:effectRef>
-          <a:fontRef idx="minor">
-            <a:schemeClr val="lt1"/>
-          </a:fontRef>
-        </p:style>
-        <p:txBody>
-          <a:bodyPr rtlCol="0" anchor="ctr"/>
-          <a:lstStyle/>
-          <a:p>
-            <a:pPr algn="ctr"/>
-            <a:endParaRPr lang="en-IN"/>
-          </a:p>
-        </p:txBody>
-      </p:sp>
-      <p:sp>
-        <p:nvSpPr>
-          <p:cNvPr id="16" name="Flowchart: Connector 15">
-            <a:extLst>
-              <a:ext uri="{FF2B5EF4-FFF2-40B4-BE49-F238E27FC236}">
-                <a16:creationId xmlns:a16="http://schemas.microsoft.com/office/drawing/2014/main" id="{DFB4DCD8-09C4-4887-9CCB-77F8671BD76B}"/>
-              </a:ext>
-            </a:extLst>
-          </p:cNvPr>
-          <p:cNvSpPr/>
-          <p:nvPr/>
-        </p:nvSpPr>
-        <p:spPr>
-          <a:xfrm>
-            <a:off x="4444030" y="2529976"/>
-            <a:ext cx="83055" cy="88166"/>
-          </a:xfrm>
-          <a:prstGeom prst="flowChartConnector">
-            <a:avLst/>
-          </a:prstGeom>
-          <a:solidFill>
-            <a:srgbClr val="E90B7A"/>
-          </a:solidFill>
-          <a:ln>
-            <a:solidFill>
-              <a:srgbClr val="E90B7A"/>
-            </a:solidFill>
-          </a:ln>
-        </p:spPr>
-        <p:style>
-          <a:lnRef idx="2">
-            <a:schemeClr val="accent1">
-              <a:shade val="50000"/>
-            </a:schemeClr>
-          </a:lnRef>
-          <a:fillRef idx="1">
-            <a:schemeClr val="accent1"/>
-          </a:fillRef>
-          <a:effectRef idx="0">
-            <a:schemeClr val="accent1"/>
-          </a:effectRef>
-          <a:fontRef idx="minor">
-            <a:schemeClr val="lt1"/>
-          </a:fontRef>
-        </p:style>
-        <p:txBody>
-          <a:bodyPr rtlCol="0" anchor="ctr"/>
-          <a:lstStyle/>
-          <a:p>
-            <a:pPr algn="ctr"/>
-            <a:endParaRPr lang="en-IN"/>
-          </a:p>
-        </p:txBody>
-      </p:sp>
-      <p:sp>
-        <p:nvSpPr>
-          <p:cNvPr id="27" name="Flowchart: Connector 26">
-            <a:extLst>
-              <a:ext uri="{FF2B5EF4-FFF2-40B4-BE49-F238E27FC236}">
-                <a16:creationId xmlns:a16="http://schemas.microsoft.com/office/drawing/2014/main" id="{DD7189EF-7F0B-464E-9AC3-09A4C97A01DA}"/>
-              </a:ext>
-            </a:extLst>
-          </p:cNvPr>
-          <p:cNvSpPr/>
-          <p:nvPr/>
-        </p:nvSpPr>
-        <p:spPr>
-          <a:xfrm>
-            <a:off x="5842078" y="4826422"/>
-            <a:ext cx="83055" cy="88166"/>
-          </a:xfrm>
-          <a:prstGeom prst="flowChartConnector">
-            <a:avLst/>
-          </a:prstGeom>
-          <a:solidFill>
-            <a:schemeClr val="accent1"/>
-          </a:solidFill>
-          <a:ln>
-            <a:solidFill>
-              <a:schemeClr val="accent1"/>
-            </a:solidFill>
-          </a:ln>
-        </p:spPr>
-        <p:style>
-          <a:lnRef idx="2">
-            <a:schemeClr val="accent1">
-              <a:shade val="50000"/>
-            </a:schemeClr>
-          </a:lnRef>
-          <a:fillRef idx="1">
-            <a:schemeClr val="accent1"/>
-          </a:fillRef>
-          <a:effectRef idx="0">
-            <a:schemeClr val="accent1"/>
-          </a:effectRef>
-          <a:fontRef idx="minor">
-            <a:schemeClr val="lt1"/>
-          </a:fontRef>
-        </p:style>
-        <p:txBody>
-          <a:bodyPr rtlCol="0" anchor="ctr"/>
-          <a:lstStyle/>
-          <a:p>
-            <a:pPr algn="ctr"/>
-            <a:endParaRPr lang="en-IN"/>
-          </a:p>
-        </p:txBody>
-      </p:sp>
-      <p:sp>
-        <p:nvSpPr>
-          <p:cNvPr id="28" name="Flowchart: Connector 27">
-            <a:extLst>
-              <a:ext uri="{FF2B5EF4-FFF2-40B4-BE49-F238E27FC236}">
-                <a16:creationId xmlns:a16="http://schemas.microsoft.com/office/drawing/2014/main" id="{82D5C8DD-D025-4802-A1C4-2AB56B2E6492}"/>
-              </a:ext>
-            </a:extLst>
-          </p:cNvPr>
-          <p:cNvSpPr/>
-          <p:nvPr/>
-        </p:nvSpPr>
-        <p:spPr>
-          <a:xfrm>
-            <a:off x="5800550" y="1729566"/>
-            <a:ext cx="83055" cy="88166"/>
-          </a:xfrm>
-          <a:prstGeom prst="flowChartConnector">
-            <a:avLst/>
-          </a:prstGeom>
-          <a:solidFill>
-            <a:schemeClr val="accent1"/>
-          </a:solidFill>
-          <a:ln>
-            <a:solidFill>
-              <a:schemeClr val="accent1"/>
-            </a:solidFill>
-          </a:ln>
-        </p:spPr>
-        <p:style>
-          <a:lnRef idx="2">
-            <a:schemeClr val="accent1">
-              <a:shade val="50000"/>
-            </a:schemeClr>
-          </a:lnRef>
-          <a:fillRef idx="1">
-            <a:schemeClr val="accent1"/>
-          </a:fillRef>
-          <a:effectRef idx="0">
-            <a:schemeClr val="accent1"/>
-          </a:effectRef>
-          <a:fontRef idx="minor">
-            <a:schemeClr val="lt1"/>
-          </a:fontRef>
-        </p:style>
-        <p:txBody>
-          <a:bodyPr rtlCol="0" anchor="ctr"/>
-          <a:lstStyle/>
-          <a:p>
-            <a:pPr algn="ctr"/>
-            <a:endParaRPr lang="en-IN"/>
-          </a:p>
-        </p:txBody>
-      </p:sp>
-      <p:sp>
-        <p:nvSpPr>
-          <p:cNvPr id="29" name="Flowchart: Connector 28">
-            <a:extLst>
-              <a:ext uri="{FF2B5EF4-FFF2-40B4-BE49-F238E27FC236}">
-                <a16:creationId xmlns:a16="http://schemas.microsoft.com/office/drawing/2014/main" id="{816225B8-69B0-41ED-A305-AD7CB407C33C}"/>
-              </a:ext>
-            </a:extLst>
-          </p:cNvPr>
-          <p:cNvSpPr/>
-          <p:nvPr/>
-        </p:nvSpPr>
-        <p:spPr>
-          <a:xfrm>
-            <a:off x="7372265" y="3267006"/>
-            <a:ext cx="83055" cy="88166"/>
-          </a:xfrm>
-          <a:prstGeom prst="flowChartConnector">
-            <a:avLst/>
-          </a:prstGeom>
-          <a:solidFill>
-            <a:schemeClr val="accent4"/>
-          </a:solidFill>
-          <a:ln>
-            <a:solidFill>
-              <a:schemeClr val="accent4"/>
-            </a:solidFill>
-          </a:ln>
-        </p:spPr>
-        <p:style>
-          <a:lnRef idx="2">
-            <a:schemeClr val="accent1">
-              <a:shade val="50000"/>
-            </a:schemeClr>
-          </a:lnRef>
-          <a:fillRef idx="1">
-            <a:schemeClr val="accent1"/>
-          </a:fillRef>
-          <a:effectRef idx="0">
-            <a:schemeClr val="accent1"/>
-          </a:effectRef>
-          <a:fontRef idx="minor">
-            <a:schemeClr val="lt1"/>
-          </a:fontRef>
-        </p:style>
-        <p:txBody>
-          <a:bodyPr rtlCol="0" anchor="ctr"/>
-          <a:lstStyle/>
-          <a:p>
-            <a:pPr algn="ctr"/>
-            <a:endParaRPr lang="en-IN"/>
-          </a:p>
-        </p:txBody>
-      </p:sp>
-      <p:sp>
-        <p:nvSpPr>
-          <p:cNvPr id="30" name="Flowchart: Connector 29">
-            <a:extLst>
-              <a:ext uri="{FF2B5EF4-FFF2-40B4-BE49-F238E27FC236}">
-                <a16:creationId xmlns:a16="http://schemas.microsoft.com/office/drawing/2014/main" id="{C8D15637-3B85-47C9-91CD-2DDB810A2AA4}"/>
-              </a:ext>
-            </a:extLst>
-          </p:cNvPr>
-          <p:cNvSpPr/>
-          <p:nvPr/>
-        </p:nvSpPr>
-        <p:spPr>
-          <a:xfrm>
-            <a:off x="4952743" y="1991399"/>
-            <a:ext cx="83055" cy="88166"/>
-          </a:xfrm>
-          <a:prstGeom prst="flowChartConnector">
             <a:avLst/>
           </a:prstGeom>
           <a:solidFill>
@@ -9188,16 +8748,16 @@
           <a:lstStyle/>
           <a:p>
             <a:pPr algn="ctr"/>
-            <a:endParaRPr lang="en-IN"/>
-          </a:p>
-        </p:txBody>
-      </p:sp>
-      <p:sp>
-        <p:nvSpPr>
-          <p:cNvPr id="32" name="Flowchart: Connector 31">
-            <a:extLst>
-              <a:ext uri="{FF2B5EF4-FFF2-40B4-BE49-F238E27FC236}">
-                <a16:creationId xmlns:a16="http://schemas.microsoft.com/office/drawing/2014/main" id="{911C159C-0BCE-4808-848F-7076C5A0BCE3}"/>
+            <a:endParaRPr lang="en-IN" dirty="0"/>
+          </a:p>
+        </p:txBody>
+      </p:sp>
+      <p:sp>
+        <p:nvSpPr>
+          <p:cNvPr id="8" name="Speech Bubble: Oval 7">
+            <a:extLst>
+              <a:ext uri="{FF2B5EF4-FFF2-40B4-BE49-F238E27FC236}">
+                <a16:creationId xmlns:a16="http://schemas.microsoft.com/office/drawing/2014/main" id="{BADDAC5B-1439-45D1-9C50-13FC1D852888}"/>
               </a:ext>
             </a:extLst>
           </p:cNvPr>
@@ -9205,11 +8765,62 @@
           <p:nvPr/>
         </p:nvSpPr>
         <p:spPr>
-          <a:xfrm>
-            <a:off x="6607859" y="1955708"/>
-            <a:ext cx="83055" cy="88166"/>
-          </a:xfrm>
-          <a:prstGeom prst="flowChartConnector">
+          <a:xfrm rot="1911096">
+            <a:off x="7373355" y="1838472"/>
+            <a:ext cx="761252" cy="757106"/>
+          </a:xfrm>
+          <a:prstGeom prst="wedgeEllipseCallout">
+            <a:avLst/>
+          </a:prstGeom>
+          <a:ln>
+            <a:solidFill>
+              <a:schemeClr val="accent1"/>
+            </a:solidFill>
+          </a:ln>
+        </p:spPr>
+        <p:style>
+          <a:lnRef idx="2">
+            <a:schemeClr val="accent1">
+              <a:shade val="50000"/>
+            </a:schemeClr>
+          </a:lnRef>
+          <a:fillRef idx="1">
+            <a:schemeClr val="accent1"/>
+          </a:fillRef>
+          <a:effectRef idx="0">
+            <a:schemeClr val="accent1"/>
+          </a:effectRef>
+          <a:fontRef idx="minor">
+            <a:schemeClr val="lt1"/>
+          </a:fontRef>
+        </p:style>
+        <p:txBody>
+          <a:bodyPr rtlCol="0" anchor="ctr"/>
+          <a:lstStyle/>
+          <a:p>
+            <a:pPr algn="ctr"/>
+            <a:endParaRPr lang="en-IN" dirty="0"/>
+          </a:p>
+        </p:txBody>
+      </p:sp>
+      <p:sp>
+        <p:nvSpPr>
+          <p:cNvPr id="9" name="Speech Bubble: Oval 8">
+            <a:extLst>
+              <a:ext uri="{FF2B5EF4-FFF2-40B4-BE49-F238E27FC236}">
+                <a16:creationId xmlns:a16="http://schemas.microsoft.com/office/drawing/2014/main" id="{03D08F68-F3A5-4076-BC25-98B7A53EB6C6}"/>
+              </a:ext>
+            </a:extLst>
+          </p:cNvPr>
+          <p:cNvSpPr/>
+          <p:nvPr/>
+        </p:nvSpPr>
+        <p:spPr>
+          <a:xfrm rot="4287128">
+            <a:off x="7719238" y="2931757"/>
+            <a:ext cx="761252" cy="757106"/>
+          </a:xfrm>
+          <a:prstGeom prst="wedgeEllipseCallout">
             <a:avLst/>
           </a:prstGeom>
           <a:solidFill>
@@ -9248,16 +8859,16 @@
           <a:lstStyle/>
           <a:p>
             <a:pPr algn="ctr"/>
-            <a:endParaRPr lang="en-IN"/>
-          </a:p>
-        </p:txBody>
-      </p:sp>
-      <p:sp>
-        <p:nvSpPr>
-          <p:cNvPr id="33" name="Flowchart: Connector 32">
-            <a:extLst>
-              <a:ext uri="{FF2B5EF4-FFF2-40B4-BE49-F238E27FC236}">
-                <a16:creationId xmlns:a16="http://schemas.microsoft.com/office/drawing/2014/main" id="{2B194137-DD2A-4908-B767-0876F8FBF46B}"/>
+            <a:endParaRPr lang="en-IN" dirty="0"/>
+          </a:p>
+        </p:txBody>
+      </p:sp>
+      <p:sp>
+        <p:nvSpPr>
+          <p:cNvPr id="10" name="Speech Bubble: Oval 9">
+            <a:extLst>
+              <a:ext uri="{FF2B5EF4-FFF2-40B4-BE49-F238E27FC236}">
+                <a16:creationId xmlns:a16="http://schemas.microsoft.com/office/drawing/2014/main" id="{3C7988D6-BED3-45EC-961D-2BD1C805DB0F}"/>
               </a:ext>
             </a:extLst>
           </p:cNvPr>
@@ -9265,19 +8876,16 @@
           <p:nvPr/>
         </p:nvSpPr>
         <p:spPr>
-          <a:xfrm>
-            <a:off x="7171316" y="2529976"/>
-            <a:ext cx="83055" cy="88166"/>
-          </a:xfrm>
-          <a:prstGeom prst="flowChartConnector">
-            <a:avLst/>
-          </a:prstGeom>
-          <a:solidFill>
-            <a:srgbClr val="E90B7A"/>
-          </a:solidFill>
+          <a:xfrm rot="6416268">
+            <a:off x="7490857" y="4022628"/>
+            <a:ext cx="761252" cy="757106"/>
+          </a:xfrm>
+          <a:prstGeom prst="wedgeEllipseCallout">
+            <a:avLst/>
+          </a:prstGeom>
           <a:ln>
             <a:solidFill>
-              <a:srgbClr val="E90B7A"/>
+              <a:schemeClr val="accent1"/>
             </a:solidFill>
           </a:ln>
         </p:spPr>
@@ -9302,16 +8910,16 @@
           <a:lstStyle/>
           <a:p>
             <a:pPr algn="ctr"/>
-            <a:endParaRPr lang="en-IN"/>
-          </a:p>
-        </p:txBody>
-      </p:sp>
-      <p:sp>
-        <p:nvSpPr>
-          <p:cNvPr id="34" name="Oval 33">
-            <a:extLst>
-              <a:ext uri="{FF2B5EF4-FFF2-40B4-BE49-F238E27FC236}">
-                <a16:creationId xmlns:a16="http://schemas.microsoft.com/office/drawing/2014/main" id="{6DD9A5D8-9C5C-44BA-9741-F0D025B1BDA7}"/>
+            <a:endParaRPr lang="en-IN" dirty="0"/>
+          </a:p>
+        </p:txBody>
+      </p:sp>
+      <p:sp>
+        <p:nvSpPr>
+          <p:cNvPr id="12" name="Speech Bubble: Oval 11">
+            <a:extLst>
+              <a:ext uri="{FF2B5EF4-FFF2-40B4-BE49-F238E27FC236}">
+                <a16:creationId xmlns:a16="http://schemas.microsoft.com/office/drawing/2014/main" id="{16A2F06A-4484-4D3A-A49E-BFEDD9C6BEAA}"/>
               </a:ext>
             </a:extLst>
           </p:cNvPr>
@@ -9319,17 +8927,25 @@
           <p:nvPr/>
         </p:nvSpPr>
         <p:spPr>
-          <a:xfrm>
-            <a:off x="4377272" y="3949786"/>
-            <a:ext cx="142042" cy="146759"/>
-          </a:xfrm>
-          <a:prstGeom prst="ellipse">
-            <a:avLst/>
-          </a:prstGeom>
-          <a:noFill/>
+          <a:xfrm rot="7818104">
+            <a:off x="6683026" y="4831372"/>
+            <a:ext cx="761252" cy="757106"/>
+          </a:xfrm>
+          <a:prstGeom prst="wedgeEllipseCallout">
+            <a:avLst/>
+          </a:prstGeom>
+          <a:solidFill>
+            <a:schemeClr val="accent6">
+              <a:lumMod val="40000"/>
+              <a:lumOff val="60000"/>
+            </a:schemeClr>
+          </a:solidFill>
           <a:ln>
             <a:solidFill>
-              <a:schemeClr val="accent5"/>
+              <a:schemeClr val="accent6">
+                <a:lumMod val="40000"/>
+                <a:lumOff val="60000"/>
+              </a:schemeClr>
             </a:solidFill>
           </a:ln>
         </p:spPr>
@@ -9354,16 +8970,16 @@
           <a:lstStyle/>
           <a:p>
             <a:pPr algn="ctr"/>
-            <a:endParaRPr lang="en-IN"/>
-          </a:p>
-        </p:txBody>
-      </p:sp>
-      <p:sp>
-        <p:nvSpPr>
-          <p:cNvPr id="36" name="Oval 35">
-            <a:extLst>
-              <a:ext uri="{FF2B5EF4-FFF2-40B4-BE49-F238E27FC236}">
-                <a16:creationId xmlns:a16="http://schemas.microsoft.com/office/drawing/2014/main" id="{56611486-3E54-4784-BDB2-4C2EB1146152}"/>
+            <a:endParaRPr lang="en-IN" dirty="0"/>
+          </a:p>
+        </p:txBody>
+      </p:sp>
+      <p:sp>
+        <p:nvSpPr>
+          <p:cNvPr id="18" name="Speech Bubble: Oval 17">
+            <a:extLst>
+              <a:ext uri="{FF2B5EF4-FFF2-40B4-BE49-F238E27FC236}">
+                <a16:creationId xmlns:a16="http://schemas.microsoft.com/office/drawing/2014/main" id="{483661CD-9A41-4247-A622-C99998249DAF}"/>
               </a:ext>
             </a:extLst>
           </p:cNvPr>
@@ -9371,17 +8987,25 @@
           <p:nvPr/>
         </p:nvSpPr>
         <p:spPr>
-          <a:xfrm>
-            <a:off x="5017693" y="4596494"/>
-            <a:ext cx="142042" cy="146759"/>
-          </a:xfrm>
-          <a:prstGeom prst="ellipse">
-            <a:avLst/>
-          </a:prstGeom>
-          <a:noFill/>
+          <a:xfrm rot="11700886">
+            <a:off x="4310236" y="4871578"/>
+            <a:ext cx="761252" cy="757106"/>
+          </a:xfrm>
+          <a:prstGeom prst="wedgeEllipseCallout">
+            <a:avLst/>
+          </a:prstGeom>
+          <a:solidFill>
+            <a:schemeClr val="accent6">
+              <a:lumMod val="40000"/>
+              <a:lumOff val="60000"/>
+            </a:schemeClr>
+          </a:solidFill>
           <a:ln>
             <a:solidFill>
-              <a:schemeClr val="accent6"/>
+              <a:schemeClr val="accent6">
+                <a:lumMod val="40000"/>
+                <a:lumOff val="60000"/>
+              </a:schemeClr>
             </a:solidFill>
           </a:ln>
         </p:spPr>
@@ -9406,16 +9030,16 @@
           <a:lstStyle/>
           <a:p>
             <a:pPr algn="ctr"/>
-            <a:endParaRPr lang="en-IN"/>
-          </a:p>
-        </p:txBody>
-      </p:sp>
-      <p:sp>
-        <p:nvSpPr>
-          <p:cNvPr id="60" name="Oval 59">
-            <a:extLst>
-              <a:ext uri="{FF2B5EF4-FFF2-40B4-BE49-F238E27FC236}">
-                <a16:creationId xmlns:a16="http://schemas.microsoft.com/office/drawing/2014/main" id="{862311D7-7597-4CE2-96F4-30D46D0349C7}"/>
+            <a:endParaRPr lang="en-IN" dirty="0"/>
+          </a:p>
+        </p:txBody>
+      </p:sp>
+      <p:sp>
+        <p:nvSpPr>
+          <p:cNvPr id="20" name="Speech Bubble: Oval 19">
+            <a:extLst>
+              <a:ext uri="{FF2B5EF4-FFF2-40B4-BE49-F238E27FC236}">
+                <a16:creationId xmlns:a16="http://schemas.microsoft.com/office/drawing/2014/main" id="{3B34F7F6-3AB8-4FD3-B462-928263C2EF66}"/>
               </a:ext>
             </a:extLst>
           </p:cNvPr>
@@ -9423,17 +9047,16 @@
           <p:nvPr/>
         </p:nvSpPr>
         <p:spPr>
-          <a:xfrm>
-            <a:off x="7337932" y="3236090"/>
-            <a:ext cx="142042" cy="146759"/>
-          </a:xfrm>
-          <a:prstGeom prst="ellipse">
-            <a:avLst/>
-          </a:prstGeom>
-          <a:noFill/>
+          <a:xfrm rot="12802583">
+            <a:off x="3462017" y="4058201"/>
+            <a:ext cx="761252" cy="757106"/>
+          </a:xfrm>
+          <a:prstGeom prst="wedgeEllipseCallout">
+            <a:avLst/>
+          </a:prstGeom>
           <a:ln>
             <a:solidFill>
-              <a:schemeClr val="accent4"/>
+              <a:schemeClr val="accent1"/>
             </a:solidFill>
           </a:ln>
         </p:spPr>
@@ -9458,16 +9081,16 @@
           <a:lstStyle/>
           <a:p>
             <a:pPr algn="ctr"/>
-            <a:endParaRPr lang="en-IN"/>
-          </a:p>
-        </p:txBody>
-      </p:sp>
-      <p:sp>
-        <p:nvSpPr>
-          <p:cNvPr id="62" name="Oval 61">
-            <a:extLst>
-              <a:ext uri="{FF2B5EF4-FFF2-40B4-BE49-F238E27FC236}">
-                <a16:creationId xmlns:a16="http://schemas.microsoft.com/office/drawing/2014/main" id="{7BD316ED-CE2F-4E4E-B232-67A2DCDC3F63}"/>
+            <a:endParaRPr lang="en-IN" dirty="0"/>
+          </a:p>
+        </p:txBody>
+      </p:sp>
+      <p:sp>
+        <p:nvSpPr>
+          <p:cNvPr id="22" name="Speech Bubble: Oval 21">
+            <a:extLst>
+              <a:ext uri="{FF2B5EF4-FFF2-40B4-BE49-F238E27FC236}">
+                <a16:creationId xmlns:a16="http://schemas.microsoft.com/office/drawing/2014/main" id="{2A6B4C8A-3341-4F1B-B74B-6D18C292BDB9}"/>
               </a:ext>
             </a:extLst>
           </p:cNvPr>
@@ -9475,17 +9098,25 @@
           <p:nvPr/>
         </p:nvSpPr>
         <p:spPr>
-          <a:xfrm>
-            <a:off x="6624112" y="4553216"/>
-            <a:ext cx="142042" cy="146759"/>
-          </a:xfrm>
-          <a:prstGeom prst="ellipse">
-            <a:avLst/>
-          </a:prstGeom>
-          <a:noFill/>
+          <a:xfrm rot="15184771">
+            <a:off x="3223914" y="2927143"/>
+            <a:ext cx="761252" cy="757106"/>
+          </a:xfrm>
+          <a:prstGeom prst="wedgeEllipseCallout">
+            <a:avLst/>
+          </a:prstGeom>
+          <a:solidFill>
+            <a:schemeClr val="accent6">
+              <a:lumMod val="40000"/>
+              <a:lumOff val="60000"/>
+            </a:schemeClr>
+          </a:solidFill>
           <a:ln>
             <a:solidFill>
-              <a:schemeClr val="accent6"/>
+              <a:schemeClr val="accent6">
+                <a:lumMod val="40000"/>
+                <a:lumOff val="60000"/>
+              </a:schemeClr>
             </a:solidFill>
           </a:ln>
         </p:spPr>
@@ -9510,16 +9141,16 @@
           <a:lstStyle/>
           <a:p>
             <a:pPr algn="ctr"/>
-            <a:endParaRPr lang="en-IN"/>
-          </a:p>
-        </p:txBody>
-      </p:sp>
-      <p:sp>
-        <p:nvSpPr>
-          <p:cNvPr id="64" name="Oval 63">
-            <a:extLst>
-              <a:ext uri="{FF2B5EF4-FFF2-40B4-BE49-F238E27FC236}">
-                <a16:creationId xmlns:a16="http://schemas.microsoft.com/office/drawing/2014/main" id="{C5548E9E-C78B-45E8-8AA3-6B980A6ED5DA}"/>
+            <a:endParaRPr lang="en-IN" dirty="0"/>
+          </a:p>
+        </p:txBody>
+      </p:sp>
+      <p:sp>
+        <p:nvSpPr>
+          <p:cNvPr id="24" name="Speech Bubble: Oval 23">
+            <a:extLst>
+              <a:ext uri="{FF2B5EF4-FFF2-40B4-BE49-F238E27FC236}">
+                <a16:creationId xmlns:a16="http://schemas.microsoft.com/office/drawing/2014/main" id="{E4040579-9BC2-411A-AC10-DB5A6E892EB3}"/>
               </a:ext>
             </a:extLst>
           </p:cNvPr>
@@ -9527,14 +9158,13 @@
           <p:nvPr/>
         </p:nvSpPr>
         <p:spPr>
-          <a:xfrm>
-            <a:off x="5812584" y="4800778"/>
-            <a:ext cx="142042" cy="146759"/>
-          </a:xfrm>
-          <a:prstGeom prst="ellipse">
-            <a:avLst/>
-          </a:prstGeom>
-          <a:noFill/>
+          <a:xfrm rot="16758969">
+            <a:off x="3477573" y="1835502"/>
+            <a:ext cx="761252" cy="757106"/>
+          </a:xfrm>
+          <a:prstGeom prst="wedgeEllipseCallout">
+            <a:avLst/>
+          </a:prstGeom>
           <a:ln>
             <a:solidFill>
               <a:schemeClr val="accent1"/>
@@ -9562,16 +9192,16 @@
           <a:lstStyle/>
           <a:p>
             <a:pPr algn="ctr"/>
-            <a:endParaRPr lang="en-IN"/>
-          </a:p>
-        </p:txBody>
-      </p:sp>
-      <p:sp>
-        <p:nvSpPr>
-          <p:cNvPr id="66" name="Oval 65">
-            <a:extLst>
-              <a:ext uri="{FF2B5EF4-FFF2-40B4-BE49-F238E27FC236}">
-                <a16:creationId xmlns:a16="http://schemas.microsoft.com/office/drawing/2014/main" id="{BCA01BAE-B6E9-46EE-B251-624380802523}"/>
+            <a:endParaRPr lang="en-IN" dirty="0"/>
+          </a:p>
+        </p:txBody>
+      </p:sp>
+      <p:sp>
+        <p:nvSpPr>
+          <p:cNvPr id="26" name="Speech Bubble: Oval 25">
+            <a:extLst>
+              <a:ext uri="{FF2B5EF4-FFF2-40B4-BE49-F238E27FC236}">
+                <a16:creationId xmlns:a16="http://schemas.microsoft.com/office/drawing/2014/main" id="{52FD56B9-BC6F-49B1-AAFD-84B7418553DF}"/>
               </a:ext>
             </a:extLst>
           </p:cNvPr>
@@ -9579,17 +9209,25 @@
           <p:nvPr/>
         </p:nvSpPr>
         <p:spPr>
-          <a:xfrm>
-            <a:off x="7183624" y="3947699"/>
-            <a:ext cx="142042" cy="146759"/>
-          </a:xfrm>
-          <a:prstGeom prst="ellipse">
-            <a:avLst/>
-          </a:prstGeom>
-          <a:noFill/>
+          <a:xfrm rot="18878788">
+            <a:off x="4286249" y="1004005"/>
+            <a:ext cx="761252" cy="757106"/>
+          </a:xfrm>
+          <a:prstGeom prst="wedgeEllipseCallout">
+            <a:avLst/>
+          </a:prstGeom>
+          <a:solidFill>
+            <a:schemeClr val="accent6">
+              <a:lumMod val="40000"/>
+              <a:lumOff val="60000"/>
+            </a:schemeClr>
+          </a:solidFill>
           <a:ln>
             <a:solidFill>
-              <a:schemeClr val="accent5"/>
+              <a:schemeClr val="accent6">
+                <a:lumMod val="40000"/>
+                <a:lumOff val="60000"/>
+              </a:schemeClr>
             </a:solidFill>
           </a:ln>
         </p:spPr>
@@ -9614,16 +9252,16 @@
           <a:lstStyle/>
           <a:p>
             <a:pPr algn="ctr"/>
-            <a:endParaRPr lang="en-IN"/>
-          </a:p>
-        </p:txBody>
-      </p:sp>
-      <p:sp>
-        <p:nvSpPr>
-          <p:cNvPr id="68" name="Oval 67">
-            <a:extLst>
-              <a:ext uri="{FF2B5EF4-FFF2-40B4-BE49-F238E27FC236}">
-                <a16:creationId xmlns:a16="http://schemas.microsoft.com/office/drawing/2014/main" id="{8361ABE7-C891-423A-A91B-0964A17AF9C7}"/>
+            <a:endParaRPr lang="en-IN" dirty="0"/>
+          </a:p>
+        </p:txBody>
+      </p:sp>
+      <p:sp>
+        <p:nvSpPr>
+          <p:cNvPr id="7" name="Flowchart: Connector 6">
+            <a:extLst>
+              <a:ext uri="{FF2B5EF4-FFF2-40B4-BE49-F238E27FC236}">
+                <a16:creationId xmlns:a16="http://schemas.microsoft.com/office/drawing/2014/main" id="{AB514703-E719-4E0A-8775-B274BE7000B7}"/>
               </a:ext>
             </a:extLst>
           </p:cNvPr>
@@ -9632,16 +9270,24 @@
         </p:nvSpPr>
         <p:spPr>
           <a:xfrm>
-            <a:off x="5771056" y="1703964"/>
-            <a:ext cx="142042" cy="146759"/>
-          </a:xfrm>
-          <a:prstGeom prst="ellipse">
-            <a:avLst/>
-          </a:prstGeom>
-          <a:noFill/>
+            <a:off x="4246901" y="3269358"/>
+            <a:ext cx="83055" cy="88166"/>
+          </a:xfrm>
+          <a:prstGeom prst="flowChartConnector">
+            <a:avLst/>
+          </a:prstGeom>
+          <a:solidFill>
+            <a:schemeClr val="accent6">
+              <a:lumMod val="40000"/>
+              <a:lumOff val="60000"/>
+            </a:schemeClr>
+          </a:solidFill>
           <a:ln>
             <a:solidFill>
-              <a:schemeClr val="accent1"/>
+              <a:schemeClr val="accent6">
+                <a:lumMod val="40000"/>
+                <a:lumOff val="60000"/>
+              </a:schemeClr>
             </a:solidFill>
           </a:ln>
         </p:spPr>
@@ -9672,10 +9318,62 @@
       </p:sp>
       <p:sp>
         <p:nvSpPr>
-          <p:cNvPr id="70" name="Oval 69">
-            <a:extLst>
-              <a:ext uri="{FF2B5EF4-FFF2-40B4-BE49-F238E27FC236}">
-                <a16:creationId xmlns:a16="http://schemas.microsoft.com/office/drawing/2014/main" id="{60A5DAFB-77E3-46AE-A950-CE6E8E04B640}"/>
+          <p:cNvPr id="32" name="TextBox 31">
+            <a:extLst>
+              <a:ext uri="{FF2B5EF4-FFF2-40B4-BE49-F238E27FC236}">
+                <a16:creationId xmlns:a16="http://schemas.microsoft.com/office/drawing/2014/main" id="{B2ADEC51-69A8-414F-9DCC-75455FD38157}"/>
+              </a:ext>
+            </a:extLst>
+          </p:cNvPr>
+          <p:cNvSpPr txBox="1"/>
+          <p:nvPr/>
+        </p:nvSpPr>
+        <p:spPr>
+          <a:xfrm>
+            <a:off x="1474336" y="6368358"/>
+            <a:ext cx="9610699" cy="369332"/>
+          </a:xfrm>
+          <a:prstGeom prst="rect">
+            <a:avLst/>
+          </a:prstGeom>
+          <a:noFill/>
+        </p:spPr>
+        <p:txBody>
+          <a:bodyPr wrap="square">
+            <a:spAutoFit/>
+          </a:bodyPr>
+          <a:lstStyle/>
+          <a:p>
+            <a:pPr algn="ctr"/>
+            <a:r>
+              <a:rPr lang="en-US" b="1" dirty="0"/>
+              <a:t>KI Processes </a:t>
+            </a:r>
+            <a:r>
+              <a:rPr lang="en-US" dirty="0"/>
+              <a:t>supported </a:t>
+            </a:r>
+            <a:r>
+              <a:rPr lang="en-IN" dirty="0"/>
+              <a:t>by standard web-based applications, deployed in </a:t>
+            </a:r>
+            <a:r>
+              <a:rPr lang="en-IN" b="1" dirty="0"/>
+              <a:t>Saas mode </a:t>
+            </a:r>
+            <a:r>
+              <a:rPr lang="en-IN" dirty="0"/>
+              <a:t>by our KI-Tools</a:t>
+            </a:r>
+          </a:p>
+        </p:txBody>
+      </p:sp>
+      <p:sp>
+        <p:nvSpPr>
+          <p:cNvPr id="13" name="Flowchart: Connector 12">
+            <a:extLst>
+              <a:ext uri="{FF2B5EF4-FFF2-40B4-BE49-F238E27FC236}">
+                <a16:creationId xmlns:a16="http://schemas.microsoft.com/office/drawing/2014/main" id="{F26F4BF3-D271-4483-9434-5690C98C1C5F}"/>
               </a:ext>
             </a:extLst>
           </p:cNvPr>
@@ -9684,7 +9382,691 @@
         </p:nvSpPr>
         <p:spPr>
           <a:xfrm>
-            <a:off x="4916743" y="1953145"/>
+            <a:off x="4397176" y="3945684"/>
+            <a:ext cx="83055" cy="88166"/>
+          </a:xfrm>
+          <a:prstGeom prst="flowChartConnector">
+            <a:avLst/>
+          </a:prstGeom>
+          <a:solidFill>
+            <a:schemeClr val="accent1"/>
+          </a:solidFill>
+          <a:ln>
+            <a:solidFill>
+              <a:schemeClr val="accent1"/>
+            </a:solidFill>
+          </a:ln>
+        </p:spPr>
+        <p:style>
+          <a:lnRef idx="2">
+            <a:schemeClr val="accent1">
+              <a:shade val="50000"/>
+            </a:schemeClr>
+          </a:lnRef>
+          <a:fillRef idx="1">
+            <a:schemeClr val="accent1"/>
+          </a:fillRef>
+          <a:effectRef idx="0">
+            <a:schemeClr val="accent1"/>
+          </a:effectRef>
+          <a:fontRef idx="minor">
+            <a:schemeClr val="lt1"/>
+          </a:fontRef>
+        </p:style>
+        <p:txBody>
+          <a:bodyPr rtlCol="0" anchor="ctr"/>
+          <a:lstStyle/>
+          <a:p>
+            <a:pPr algn="ctr"/>
+            <a:endParaRPr lang="en-IN"/>
+          </a:p>
+        </p:txBody>
+      </p:sp>
+      <p:sp>
+        <p:nvSpPr>
+          <p:cNvPr id="14" name="Flowchart: Connector 13">
+            <a:extLst>
+              <a:ext uri="{FF2B5EF4-FFF2-40B4-BE49-F238E27FC236}">
+                <a16:creationId xmlns:a16="http://schemas.microsoft.com/office/drawing/2014/main" id="{8B44E40F-A3B5-4C0F-A468-B781F5E6AD12}"/>
+              </a:ext>
+            </a:extLst>
+          </p:cNvPr>
+          <p:cNvSpPr/>
+          <p:nvPr/>
+        </p:nvSpPr>
+        <p:spPr>
+          <a:xfrm>
+            <a:off x="5018133" y="4627901"/>
+            <a:ext cx="83055" cy="88166"/>
+          </a:xfrm>
+          <a:prstGeom prst="flowChartConnector">
+            <a:avLst/>
+          </a:prstGeom>
+          <a:solidFill>
+            <a:schemeClr val="accent6">
+              <a:lumMod val="40000"/>
+              <a:lumOff val="60000"/>
+            </a:schemeClr>
+          </a:solidFill>
+          <a:ln>
+            <a:solidFill>
+              <a:schemeClr val="accent6">
+                <a:lumMod val="40000"/>
+                <a:lumOff val="60000"/>
+              </a:schemeClr>
+            </a:solidFill>
+          </a:ln>
+        </p:spPr>
+        <p:style>
+          <a:lnRef idx="2">
+            <a:schemeClr val="accent1">
+              <a:shade val="50000"/>
+            </a:schemeClr>
+          </a:lnRef>
+          <a:fillRef idx="1">
+            <a:schemeClr val="accent1"/>
+          </a:fillRef>
+          <a:effectRef idx="0">
+            <a:schemeClr val="accent1"/>
+          </a:effectRef>
+          <a:fontRef idx="minor">
+            <a:schemeClr val="lt1"/>
+          </a:fontRef>
+        </p:style>
+        <p:txBody>
+          <a:bodyPr rtlCol="0" anchor="ctr"/>
+          <a:lstStyle/>
+          <a:p>
+            <a:pPr algn="ctr"/>
+            <a:endParaRPr lang="en-IN"/>
+          </a:p>
+        </p:txBody>
+      </p:sp>
+      <p:sp>
+        <p:nvSpPr>
+          <p:cNvPr id="15" name="Flowchart: Connector 14">
+            <a:extLst>
+              <a:ext uri="{FF2B5EF4-FFF2-40B4-BE49-F238E27FC236}">
+                <a16:creationId xmlns:a16="http://schemas.microsoft.com/office/drawing/2014/main" id="{3AAB88C4-813C-440F-9053-8C4933D2E3BA}"/>
+              </a:ext>
+            </a:extLst>
+          </p:cNvPr>
+          <p:cNvSpPr/>
+          <p:nvPr/>
+        </p:nvSpPr>
+        <p:spPr>
+          <a:xfrm>
+            <a:off x="5811287" y="4835800"/>
+            <a:ext cx="83055" cy="88166"/>
+          </a:xfrm>
+          <a:prstGeom prst="flowChartConnector">
+            <a:avLst/>
+          </a:prstGeom>
+          <a:solidFill>
+            <a:schemeClr val="accent1"/>
+          </a:solidFill>
+          <a:ln>
+            <a:solidFill>
+              <a:schemeClr val="accent1"/>
+            </a:solidFill>
+          </a:ln>
+        </p:spPr>
+        <p:style>
+          <a:lnRef idx="2">
+            <a:schemeClr val="accent1">
+              <a:shade val="50000"/>
+            </a:schemeClr>
+          </a:lnRef>
+          <a:fillRef idx="1">
+            <a:schemeClr val="accent1"/>
+          </a:fillRef>
+          <a:effectRef idx="0">
+            <a:schemeClr val="accent1"/>
+          </a:effectRef>
+          <a:fontRef idx="minor">
+            <a:schemeClr val="lt1"/>
+          </a:fontRef>
+        </p:style>
+        <p:txBody>
+          <a:bodyPr rtlCol="0" anchor="ctr"/>
+          <a:lstStyle/>
+          <a:p>
+            <a:pPr algn="ctr"/>
+            <a:endParaRPr lang="en-IN"/>
+          </a:p>
+        </p:txBody>
+      </p:sp>
+      <p:sp>
+        <p:nvSpPr>
+          <p:cNvPr id="16" name="Flowchart: Connector 15">
+            <a:extLst>
+              <a:ext uri="{FF2B5EF4-FFF2-40B4-BE49-F238E27FC236}">
+                <a16:creationId xmlns:a16="http://schemas.microsoft.com/office/drawing/2014/main" id="{94537103-9802-4826-9407-B9CF222A88E6}"/>
+              </a:ext>
+            </a:extLst>
+          </p:cNvPr>
+          <p:cNvSpPr/>
+          <p:nvPr/>
+        </p:nvSpPr>
+        <p:spPr>
+          <a:xfrm>
+            <a:off x="7220650" y="3960609"/>
+            <a:ext cx="83055" cy="88166"/>
+          </a:xfrm>
+          <a:prstGeom prst="flowChartConnector">
+            <a:avLst/>
+          </a:prstGeom>
+          <a:solidFill>
+            <a:schemeClr val="accent1"/>
+          </a:solidFill>
+          <a:ln>
+            <a:solidFill>
+              <a:schemeClr val="accent1"/>
+            </a:solidFill>
+          </a:ln>
+        </p:spPr>
+        <p:style>
+          <a:lnRef idx="2">
+            <a:schemeClr val="accent1">
+              <a:shade val="50000"/>
+            </a:schemeClr>
+          </a:lnRef>
+          <a:fillRef idx="1">
+            <a:schemeClr val="accent1"/>
+          </a:fillRef>
+          <a:effectRef idx="0">
+            <a:schemeClr val="accent1"/>
+          </a:effectRef>
+          <a:fontRef idx="minor">
+            <a:schemeClr val="lt1"/>
+          </a:fontRef>
+        </p:style>
+        <p:txBody>
+          <a:bodyPr rtlCol="0" anchor="ctr"/>
+          <a:lstStyle/>
+          <a:p>
+            <a:pPr algn="ctr"/>
+            <a:endParaRPr lang="en-IN"/>
+          </a:p>
+        </p:txBody>
+      </p:sp>
+      <p:sp>
+        <p:nvSpPr>
+          <p:cNvPr id="17" name="Flowchart: Connector 16">
+            <a:extLst>
+              <a:ext uri="{FF2B5EF4-FFF2-40B4-BE49-F238E27FC236}">
+                <a16:creationId xmlns:a16="http://schemas.microsoft.com/office/drawing/2014/main" id="{60A7068C-B8A6-4084-959C-86E9F5578BAE}"/>
+              </a:ext>
+            </a:extLst>
+          </p:cNvPr>
+          <p:cNvSpPr/>
+          <p:nvPr/>
+        </p:nvSpPr>
+        <p:spPr>
+          <a:xfrm>
+            <a:off x="7196726" y="2562776"/>
+            <a:ext cx="83055" cy="88166"/>
+          </a:xfrm>
+          <a:prstGeom prst="flowChartConnector">
+            <a:avLst/>
+          </a:prstGeom>
+          <a:solidFill>
+            <a:schemeClr val="accent1"/>
+          </a:solidFill>
+          <a:ln>
+            <a:solidFill>
+              <a:schemeClr val="accent1"/>
+            </a:solidFill>
+          </a:ln>
+        </p:spPr>
+        <p:style>
+          <a:lnRef idx="2">
+            <a:schemeClr val="accent1">
+              <a:shade val="50000"/>
+            </a:schemeClr>
+          </a:lnRef>
+          <a:fillRef idx="1">
+            <a:schemeClr val="accent1"/>
+          </a:fillRef>
+          <a:effectRef idx="0">
+            <a:schemeClr val="accent1"/>
+          </a:effectRef>
+          <a:fontRef idx="minor">
+            <a:schemeClr val="lt1"/>
+          </a:fontRef>
+        </p:style>
+        <p:txBody>
+          <a:bodyPr rtlCol="0" anchor="ctr"/>
+          <a:lstStyle/>
+          <a:p>
+            <a:pPr algn="ctr"/>
+            <a:endParaRPr lang="en-IN"/>
+          </a:p>
+        </p:txBody>
+      </p:sp>
+      <p:sp>
+        <p:nvSpPr>
+          <p:cNvPr id="19" name="Flowchart: Connector 18">
+            <a:extLst>
+              <a:ext uri="{FF2B5EF4-FFF2-40B4-BE49-F238E27FC236}">
+                <a16:creationId xmlns:a16="http://schemas.microsoft.com/office/drawing/2014/main" id="{E6279EFF-60EE-4DB5-8F15-D57C19BD00FD}"/>
+              </a:ext>
+            </a:extLst>
+          </p:cNvPr>
+          <p:cNvSpPr/>
+          <p:nvPr/>
+        </p:nvSpPr>
+        <p:spPr>
+          <a:xfrm>
+            <a:off x="5811286" y="1737622"/>
+            <a:ext cx="83055" cy="88166"/>
+          </a:xfrm>
+          <a:prstGeom prst="flowChartConnector">
+            <a:avLst/>
+          </a:prstGeom>
+          <a:solidFill>
+            <a:schemeClr val="accent1"/>
+          </a:solidFill>
+          <a:ln>
+            <a:solidFill>
+              <a:schemeClr val="accent1"/>
+            </a:solidFill>
+          </a:ln>
+        </p:spPr>
+        <p:style>
+          <a:lnRef idx="2">
+            <a:schemeClr val="accent1">
+              <a:shade val="50000"/>
+            </a:schemeClr>
+          </a:lnRef>
+          <a:fillRef idx="1">
+            <a:schemeClr val="accent1"/>
+          </a:fillRef>
+          <a:effectRef idx="0">
+            <a:schemeClr val="accent1"/>
+          </a:effectRef>
+          <a:fontRef idx="minor">
+            <a:schemeClr val="lt1"/>
+          </a:fontRef>
+        </p:style>
+        <p:txBody>
+          <a:bodyPr rtlCol="0" anchor="ctr"/>
+          <a:lstStyle/>
+          <a:p>
+            <a:pPr algn="ctr"/>
+            <a:endParaRPr lang="en-IN"/>
+          </a:p>
+        </p:txBody>
+      </p:sp>
+      <p:sp>
+        <p:nvSpPr>
+          <p:cNvPr id="21" name="Flowchart: Connector 20">
+            <a:extLst>
+              <a:ext uri="{FF2B5EF4-FFF2-40B4-BE49-F238E27FC236}">
+                <a16:creationId xmlns:a16="http://schemas.microsoft.com/office/drawing/2014/main" id="{8B1DB9BB-BBA2-4FEA-B12C-62A50A15D6D0}"/>
+              </a:ext>
+            </a:extLst>
+          </p:cNvPr>
+          <p:cNvSpPr/>
+          <p:nvPr/>
+        </p:nvSpPr>
+        <p:spPr>
+          <a:xfrm>
+            <a:off x="6666023" y="4604579"/>
+            <a:ext cx="83055" cy="88166"/>
+          </a:xfrm>
+          <a:prstGeom prst="flowChartConnector">
+            <a:avLst/>
+          </a:prstGeom>
+          <a:solidFill>
+            <a:schemeClr val="accent6">
+              <a:lumMod val="40000"/>
+              <a:lumOff val="60000"/>
+            </a:schemeClr>
+          </a:solidFill>
+          <a:ln>
+            <a:solidFill>
+              <a:schemeClr val="accent6">
+                <a:lumMod val="40000"/>
+                <a:lumOff val="60000"/>
+              </a:schemeClr>
+            </a:solidFill>
+          </a:ln>
+        </p:spPr>
+        <p:style>
+          <a:lnRef idx="2">
+            <a:schemeClr val="accent1">
+              <a:shade val="50000"/>
+            </a:schemeClr>
+          </a:lnRef>
+          <a:fillRef idx="1">
+            <a:schemeClr val="accent1"/>
+          </a:fillRef>
+          <a:effectRef idx="0">
+            <a:schemeClr val="accent1"/>
+          </a:effectRef>
+          <a:fontRef idx="minor">
+            <a:schemeClr val="lt1"/>
+          </a:fontRef>
+        </p:style>
+        <p:txBody>
+          <a:bodyPr rtlCol="0" anchor="ctr"/>
+          <a:lstStyle/>
+          <a:p>
+            <a:pPr algn="ctr"/>
+            <a:endParaRPr lang="en-IN"/>
+          </a:p>
+        </p:txBody>
+      </p:sp>
+      <p:sp>
+        <p:nvSpPr>
+          <p:cNvPr id="23" name="Flowchart: Connector 22">
+            <a:extLst>
+              <a:ext uri="{FF2B5EF4-FFF2-40B4-BE49-F238E27FC236}">
+                <a16:creationId xmlns:a16="http://schemas.microsoft.com/office/drawing/2014/main" id="{668F4037-0F30-4849-A87F-1E2143DEF5EC}"/>
+              </a:ext>
+            </a:extLst>
+          </p:cNvPr>
+          <p:cNvSpPr/>
+          <p:nvPr/>
+        </p:nvSpPr>
+        <p:spPr>
+          <a:xfrm>
+            <a:off x="7376784" y="3279324"/>
+            <a:ext cx="83055" cy="88166"/>
+          </a:xfrm>
+          <a:prstGeom prst="flowChartConnector">
+            <a:avLst/>
+          </a:prstGeom>
+          <a:solidFill>
+            <a:schemeClr val="accent6">
+              <a:lumMod val="40000"/>
+              <a:lumOff val="60000"/>
+            </a:schemeClr>
+          </a:solidFill>
+          <a:ln>
+            <a:solidFill>
+              <a:schemeClr val="accent6">
+                <a:lumMod val="40000"/>
+                <a:lumOff val="60000"/>
+              </a:schemeClr>
+            </a:solidFill>
+          </a:ln>
+        </p:spPr>
+        <p:style>
+          <a:lnRef idx="2">
+            <a:schemeClr val="accent1">
+              <a:shade val="50000"/>
+            </a:schemeClr>
+          </a:lnRef>
+          <a:fillRef idx="1">
+            <a:schemeClr val="accent1"/>
+          </a:fillRef>
+          <a:effectRef idx="0">
+            <a:schemeClr val="accent1"/>
+          </a:effectRef>
+          <a:fontRef idx="minor">
+            <a:schemeClr val="lt1"/>
+          </a:fontRef>
+        </p:style>
+        <p:txBody>
+          <a:bodyPr rtlCol="0" anchor="ctr"/>
+          <a:lstStyle/>
+          <a:p>
+            <a:pPr algn="ctr"/>
+            <a:endParaRPr lang="en-IN"/>
+          </a:p>
+        </p:txBody>
+      </p:sp>
+      <p:sp>
+        <p:nvSpPr>
+          <p:cNvPr id="25" name="Flowchart: Connector 24">
+            <a:extLst>
+              <a:ext uri="{FF2B5EF4-FFF2-40B4-BE49-F238E27FC236}">
+                <a16:creationId xmlns:a16="http://schemas.microsoft.com/office/drawing/2014/main" id="{A5F70944-9F5C-4B4B-9028-45BADEB07059}"/>
+              </a:ext>
+            </a:extLst>
+          </p:cNvPr>
+          <p:cNvSpPr/>
+          <p:nvPr/>
+        </p:nvSpPr>
+        <p:spPr>
+          <a:xfrm>
+            <a:off x="4968506" y="1966605"/>
+            <a:ext cx="83055" cy="88166"/>
+          </a:xfrm>
+          <a:prstGeom prst="flowChartConnector">
+            <a:avLst/>
+          </a:prstGeom>
+          <a:solidFill>
+            <a:schemeClr val="accent6">
+              <a:lumMod val="40000"/>
+              <a:lumOff val="60000"/>
+            </a:schemeClr>
+          </a:solidFill>
+          <a:ln>
+            <a:solidFill>
+              <a:schemeClr val="accent6">
+                <a:lumMod val="40000"/>
+                <a:lumOff val="60000"/>
+              </a:schemeClr>
+            </a:solidFill>
+          </a:ln>
+        </p:spPr>
+        <p:style>
+          <a:lnRef idx="2">
+            <a:schemeClr val="accent1">
+              <a:shade val="50000"/>
+            </a:schemeClr>
+          </a:lnRef>
+          <a:fillRef idx="1">
+            <a:schemeClr val="accent1"/>
+          </a:fillRef>
+          <a:effectRef idx="0">
+            <a:schemeClr val="accent1"/>
+          </a:effectRef>
+          <a:fontRef idx="minor">
+            <a:schemeClr val="lt1"/>
+          </a:fontRef>
+        </p:style>
+        <p:txBody>
+          <a:bodyPr rtlCol="0" anchor="ctr"/>
+          <a:lstStyle/>
+          <a:p>
+            <a:pPr algn="ctr"/>
+            <a:endParaRPr lang="en-IN"/>
+          </a:p>
+        </p:txBody>
+      </p:sp>
+      <p:sp>
+        <p:nvSpPr>
+          <p:cNvPr id="27" name="Flowchart: Connector 26">
+            <a:extLst>
+              <a:ext uri="{FF2B5EF4-FFF2-40B4-BE49-F238E27FC236}">
+                <a16:creationId xmlns:a16="http://schemas.microsoft.com/office/drawing/2014/main" id="{0EDDB627-35A3-485F-86B2-7B6CF12F7203}"/>
+              </a:ext>
+            </a:extLst>
+          </p:cNvPr>
+          <p:cNvSpPr/>
+          <p:nvPr/>
+        </p:nvSpPr>
+        <p:spPr>
+          <a:xfrm>
+            <a:off x="6598731" y="1946712"/>
+            <a:ext cx="83055" cy="88166"/>
+          </a:xfrm>
+          <a:prstGeom prst="flowChartConnector">
+            <a:avLst/>
+          </a:prstGeom>
+          <a:solidFill>
+            <a:schemeClr val="accent6">
+              <a:lumMod val="40000"/>
+              <a:lumOff val="60000"/>
+            </a:schemeClr>
+          </a:solidFill>
+          <a:ln>
+            <a:solidFill>
+              <a:schemeClr val="accent6">
+                <a:lumMod val="40000"/>
+                <a:lumOff val="60000"/>
+              </a:schemeClr>
+            </a:solidFill>
+          </a:ln>
+        </p:spPr>
+        <p:style>
+          <a:lnRef idx="2">
+            <a:schemeClr val="accent1">
+              <a:shade val="50000"/>
+            </a:schemeClr>
+          </a:lnRef>
+          <a:fillRef idx="1">
+            <a:schemeClr val="accent1"/>
+          </a:fillRef>
+          <a:effectRef idx="0">
+            <a:schemeClr val="accent1"/>
+          </a:effectRef>
+          <a:fontRef idx="minor">
+            <a:schemeClr val="lt1"/>
+          </a:fontRef>
+        </p:style>
+        <p:txBody>
+          <a:bodyPr rtlCol="0" anchor="ctr"/>
+          <a:lstStyle/>
+          <a:p>
+            <a:pPr algn="ctr"/>
+            <a:endParaRPr lang="en-IN"/>
+          </a:p>
+        </p:txBody>
+      </p:sp>
+      <p:sp>
+        <p:nvSpPr>
+          <p:cNvPr id="29" name="Flowchart: Connector 28">
+            <a:extLst>
+              <a:ext uri="{FF2B5EF4-FFF2-40B4-BE49-F238E27FC236}">
+                <a16:creationId xmlns:a16="http://schemas.microsoft.com/office/drawing/2014/main" id="{03A69554-C2C8-4805-8936-DAF81280D368}"/>
+              </a:ext>
+            </a:extLst>
+          </p:cNvPr>
+          <p:cNvSpPr/>
+          <p:nvPr/>
+        </p:nvSpPr>
+        <p:spPr>
+          <a:xfrm>
+            <a:off x="4441468" y="2537926"/>
+            <a:ext cx="83055" cy="88166"/>
+          </a:xfrm>
+          <a:prstGeom prst="flowChartConnector">
+            <a:avLst/>
+          </a:prstGeom>
+          <a:solidFill>
+            <a:schemeClr val="accent1"/>
+          </a:solidFill>
+          <a:ln>
+            <a:solidFill>
+              <a:schemeClr val="accent1"/>
+            </a:solidFill>
+          </a:ln>
+        </p:spPr>
+        <p:style>
+          <a:lnRef idx="2">
+            <a:schemeClr val="accent1">
+              <a:shade val="50000"/>
+            </a:schemeClr>
+          </a:lnRef>
+          <a:fillRef idx="1">
+            <a:schemeClr val="accent1"/>
+          </a:fillRef>
+          <a:effectRef idx="0">
+            <a:schemeClr val="accent1"/>
+          </a:effectRef>
+          <a:fontRef idx="minor">
+            <a:schemeClr val="lt1"/>
+          </a:fontRef>
+        </p:style>
+        <p:txBody>
+          <a:bodyPr rtlCol="0" anchor="ctr"/>
+          <a:lstStyle/>
+          <a:p>
+            <a:pPr algn="ctr"/>
+            <a:endParaRPr lang="en-IN"/>
+          </a:p>
+        </p:txBody>
+      </p:sp>
+      <p:pic>
+        <p:nvPicPr>
+          <p:cNvPr id="30" name="Picture 29">
+            <a:extLst>
+              <a:ext uri="{FF2B5EF4-FFF2-40B4-BE49-F238E27FC236}">
+                <a16:creationId xmlns:a16="http://schemas.microsoft.com/office/drawing/2014/main" id="{CDEA72C2-D7D1-45FC-8165-994890294CAF}"/>
+              </a:ext>
+            </a:extLst>
+          </p:cNvPr>
+          <p:cNvPicPr>
+            <a:picLocks noChangeAspect="1"/>
+          </p:cNvPicPr>
+          <p:nvPr/>
+        </p:nvPicPr>
+        <p:blipFill>
+          <a:blip r:embed="rId3"/>
+          <a:stretch>
+            <a:fillRect/>
+          </a:stretch>
+        </p:blipFill>
+        <p:spPr>
+          <a:xfrm>
+            <a:off x="7531896" y="4065120"/>
+            <a:ext cx="677070" cy="680938"/>
+          </a:xfrm>
+          <a:prstGeom prst="rect">
+            <a:avLst/>
+          </a:prstGeom>
+        </p:spPr>
+      </p:pic>
+      <p:pic>
+        <p:nvPicPr>
+          <p:cNvPr id="37" name="Picture 36">
+            <a:extLst>
+              <a:ext uri="{FF2B5EF4-FFF2-40B4-BE49-F238E27FC236}">
+                <a16:creationId xmlns:a16="http://schemas.microsoft.com/office/drawing/2014/main" id="{F665A401-54A7-4407-87C1-8F277AEC659B}"/>
+              </a:ext>
+            </a:extLst>
+          </p:cNvPr>
+          <p:cNvPicPr>
+            <a:picLocks noChangeAspect="1"/>
+          </p:cNvPicPr>
+          <p:nvPr/>
+        </p:nvPicPr>
+        <p:blipFill>
+          <a:blip r:embed="rId3"/>
+          <a:stretch>
+            <a:fillRect/>
+          </a:stretch>
+        </p:blipFill>
+        <p:spPr>
+          <a:xfrm>
+            <a:off x="6725117" y="4873687"/>
+            <a:ext cx="677070" cy="680938"/>
+          </a:xfrm>
+          <a:prstGeom prst="rect">
+            <a:avLst/>
+          </a:prstGeom>
+        </p:spPr>
+      </p:pic>
+      <p:sp>
+        <p:nvSpPr>
+          <p:cNvPr id="57" name="Oval 56">
+            <a:extLst>
+              <a:ext uri="{FF2B5EF4-FFF2-40B4-BE49-F238E27FC236}">
+                <a16:creationId xmlns:a16="http://schemas.microsoft.com/office/drawing/2014/main" id="{C2D34B09-B895-44AB-A6A4-233076706EB9}"/>
+              </a:ext>
+            </a:extLst>
+          </p:cNvPr>
+          <p:cNvSpPr/>
+          <p:nvPr/>
+        </p:nvSpPr>
+        <p:spPr>
+          <a:xfrm>
+            <a:off x="4214674" y="3240061"/>
             <a:ext cx="142042" cy="146759"/>
           </a:xfrm>
           <a:prstGeom prst="ellipse">
@@ -9727,10 +10109,10 @@
       </p:sp>
       <p:sp>
         <p:nvSpPr>
-          <p:cNvPr id="72" name="Oval 71">
-            <a:extLst>
-              <a:ext uri="{FF2B5EF4-FFF2-40B4-BE49-F238E27FC236}">
-                <a16:creationId xmlns:a16="http://schemas.microsoft.com/office/drawing/2014/main" id="{748B632C-3A45-4464-A891-D5D802359DD7}"/>
+          <p:cNvPr id="67" name="Oval 66">
+            <a:extLst>
+              <a:ext uri="{FF2B5EF4-FFF2-40B4-BE49-F238E27FC236}">
+                <a16:creationId xmlns:a16="http://schemas.microsoft.com/office/drawing/2014/main" id="{DE8D3D7D-6FC9-4ED1-9046-6C851B1043F1}"/>
               </a:ext>
             </a:extLst>
           </p:cNvPr>
@@ -9739,7 +10121,7 @@
         </p:nvSpPr>
         <p:spPr>
           <a:xfrm>
-            <a:off x="6578323" y="1917915"/>
+            <a:off x="6632606" y="4572323"/>
             <a:ext cx="142042" cy="146759"/>
           </a:xfrm>
           <a:prstGeom prst="ellipse">
@@ -9782,10 +10164,10 @@
       </p:sp>
       <p:sp>
         <p:nvSpPr>
-          <p:cNvPr id="74" name="Oval 73">
-            <a:extLst>
-              <a:ext uri="{FF2B5EF4-FFF2-40B4-BE49-F238E27FC236}">
-                <a16:creationId xmlns:a16="http://schemas.microsoft.com/office/drawing/2014/main" id="{78616EFC-6375-4CF7-8166-C576E1E22167}"/>
+          <p:cNvPr id="69" name="Oval 68">
+            <a:extLst>
+              <a:ext uri="{FF2B5EF4-FFF2-40B4-BE49-F238E27FC236}">
+                <a16:creationId xmlns:a16="http://schemas.microsoft.com/office/drawing/2014/main" id="{8183AD7F-CAF2-4372-92AE-207B6469511A}"/>
               </a:ext>
             </a:extLst>
           </p:cNvPr>
@@ -9794,7 +10176,7 @@
         </p:nvSpPr>
         <p:spPr>
           <a:xfrm>
-            <a:off x="4412823" y="2500679"/>
+            <a:off x="7191156" y="3931570"/>
             <a:ext cx="142042" cy="146759"/>
           </a:xfrm>
           <a:prstGeom prst="ellipse">
@@ -9803,7 +10185,7 @@
           <a:noFill/>
           <a:ln>
             <a:solidFill>
-              <a:srgbClr val="E90B7A"/>
+              <a:schemeClr val="accent1"/>
             </a:solidFill>
           </a:ln>
         </p:spPr>
@@ -9832,392 +10214,10 @@
           </a:p>
         </p:txBody>
       </p:sp>
-      <p:sp>
-        <p:nvSpPr>
-          <p:cNvPr id="76" name="Oval 75">
-            <a:extLst>
-              <a:ext uri="{FF2B5EF4-FFF2-40B4-BE49-F238E27FC236}">
-                <a16:creationId xmlns:a16="http://schemas.microsoft.com/office/drawing/2014/main" id="{FBBE9DAC-AB09-4140-BE70-9D9238D13CAD}"/>
-              </a:ext>
-            </a:extLst>
-          </p:cNvPr>
-          <p:cNvSpPr/>
-          <p:nvPr/>
-        </p:nvSpPr>
-        <p:spPr>
-          <a:xfrm>
-            <a:off x="7140367" y="2500679"/>
-            <a:ext cx="142042" cy="146759"/>
-          </a:xfrm>
-          <a:prstGeom prst="ellipse">
-            <a:avLst/>
-          </a:prstGeom>
-          <a:noFill/>
-          <a:ln>
-            <a:solidFill>
-              <a:srgbClr val="E90B7A"/>
-            </a:solidFill>
-          </a:ln>
-        </p:spPr>
-        <p:style>
-          <a:lnRef idx="2">
-            <a:schemeClr val="accent1">
-              <a:shade val="50000"/>
-            </a:schemeClr>
-          </a:lnRef>
-          <a:fillRef idx="1">
-            <a:schemeClr val="accent1"/>
-          </a:fillRef>
-          <a:effectRef idx="0">
-            <a:schemeClr val="accent1"/>
-          </a:effectRef>
-          <a:fontRef idx="minor">
-            <a:schemeClr val="lt1"/>
-          </a:fontRef>
-        </p:style>
-        <p:txBody>
-          <a:bodyPr rtlCol="0" anchor="ctr"/>
-          <a:lstStyle/>
-          <a:p>
-            <a:pPr algn="ctr"/>
-            <a:endParaRPr lang="en-IN"/>
-          </a:p>
-        </p:txBody>
-      </p:sp>
-      <p:pic>
-        <p:nvPicPr>
-          <p:cNvPr id="78" name="Picture 77">
-            <a:extLst>
-              <a:ext uri="{FF2B5EF4-FFF2-40B4-BE49-F238E27FC236}">
-                <a16:creationId xmlns:a16="http://schemas.microsoft.com/office/drawing/2014/main" id="{23356FD2-6BB6-44CB-BA6D-24A505677D3B}"/>
-              </a:ext>
-            </a:extLst>
-          </p:cNvPr>
-          <p:cNvPicPr>
-            <a:picLocks noChangeAspect="1"/>
-          </p:cNvPicPr>
-          <p:nvPr/>
-        </p:nvPicPr>
-        <p:blipFill>
-          <a:blip r:embed="rId4"/>
-          <a:stretch>
-            <a:fillRect/>
-          </a:stretch>
-        </p:blipFill>
-        <p:spPr>
-          <a:xfrm>
-            <a:off x="3497880" y="4098360"/>
-            <a:ext cx="695824" cy="677758"/>
-          </a:xfrm>
-          <a:prstGeom prst="rect">
-            <a:avLst/>
-          </a:prstGeom>
-        </p:spPr>
-      </p:pic>
-      <p:pic>
-        <p:nvPicPr>
-          <p:cNvPr id="81" name="Picture 80">
-            <a:extLst>
-              <a:ext uri="{FF2B5EF4-FFF2-40B4-BE49-F238E27FC236}">
-                <a16:creationId xmlns:a16="http://schemas.microsoft.com/office/drawing/2014/main" id="{CB3F0A85-B218-4DC2-8CCB-87D4E512E486}"/>
-              </a:ext>
-            </a:extLst>
-          </p:cNvPr>
-          <p:cNvPicPr>
-            <a:picLocks noChangeAspect="1"/>
-          </p:cNvPicPr>
-          <p:nvPr/>
-        </p:nvPicPr>
-        <p:blipFill>
-          <a:blip r:embed="rId5"/>
-          <a:stretch>
-            <a:fillRect/>
-          </a:stretch>
-        </p:blipFill>
-        <p:spPr>
-          <a:xfrm>
-            <a:off x="5574730" y="5160473"/>
-            <a:ext cx="676735" cy="680603"/>
-          </a:xfrm>
-          <a:prstGeom prst="rect">
-            <a:avLst/>
-          </a:prstGeom>
-        </p:spPr>
-      </p:pic>
-      <p:pic>
-        <p:nvPicPr>
-          <p:cNvPr id="82" name="Picture 81">
-            <a:extLst>
-              <a:ext uri="{FF2B5EF4-FFF2-40B4-BE49-F238E27FC236}">
-                <a16:creationId xmlns:a16="http://schemas.microsoft.com/office/drawing/2014/main" id="{EB1C76D4-473B-4EAC-A4D2-AB156A3C2397}"/>
-              </a:ext>
-            </a:extLst>
-          </p:cNvPr>
-          <p:cNvPicPr>
-            <a:picLocks noChangeAspect="1"/>
-          </p:cNvPicPr>
-          <p:nvPr/>
-        </p:nvPicPr>
-        <p:blipFill>
-          <a:blip r:embed="rId6"/>
-          <a:stretch>
-            <a:fillRect/>
-          </a:stretch>
-        </p:blipFill>
-        <p:spPr>
-          <a:xfrm>
-            <a:off x="3512517" y="1895031"/>
-            <a:ext cx="689096" cy="693034"/>
-          </a:xfrm>
-          <a:prstGeom prst="rect">
-            <a:avLst/>
-          </a:prstGeom>
-        </p:spPr>
-      </p:pic>
-      <p:pic>
-        <p:nvPicPr>
-          <p:cNvPr id="83" name="Picture 82">
-            <a:extLst>
-              <a:ext uri="{FF2B5EF4-FFF2-40B4-BE49-F238E27FC236}">
-                <a16:creationId xmlns:a16="http://schemas.microsoft.com/office/drawing/2014/main" id="{4BCC7AE6-DF2C-465D-AC3E-6DC806CAF88C}"/>
-              </a:ext>
-            </a:extLst>
-          </p:cNvPr>
-          <p:cNvPicPr>
-            <a:picLocks noChangeAspect="1"/>
-          </p:cNvPicPr>
-          <p:nvPr/>
-        </p:nvPicPr>
-        <p:blipFill>
-          <a:blip r:embed="rId7"/>
-          <a:stretch>
-            <a:fillRect/>
-          </a:stretch>
-        </p:blipFill>
-        <p:spPr>
-          <a:xfrm>
-            <a:off x="6718924" y="4861142"/>
-            <a:ext cx="692515" cy="692515"/>
-          </a:xfrm>
-          <a:prstGeom prst="rect">
-            <a:avLst/>
-          </a:prstGeom>
-        </p:spPr>
-      </p:pic>
-      <p:pic>
-        <p:nvPicPr>
-          <p:cNvPr id="84" name="Picture 83">
-            <a:extLst>
-              <a:ext uri="{FF2B5EF4-FFF2-40B4-BE49-F238E27FC236}">
-                <a16:creationId xmlns:a16="http://schemas.microsoft.com/office/drawing/2014/main" id="{1D3736D8-FF9C-470E-8382-E2E611BC348F}"/>
-              </a:ext>
-            </a:extLst>
-          </p:cNvPr>
-          <p:cNvPicPr>
-            <a:picLocks noChangeAspect="1"/>
-          </p:cNvPicPr>
-          <p:nvPr/>
-        </p:nvPicPr>
-        <p:blipFill>
-          <a:blip r:embed="rId8"/>
-          <a:stretch>
-            <a:fillRect/>
-          </a:stretch>
-        </p:blipFill>
-        <p:spPr>
-          <a:xfrm>
-            <a:off x="7526521" y="4062692"/>
-            <a:ext cx="692892" cy="688955"/>
-          </a:xfrm>
-          <a:prstGeom prst="rect">
-            <a:avLst/>
-          </a:prstGeom>
-        </p:spPr>
-      </p:pic>
-      <p:pic>
-        <p:nvPicPr>
-          <p:cNvPr id="86" name="Picture 85">
-            <a:extLst>
-              <a:ext uri="{FF2B5EF4-FFF2-40B4-BE49-F238E27FC236}">
-                <a16:creationId xmlns:a16="http://schemas.microsoft.com/office/drawing/2014/main" id="{6234379D-0B02-4D69-9DD4-799EF872608D}"/>
-              </a:ext>
-            </a:extLst>
-          </p:cNvPr>
-          <p:cNvPicPr>
-            <a:picLocks noChangeAspect="1"/>
-          </p:cNvPicPr>
-          <p:nvPr/>
-        </p:nvPicPr>
-        <p:blipFill>
-          <a:blip r:embed="rId9"/>
-          <a:stretch>
-            <a:fillRect/>
-          </a:stretch>
-        </p:blipFill>
-        <p:spPr>
-          <a:xfrm>
-            <a:off x="6671420" y="1064683"/>
-            <a:ext cx="694745" cy="694745"/>
-          </a:xfrm>
-          <a:prstGeom prst="rect">
-            <a:avLst/>
-          </a:prstGeom>
-        </p:spPr>
-      </p:pic>
-      <p:pic>
-        <p:nvPicPr>
-          <p:cNvPr id="87" name="Picture 86">
-            <a:extLst>
-              <a:ext uri="{FF2B5EF4-FFF2-40B4-BE49-F238E27FC236}">
-                <a16:creationId xmlns:a16="http://schemas.microsoft.com/office/drawing/2014/main" id="{04C41317-5A8E-4E32-8CEF-D76537743483}"/>
-              </a:ext>
-            </a:extLst>
-          </p:cNvPr>
-          <p:cNvPicPr>
-            <a:picLocks noChangeAspect="1"/>
-          </p:cNvPicPr>
-          <p:nvPr/>
-        </p:nvPicPr>
-        <p:blipFill>
-          <a:blip r:embed="rId10"/>
-          <a:stretch>
-            <a:fillRect/>
-          </a:stretch>
-        </p:blipFill>
-        <p:spPr>
-          <a:xfrm>
-            <a:off x="4339116" y="4916567"/>
-            <a:ext cx="703492" cy="678333"/>
-          </a:xfrm>
-          <a:prstGeom prst="rect">
-            <a:avLst/>
-          </a:prstGeom>
-        </p:spPr>
-      </p:pic>
-      <p:pic>
-        <p:nvPicPr>
-          <p:cNvPr id="88" name="Picture 87">
-            <a:extLst>
-              <a:ext uri="{FF2B5EF4-FFF2-40B4-BE49-F238E27FC236}">
-                <a16:creationId xmlns:a16="http://schemas.microsoft.com/office/drawing/2014/main" id="{064B9560-C48D-4646-88D0-D4543C35435D}"/>
-              </a:ext>
-            </a:extLst>
-          </p:cNvPr>
-          <p:cNvPicPr>
-            <a:picLocks noChangeAspect="1"/>
-          </p:cNvPicPr>
-          <p:nvPr/>
-        </p:nvPicPr>
-        <p:blipFill>
-          <a:blip r:embed="rId11"/>
-          <a:stretch>
-            <a:fillRect/>
-          </a:stretch>
-        </p:blipFill>
-        <p:spPr>
-          <a:xfrm>
-            <a:off x="7420391" y="1828238"/>
-            <a:ext cx="701735" cy="701735"/>
-          </a:xfrm>
-          <a:prstGeom prst="rect">
-            <a:avLst/>
-          </a:prstGeom>
-        </p:spPr>
-      </p:pic>
-      <p:pic>
-        <p:nvPicPr>
-          <p:cNvPr id="89" name="Picture 88">
-            <a:extLst>
-              <a:ext uri="{FF2B5EF4-FFF2-40B4-BE49-F238E27FC236}">
-                <a16:creationId xmlns:a16="http://schemas.microsoft.com/office/drawing/2014/main" id="{64E3AABC-E52B-4FF1-9032-D8983F39ADB3}"/>
-              </a:ext>
-            </a:extLst>
-          </p:cNvPr>
-          <p:cNvPicPr>
-            <a:picLocks noChangeAspect="1"/>
-          </p:cNvPicPr>
-          <p:nvPr/>
-        </p:nvPicPr>
-        <p:blipFill>
-          <a:blip r:embed="rId12"/>
-          <a:stretch>
-            <a:fillRect/>
-          </a:stretch>
-        </p:blipFill>
-        <p:spPr>
-          <a:xfrm>
-            <a:off x="7744788" y="2908298"/>
-            <a:ext cx="704682" cy="700678"/>
-          </a:xfrm>
-          <a:prstGeom prst="rect">
-            <a:avLst/>
-          </a:prstGeom>
-        </p:spPr>
-      </p:pic>
-      <p:pic>
-        <p:nvPicPr>
-          <p:cNvPr id="90" name="Picture 89">
-            <a:extLst>
-              <a:ext uri="{FF2B5EF4-FFF2-40B4-BE49-F238E27FC236}">
-                <a16:creationId xmlns:a16="http://schemas.microsoft.com/office/drawing/2014/main" id="{2646593F-A4D2-424C-9255-4BDE5E7F7822}"/>
-              </a:ext>
-            </a:extLst>
-          </p:cNvPr>
-          <p:cNvPicPr>
-            <a:picLocks noChangeAspect="1"/>
-          </p:cNvPicPr>
-          <p:nvPr/>
-        </p:nvPicPr>
-        <p:blipFill>
-          <a:blip r:embed="rId13"/>
-          <a:stretch>
-            <a:fillRect/>
-          </a:stretch>
-        </p:blipFill>
-        <p:spPr>
-          <a:xfrm>
-            <a:off x="5511856" y="793367"/>
-            <a:ext cx="675880" cy="686970"/>
-          </a:xfrm>
-          <a:prstGeom prst="rect">
-            <a:avLst/>
-          </a:prstGeom>
-        </p:spPr>
-      </p:pic>
-      <p:pic>
-        <p:nvPicPr>
-          <p:cNvPr id="91" name="Picture 90">
-            <a:extLst>
-              <a:ext uri="{FF2B5EF4-FFF2-40B4-BE49-F238E27FC236}">
-                <a16:creationId xmlns:a16="http://schemas.microsoft.com/office/drawing/2014/main" id="{D0634D19-8A56-4ED8-9D36-AAAD8CF1F0E3}"/>
-              </a:ext>
-            </a:extLst>
-          </p:cNvPr>
-          <p:cNvPicPr>
-            <a:picLocks noChangeAspect="1"/>
-          </p:cNvPicPr>
-          <p:nvPr/>
-        </p:nvPicPr>
-        <p:blipFill>
-          <a:blip r:embed="rId14"/>
-          <a:stretch>
-            <a:fillRect/>
-          </a:stretch>
-        </p:blipFill>
-        <p:spPr>
-          <a:xfrm>
-            <a:off x="3254449" y="2976257"/>
-            <a:ext cx="700181" cy="673339"/>
-          </a:xfrm>
-          <a:prstGeom prst="rect">
-            <a:avLst/>
-          </a:prstGeom>
-        </p:spPr>
-      </p:pic>
     </p:spTree>
     <p:extLst>
       <p:ext uri="{BB962C8B-B14F-4D97-AF65-F5344CB8AC3E}">
-        <p14:creationId xmlns:p14="http://schemas.microsoft.com/office/powerpoint/2010/main" val="279956939"/>
+        <p14:creationId xmlns:p14="http://schemas.microsoft.com/office/powerpoint/2010/main" val="45816385"/>
       </p:ext>
     </p:extLst>
   </p:cSld>

--- a/src/assets/Image.pptx
+++ b/src/assets/Image.pptx
@@ -264,7 +264,7 @@
           <a:p>
             <a:fld id="{C78478C6-0EA8-4576-8781-E13A69042FE5}" type="datetimeFigureOut">
               <a:rPr lang="en-IN" smtClean="0"/>
-              <a:t>10-09-2020</a:t>
+              <a:t>16-09-2020</a:t>
             </a:fld>
             <a:endParaRPr lang="en-IN"/>
           </a:p>
@@ -464,7 +464,7 @@
           <a:p>
             <a:fld id="{C78478C6-0EA8-4576-8781-E13A69042FE5}" type="datetimeFigureOut">
               <a:rPr lang="en-IN" smtClean="0"/>
-              <a:t>10-09-2020</a:t>
+              <a:t>16-09-2020</a:t>
             </a:fld>
             <a:endParaRPr lang="en-IN"/>
           </a:p>
@@ -674,7 +674,7 @@
           <a:p>
             <a:fld id="{C78478C6-0EA8-4576-8781-E13A69042FE5}" type="datetimeFigureOut">
               <a:rPr lang="en-IN" smtClean="0"/>
-              <a:t>10-09-2020</a:t>
+              <a:t>16-09-2020</a:t>
             </a:fld>
             <a:endParaRPr lang="en-IN"/>
           </a:p>
@@ -874,7 +874,7 @@
           <a:p>
             <a:fld id="{C78478C6-0EA8-4576-8781-E13A69042FE5}" type="datetimeFigureOut">
               <a:rPr lang="en-IN" smtClean="0"/>
-              <a:t>10-09-2020</a:t>
+              <a:t>16-09-2020</a:t>
             </a:fld>
             <a:endParaRPr lang="en-IN"/>
           </a:p>
@@ -1150,7 +1150,7 @@
           <a:p>
             <a:fld id="{C78478C6-0EA8-4576-8781-E13A69042FE5}" type="datetimeFigureOut">
               <a:rPr lang="en-IN" smtClean="0"/>
-              <a:t>10-09-2020</a:t>
+              <a:t>16-09-2020</a:t>
             </a:fld>
             <a:endParaRPr lang="en-IN"/>
           </a:p>
@@ -1418,7 +1418,7 @@
           <a:p>
             <a:fld id="{C78478C6-0EA8-4576-8781-E13A69042FE5}" type="datetimeFigureOut">
               <a:rPr lang="en-IN" smtClean="0"/>
-              <a:t>10-09-2020</a:t>
+              <a:t>16-09-2020</a:t>
             </a:fld>
             <a:endParaRPr lang="en-IN"/>
           </a:p>
@@ -1833,7 +1833,7 @@
           <a:p>
             <a:fld id="{C78478C6-0EA8-4576-8781-E13A69042FE5}" type="datetimeFigureOut">
               <a:rPr lang="en-IN" smtClean="0"/>
-              <a:t>10-09-2020</a:t>
+              <a:t>16-09-2020</a:t>
             </a:fld>
             <a:endParaRPr lang="en-IN"/>
           </a:p>
@@ -1975,7 +1975,7 @@
           <a:p>
             <a:fld id="{C78478C6-0EA8-4576-8781-E13A69042FE5}" type="datetimeFigureOut">
               <a:rPr lang="en-IN" smtClean="0"/>
-              <a:t>10-09-2020</a:t>
+              <a:t>16-09-2020</a:t>
             </a:fld>
             <a:endParaRPr lang="en-IN"/>
           </a:p>
@@ -2088,7 +2088,7 @@
           <a:p>
             <a:fld id="{C78478C6-0EA8-4576-8781-E13A69042FE5}" type="datetimeFigureOut">
               <a:rPr lang="en-IN" smtClean="0"/>
-              <a:t>10-09-2020</a:t>
+              <a:t>16-09-2020</a:t>
             </a:fld>
             <a:endParaRPr lang="en-IN"/>
           </a:p>
@@ -2401,7 +2401,7 @@
           <a:p>
             <a:fld id="{C78478C6-0EA8-4576-8781-E13A69042FE5}" type="datetimeFigureOut">
               <a:rPr lang="en-IN" smtClean="0"/>
-              <a:t>10-09-2020</a:t>
+              <a:t>16-09-2020</a:t>
             </a:fld>
             <a:endParaRPr lang="en-IN"/>
           </a:p>
@@ -2690,7 +2690,7 @@
           <a:p>
             <a:fld id="{C78478C6-0EA8-4576-8781-E13A69042FE5}" type="datetimeFigureOut">
               <a:rPr lang="en-IN" smtClean="0"/>
-              <a:t>10-09-2020</a:t>
+              <a:t>16-09-2020</a:t>
             </a:fld>
             <a:endParaRPr lang="en-IN"/>
           </a:p>
@@ -2933,7 +2933,7 @@
           <a:p>
             <a:fld id="{C78478C6-0EA8-4576-8781-E13A69042FE5}" type="datetimeFigureOut">
               <a:rPr lang="en-IN" smtClean="0"/>
-              <a:t>10-09-2020</a:t>
+              <a:t>16-09-2020</a:t>
             </a:fld>
             <a:endParaRPr lang="en-IN"/>
           </a:p>
@@ -3509,7 +3509,7 @@
           <a:p>
             <a:r>
               <a:rPr lang="en-US" sz="1400" dirty="0"/>
-              <a:t>HPALM/RQM/Octane</a:t>
+              <a:t>HPALM /Octane /RQM</a:t>
             </a:r>
             <a:endParaRPr lang="en-IN" sz="1400" dirty="0"/>
           </a:p>
@@ -3650,7 +3650,7 @@
             <a:pPr algn="ctr"/>
             <a:r>
               <a:rPr lang="en-US" sz="1400" dirty="0"/>
-              <a:t>Appscan</a:t>
+              <a:t>AppScan</a:t>
             </a:r>
             <a:endParaRPr lang="en-IN" sz="1400" dirty="0"/>
           </a:p>
@@ -3696,7 +3696,7 @@
           <a:p>
             <a:r>
               <a:rPr lang="en-US" sz="1400" dirty="0"/>
-              <a:t>Clearcase/GitHub/TFS</a:t>
+              <a:t>ClearCase/GitHub/TFS</a:t>
             </a:r>
             <a:endParaRPr lang="en-IN" sz="1400" dirty="0"/>
           </a:p>
@@ -3793,7 +3793,7 @@
             <a:pPr algn="ctr"/>
             <a:r>
               <a:rPr lang="en-US" sz="1400" dirty="0"/>
-              <a:t>HPALM/RRC/Octane </a:t>
+              <a:t>HPALM /Octane/RRC</a:t>
             </a:r>
             <a:endParaRPr lang="en-IN" sz="1400" dirty="0"/>
           </a:p>
@@ -3839,7 +3839,7 @@
           <a:p>
             <a:r>
               <a:rPr lang="en-US" sz="1400" dirty="0"/>
-              <a:t>Servicenow/WorkSmart</a:t>
+              <a:t>ServiceNow/WorkSmart</a:t>
             </a:r>
             <a:endParaRPr lang="en-IN" sz="1400" dirty="0"/>
           </a:p>
@@ -3942,7 +3942,7 @@
             <a:pPr algn="ctr"/>
             <a:r>
               <a:rPr lang="en-US" sz="1400" dirty="0"/>
-              <a:t>Sharepoint</a:t>
+              <a:t>SharePoint</a:t>
             </a:r>
             <a:endParaRPr lang="en-IN" sz="1400" dirty="0"/>
           </a:p>
@@ -4795,7 +4795,7 @@
             </a:r>
             <a:r>
               <a:rPr lang="en-IN" b="1" dirty="0"/>
-              <a:t>Saas mode </a:t>
+              <a:t>SaaS mode </a:t>
             </a:r>
             <a:r>
               <a:rPr lang="en-IN" dirty="0"/>
@@ -6750,7 +6750,7 @@
           <a:p>
             <a:pPr algn="ctr"/>
             <a:r>
-              <a:rPr lang="en-US" sz="1400" dirty="0"/>
+              <a:rPr lang="en-US" sz="1400" dirty="0" err="1"/>
               <a:t>Appscan</a:t>
             </a:r>
             <a:endParaRPr lang="en-IN" sz="1400" dirty="0"/>
@@ -8152,7 +8152,7 @@
           <a:p>
             <a:pPr algn="ctr"/>
             <a:r>
-              <a:rPr lang="en-US" sz="1400" dirty="0"/>
+              <a:rPr lang="en-US" sz="1400" dirty="0" err="1"/>
               <a:t>Appscan</a:t>
             </a:r>
             <a:endParaRPr lang="en-IN" sz="1400" dirty="0"/>
@@ -10537,7 +10537,7 @@
           <a:p>
             <a:pPr algn="ctr"/>
             <a:r>
-              <a:rPr lang="en-US" sz="1400" dirty="0"/>
+              <a:rPr lang="en-US" sz="1400" dirty="0" err="1"/>
               <a:t>Appscan</a:t>
             </a:r>
             <a:endParaRPr lang="en-IN" sz="1400" dirty="0"/>
